--- a/Nmapscanner_Presentation.pptx
+++ b/Nmapscanner_Presentation.pptx
@@ -8,6 +8,7 @@
     <p:sldId id="256" r:id="rId2"/>
     <p:sldId id="257" r:id="rId3"/>
     <p:sldId id="258" r:id="rId4"/>
+    <p:sldId id="259" r:id="rId5"/>
   </p:sldIdLst>
   <p:sldSz cx="12192000" cy="6858000"/>
   <p:notesSz cx="6858000" cy="9144000"/>
@@ -106,6 +107,11 @@
       </a:defRPr>
     </a:lvl9pPr>
   </p:defaultTextStyle>
+  <p:extLst>
+    <p:ext uri="{EFAFB233-063F-42B5-8137-9DF3F51BA10A}">
+      <p15:sldGuideLst xmlns:p15="http://schemas.microsoft.com/office/powerpoint/2012/main"/>
+    </p:ext>
+  </p:extLst>
 </p:presentation>
 </file>
 
@@ -256,7 +262,7 @@
           <a:p>
             <a:fld id="{FBBF67D9-30EE-4841-A430-DD7FE06690F4}" type="datetimeFigureOut">
               <a:rPr lang="en-US" smtClean="0"/>
-              <a:t>3/7/24</a:t>
+              <a:t>3/7/2024</a:t>
             </a:fld>
             <a:endParaRPr lang="en-US"/>
           </a:p>
@@ -454,7 +460,7 @@
           <a:p>
             <a:fld id="{FBBF67D9-30EE-4841-A430-DD7FE06690F4}" type="datetimeFigureOut">
               <a:rPr lang="en-US" smtClean="0"/>
-              <a:t>3/7/24</a:t>
+              <a:t>3/7/2024</a:t>
             </a:fld>
             <a:endParaRPr lang="en-US"/>
           </a:p>
@@ -662,7 +668,7 @@
           <a:p>
             <a:fld id="{FBBF67D9-30EE-4841-A430-DD7FE06690F4}" type="datetimeFigureOut">
               <a:rPr lang="en-US" smtClean="0"/>
-              <a:t>3/7/24</a:t>
+              <a:t>3/7/2024</a:t>
             </a:fld>
             <a:endParaRPr lang="en-US"/>
           </a:p>
@@ -860,7 +866,7 @@
           <a:p>
             <a:fld id="{FBBF67D9-30EE-4841-A430-DD7FE06690F4}" type="datetimeFigureOut">
               <a:rPr lang="en-US" smtClean="0"/>
-              <a:t>3/7/24</a:t>
+              <a:t>3/7/2024</a:t>
             </a:fld>
             <a:endParaRPr lang="en-US"/>
           </a:p>
@@ -1135,7 +1141,7 @@
           <a:p>
             <a:fld id="{FBBF67D9-30EE-4841-A430-DD7FE06690F4}" type="datetimeFigureOut">
               <a:rPr lang="en-US" smtClean="0"/>
-              <a:t>3/7/24</a:t>
+              <a:t>3/7/2024</a:t>
             </a:fld>
             <a:endParaRPr lang="en-US"/>
           </a:p>
@@ -1400,7 +1406,7 @@
           <a:p>
             <a:fld id="{FBBF67D9-30EE-4841-A430-DD7FE06690F4}" type="datetimeFigureOut">
               <a:rPr lang="en-US" smtClean="0"/>
-              <a:t>3/7/24</a:t>
+              <a:t>3/7/2024</a:t>
             </a:fld>
             <a:endParaRPr lang="en-US"/>
           </a:p>
@@ -1812,7 +1818,7 @@
           <a:p>
             <a:fld id="{FBBF67D9-30EE-4841-A430-DD7FE06690F4}" type="datetimeFigureOut">
               <a:rPr lang="en-US" smtClean="0"/>
-              <a:t>3/7/24</a:t>
+              <a:t>3/7/2024</a:t>
             </a:fld>
             <a:endParaRPr lang="en-US"/>
           </a:p>
@@ -1953,7 +1959,7 @@
           <a:p>
             <a:fld id="{FBBF67D9-30EE-4841-A430-DD7FE06690F4}" type="datetimeFigureOut">
               <a:rPr lang="en-US" smtClean="0"/>
-              <a:t>3/7/24</a:t>
+              <a:t>3/7/2024</a:t>
             </a:fld>
             <a:endParaRPr lang="en-US"/>
           </a:p>
@@ -2066,7 +2072,7 @@
           <a:p>
             <a:fld id="{FBBF67D9-30EE-4841-A430-DD7FE06690F4}" type="datetimeFigureOut">
               <a:rPr lang="en-US" smtClean="0"/>
-              <a:t>3/7/24</a:t>
+              <a:t>3/7/2024</a:t>
             </a:fld>
             <a:endParaRPr lang="en-US"/>
           </a:p>
@@ -2377,7 +2383,7 @@
           <a:p>
             <a:fld id="{FBBF67D9-30EE-4841-A430-DD7FE06690F4}" type="datetimeFigureOut">
               <a:rPr lang="en-US" smtClean="0"/>
-              <a:t>3/7/24</a:t>
+              <a:t>3/7/2024</a:t>
             </a:fld>
             <a:endParaRPr lang="en-US"/>
           </a:p>
@@ -2665,7 +2671,7 @@
           <a:p>
             <a:fld id="{FBBF67D9-30EE-4841-A430-DD7FE06690F4}" type="datetimeFigureOut">
               <a:rPr lang="en-US" smtClean="0"/>
-              <a:t>3/7/24</a:t>
+              <a:t>3/7/2024</a:t>
             </a:fld>
             <a:endParaRPr lang="en-US"/>
           </a:p>
@@ -2906,7 +2912,7 @@
           <a:p>
             <a:fld id="{FBBF67D9-30EE-4841-A430-DD7FE06690F4}" type="datetimeFigureOut">
               <a:rPr lang="en-US" smtClean="0"/>
-              <a:t>3/7/24</a:t>
+              <a:t>3/7/2024</a:t>
             </a:fld>
             <a:endParaRPr lang="en-US"/>
           </a:p>
@@ -3756,6 +3762,248 @@
 </p:sld>
 </file>
 
+<file path=ppt/slides/slide4.xml><?xml version="1.0" encoding="utf-8"?>
+<p:sld xmlns:a="http://schemas.openxmlformats.org/drawingml/2006/main" xmlns:r="http://schemas.openxmlformats.org/officeDocument/2006/relationships" xmlns:p="http://schemas.openxmlformats.org/presentationml/2006/main">
+  <p:cSld>
+    <p:spTree>
+      <p:nvGrpSpPr>
+        <p:cNvPr id="1" name=""/>
+        <p:cNvGrpSpPr/>
+        <p:nvPr/>
+      </p:nvGrpSpPr>
+      <p:grpSpPr>
+        <a:xfrm>
+          <a:off x="0" y="0"/>
+          <a:ext cx="0" cy="0"/>
+          <a:chOff x="0" y="0"/>
+          <a:chExt cx="0" cy="0"/>
+        </a:xfrm>
+      </p:grpSpPr>
+      <p:sp>
+        <p:nvSpPr>
+          <p:cNvPr id="2" name="Title 1">
+            <a:extLst>
+              <a:ext uri="{FF2B5EF4-FFF2-40B4-BE49-F238E27FC236}">
+                <a16:creationId xmlns:a16="http://schemas.microsoft.com/office/drawing/2014/main" id="{9925ABEB-B8C6-4CC7-8A23-A10364A90D08}"/>
+              </a:ext>
+            </a:extLst>
+          </p:cNvPr>
+          <p:cNvSpPr>
+            <a:spLocks noGrp="1"/>
+          </p:cNvSpPr>
+          <p:nvPr>
+            <p:ph type="title"/>
+          </p:nvPr>
+        </p:nvSpPr>
+        <p:spPr/>
+        <p:txBody>
+          <a:bodyPr/>
+          <a:lstStyle/>
+          <a:p>
+            <a:pPr marL="0" marR="0">
+              <a:lnSpc>
+                <a:spcPct val="107000"/>
+              </a:lnSpc>
+              <a:spcBef>
+                <a:spcPts val="0"/>
+              </a:spcBef>
+              <a:spcAft>
+                <a:spcPts val="800"/>
+              </a:spcAft>
+            </a:pPr>
+            <a:r>
+              <a:rPr lang="ar-KW" sz="1800" dirty="0">
+                <a:effectLst/>
+                <a:latin typeface="Calibri" panose="020F0502020204030204" pitchFamily="34" charset="0"/>
+                <a:ea typeface="Calibri" panose="020F0502020204030204" pitchFamily="34" charset="0"/>
+                <a:cs typeface="Arial" panose="020B0604020202020204" pitchFamily="34" charset="0"/>
+              </a:rPr>
+              <a:t>المشاكل الحالية والسابقة</a:t>
+            </a:r>
+            <a:endParaRPr lang="en-US" sz="1800" dirty="0">
+              <a:effectLst/>
+              <a:latin typeface="Calibri" panose="020F0502020204030204" pitchFamily="34" charset="0"/>
+              <a:ea typeface="Calibri" panose="020F0502020204030204" pitchFamily="34" charset="0"/>
+              <a:cs typeface="Arial" panose="020B0604020202020204" pitchFamily="34" charset="0"/>
+            </a:endParaRPr>
+          </a:p>
+        </p:txBody>
+      </p:sp>
+      <p:sp>
+        <p:nvSpPr>
+          <p:cNvPr id="3" name="Content Placeholder 2">
+            <a:extLst>
+              <a:ext uri="{FF2B5EF4-FFF2-40B4-BE49-F238E27FC236}">
+                <a16:creationId xmlns:a16="http://schemas.microsoft.com/office/drawing/2014/main" id="{7FDAB790-449E-4105-8FD7-D4F6F4E71394}"/>
+              </a:ext>
+            </a:extLst>
+          </p:cNvPr>
+          <p:cNvSpPr>
+            <a:spLocks noGrp="1"/>
+          </p:cNvSpPr>
+          <p:nvPr>
+            <p:ph idx="1"/>
+          </p:nvPr>
+        </p:nvSpPr>
+        <p:spPr/>
+        <p:txBody>
+          <a:bodyPr/>
+          <a:lstStyle/>
+          <a:p>
+            <a:pPr marL="0" marR="0">
+              <a:lnSpc>
+                <a:spcPct val="107000"/>
+              </a:lnSpc>
+              <a:spcBef>
+                <a:spcPts val="0"/>
+              </a:spcBef>
+              <a:spcAft>
+                <a:spcPts val="800"/>
+              </a:spcAft>
+            </a:pPr>
+            <a:r>
+              <a:rPr lang="ar-KW" sz="1800" dirty="0">
+                <a:effectLst/>
+                <a:latin typeface="Calibri" panose="020F0502020204030204" pitchFamily="34" charset="0"/>
+                <a:ea typeface="Calibri" panose="020F0502020204030204" pitchFamily="34" charset="0"/>
+                <a:cs typeface="Arial" panose="020B0604020202020204" pitchFamily="34" charset="0"/>
+              </a:rPr>
+              <a:t>الحالية: مشاكل عامة مع اعادة الضبط</a:t>
+            </a:r>
+            <a:endParaRPr lang="en-US" sz="1800" dirty="0">
+              <a:effectLst/>
+              <a:latin typeface="Calibri" panose="020F0502020204030204" pitchFamily="34" charset="0"/>
+              <a:ea typeface="Calibri" panose="020F0502020204030204" pitchFamily="34" charset="0"/>
+              <a:cs typeface="Arial" panose="020B0604020202020204" pitchFamily="34" charset="0"/>
+            </a:endParaRPr>
+          </a:p>
+          <a:p>
+            <a:pPr marL="0" marR="0">
+              <a:lnSpc>
+                <a:spcPct val="107000"/>
+              </a:lnSpc>
+              <a:spcBef>
+                <a:spcPts val="0"/>
+              </a:spcBef>
+              <a:spcAft>
+                <a:spcPts val="800"/>
+              </a:spcAft>
+            </a:pPr>
+            <a:r>
+              <a:rPr lang="ar-KW" sz="1800" dirty="0">
+                <a:effectLst/>
+                <a:latin typeface="Calibri" panose="020F0502020204030204" pitchFamily="34" charset="0"/>
+                <a:ea typeface="Calibri" panose="020F0502020204030204" pitchFamily="34" charset="0"/>
+                <a:cs typeface="Arial" panose="020B0604020202020204" pitchFamily="34" charset="0"/>
+              </a:rPr>
+              <a:t>مشاكل مع موقع </a:t>
+            </a:r>
+            <a:r>
+              <a:rPr lang="en-US" sz="1800" dirty="0">
+                <a:effectLst/>
+                <a:latin typeface="Calibri" panose="020F0502020204030204" pitchFamily="34" charset="0"/>
+                <a:ea typeface="Calibri" panose="020F0502020204030204" pitchFamily="34" charset="0"/>
+                <a:cs typeface="Arial" panose="020B0604020202020204" pitchFamily="34" charset="0"/>
+              </a:rPr>
+              <a:t>NVD </a:t>
+            </a:r>
+          </a:p>
+          <a:p>
+            <a:pPr marL="0" marR="0">
+              <a:lnSpc>
+                <a:spcPct val="107000"/>
+              </a:lnSpc>
+              <a:spcBef>
+                <a:spcPts val="0"/>
+              </a:spcBef>
+              <a:spcAft>
+                <a:spcPts val="800"/>
+              </a:spcAft>
+            </a:pPr>
+            <a:r>
+              <a:rPr lang="ar-KW" sz="1800" dirty="0">
+                <a:effectLst/>
+                <a:latin typeface="Calibri" panose="020F0502020204030204" pitchFamily="34" charset="0"/>
+                <a:ea typeface="Calibri" panose="020F0502020204030204" pitchFamily="34" charset="0"/>
+                <a:cs typeface="Arial" panose="020B0604020202020204" pitchFamily="34" charset="0"/>
+              </a:rPr>
+              <a:t>السابقة: صعوبات مع تجهيز التطبيق</a:t>
+            </a:r>
+            <a:endParaRPr lang="en-US" sz="1800" dirty="0">
+              <a:effectLst/>
+              <a:latin typeface="Calibri" panose="020F0502020204030204" pitchFamily="34" charset="0"/>
+              <a:ea typeface="Calibri" panose="020F0502020204030204" pitchFamily="34" charset="0"/>
+              <a:cs typeface="Arial" panose="020B0604020202020204" pitchFamily="34" charset="0"/>
+            </a:endParaRPr>
+          </a:p>
+          <a:p>
+            <a:pPr marL="0" marR="0">
+              <a:lnSpc>
+                <a:spcPct val="107000"/>
+              </a:lnSpc>
+              <a:spcBef>
+                <a:spcPts val="0"/>
+              </a:spcBef>
+              <a:spcAft>
+                <a:spcPts val="800"/>
+              </a:spcAft>
+            </a:pPr>
+            <a:r>
+              <a:rPr lang="ar-KW" sz="1800" dirty="0">
+                <a:effectLst/>
+                <a:latin typeface="Calibri" panose="020F0502020204030204" pitchFamily="34" charset="0"/>
+                <a:ea typeface="Calibri" panose="020F0502020204030204" pitchFamily="34" charset="0"/>
+                <a:cs typeface="Arial" panose="020B0604020202020204" pitchFamily="34" charset="0"/>
+              </a:rPr>
+              <a:t>مشاكل عامة مع اضافة أزرار أثناء تشغيل البرنامج</a:t>
+            </a:r>
+            <a:endParaRPr lang="en-US" sz="1800" dirty="0">
+              <a:effectLst/>
+              <a:latin typeface="Calibri" panose="020F0502020204030204" pitchFamily="34" charset="0"/>
+              <a:ea typeface="Calibri" panose="020F0502020204030204" pitchFamily="34" charset="0"/>
+              <a:cs typeface="Arial" panose="020B0604020202020204" pitchFamily="34" charset="0"/>
+            </a:endParaRPr>
+          </a:p>
+          <a:p>
+            <a:pPr marL="0" marR="0">
+              <a:lnSpc>
+                <a:spcPct val="107000"/>
+              </a:lnSpc>
+              <a:spcBef>
+                <a:spcPts val="0"/>
+              </a:spcBef>
+              <a:spcAft>
+                <a:spcPts val="800"/>
+              </a:spcAft>
+            </a:pPr>
+            <a:r>
+              <a:rPr lang="en-US" sz="1800">
+                <a:effectLst/>
+                <a:latin typeface="Calibri" panose="020F0502020204030204" pitchFamily="34" charset="0"/>
+                <a:ea typeface="Calibri" panose="020F0502020204030204" pitchFamily="34" charset="0"/>
+                <a:cs typeface="Arial" panose="020B0604020202020204" pitchFamily="34" charset="0"/>
+              </a:rPr>
+              <a:t> </a:t>
+            </a:r>
+          </a:p>
+          <a:p>
+            <a:endParaRPr lang="en-US"/>
+          </a:p>
+        </p:txBody>
+      </p:sp>
+    </p:spTree>
+    <p:extLst>
+      <p:ext uri="{BB962C8B-B14F-4D97-AF65-F5344CB8AC3E}">
+        <p14:creationId xmlns:p14="http://schemas.microsoft.com/office/powerpoint/2010/main" val="1069822785"/>
+      </p:ext>
+    </p:extLst>
+  </p:cSld>
+  <p:clrMapOvr>
+    <a:masterClrMapping/>
+  </p:clrMapOvr>
+</p:sld>
+</file>
+
 <file path=ppt/theme/theme1.xml><?xml version="1.0" encoding="utf-8"?>
 <a:theme xmlns:a="http://schemas.openxmlformats.org/drawingml/2006/main" name="Office Theme">
   <a:themeElements>

--- a/Nmapscanner_Presentation.pptx
+++ b/Nmapscanner_Presentation.pptx
@@ -1752,753 +1752,6 @@
     <dgm:fillClrLst meth="repeat">
       <a:schemeClr val="accent2">
         <a:tint val="40000"/>
-      </a:schemeClr>
-    </dgm:fillClrLst>
-    <dgm:linClrLst meth="repeat">
-      <a:schemeClr val="lt1"/>
-    </dgm:linClrLst>
-    <dgm:effectClrLst/>
-    <dgm:txLinClrLst/>
-    <dgm:txFillClrLst meth="repeat">
-      <a:schemeClr val="dk1"/>
-    </dgm:txFillClrLst>
-    <dgm:txEffectClrLst/>
-  </dgm:styleLbl>
-  <dgm:styleLbl name="revTx">
-    <dgm:fillClrLst meth="repeat">
-      <a:schemeClr val="lt1">
-        <a:alpha val="0"/>
-      </a:schemeClr>
-    </dgm:fillClrLst>
-    <dgm:linClrLst meth="repeat">
-      <a:schemeClr val="dk1">
-        <a:alpha val="0"/>
-      </a:schemeClr>
-    </dgm:linClrLst>
-    <dgm:effectClrLst/>
-    <dgm:txLinClrLst/>
-    <dgm:txFillClrLst meth="repeat">
-      <a:schemeClr val="tx1"/>
-    </dgm:txFillClrLst>
-    <dgm:txEffectClrLst/>
-  </dgm:styleLbl>
-</dgm:colorsDef>
-</file>
-
-<file path=ppt/diagrams/colors3.xml><?xml version="1.0" encoding="utf-8"?>
-<dgm:colorsDef xmlns:dgm="http://schemas.openxmlformats.org/drawingml/2006/diagram" xmlns:a="http://schemas.openxmlformats.org/drawingml/2006/main" uniqueId="urn:microsoft.com/office/officeart/2005/8/colors/accent3_2">
-  <dgm:title val=""/>
-  <dgm:desc val=""/>
-  <dgm:catLst>
-    <dgm:cat type="accent3" pri="11200"/>
-  </dgm:catLst>
-  <dgm:styleLbl name="node0">
-    <dgm:fillClrLst meth="repeat">
-      <a:schemeClr val="accent3"/>
-    </dgm:fillClrLst>
-    <dgm:linClrLst meth="repeat">
-      <a:schemeClr val="lt1"/>
-    </dgm:linClrLst>
-    <dgm:effectClrLst/>
-    <dgm:txLinClrLst/>
-    <dgm:txFillClrLst/>
-    <dgm:txEffectClrLst/>
-  </dgm:styleLbl>
-  <dgm:styleLbl name="node1">
-    <dgm:fillClrLst meth="repeat">
-      <a:schemeClr val="accent3"/>
-    </dgm:fillClrLst>
-    <dgm:linClrLst meth="repeat">
-      <a:schemeClr val="lt1"/>
-    </dgm:linClrLst>
-    <dgm:effectClrLst/>
-    <dgm:txLinClrLst/>
-    <dgm:txFillClrLst/>
-    <dgm:txEffectClrLst/>
-  </dgm:styleLbl>
-  <dgm:styleLbl name="alignNode1">
-    <dgm:fillClrLst meth="repeat">
-      <a:schemeClr val="accent3"/>
-    </dgm:fillClrLst>
-    <dgm:linClrLst meth="repeat">
-      <a:schemeClr val="accent3"/>
-    </dgm:linClrLst>
-    <dgm:effectClrLst/>
-    <dgm:txLinClrLst/>
-    <dgm:txFillClrLst/>
-    <dgm:txEffectClrLst/>
-  </dgm:styleLbl>
-  <dgm:styleLbl name="lnNode1">
-    <dgm:fillClrLst meth="repeat">
-      <a:schemeClr val="accent3"/>
-    </dgm:fillClrLst>
-    <dgm:linClrLst meth="repeat">
-      <a:schemeClr val="lt1"/>
-    </dgm:linClrLst>
-    <dgm:effectClrLst/>
-    <dgm:txLinClrLst/>
-    <dgm:txFillClrLst/>
-    <dgm:txEffectClrLst/>
-  </dgm:styleLbl>
-  <dgm:styleLbl name="vennNode1">
-    <dgm:fillClrLst meth="repeat">
-      <a:schemeClr val="accent3">
-        <a:alpha val="50000"/>
-      </a:schemeClr>
-    </dgm:fillClrLst>
-    <dgm:linClrLst meth="repeat">
-      <a:schemeClr val="lt1"/>
-    </dgm:linClrLst>
-    <dgm:effectClrLst/>
-    <dgm:txLinClrLst/>
-    <dgm:txFillClrLst/>
-    <dgm:txEffectClrLst/>
-  </dgm:styleLbl>
-  <dgm:styleLbl name="node2">
-    <dgm:fillClrLst meth="repeat">
-      <a:schemeClr val="accent3"/>
-    </dgm:fillClrLst>
-    <dgm:linClrLst meth="repeat">
-      <a:schemeClr val="lt1"/>
-    </dgm:linClrLst>
-    <dgm:effectClrLst/>
-    <dgm:txLinClrLst/>
-    <dgm:txFillClrLst/>
-    <dgm:txEffectClrLst/>
-  </dgm:styleLbl>
-  <dgm:styleLbl name="node3">
-    <dgm:fillClrLst meth="repeat">
-      <a:schemeClr val="accent3"/>
-    </dgm:fillClrLst>
-    <dgm:linClrLst meth="repeat">
-      <a:schemeClr val="lt1"/>
-    </dgm:linClrLst>
-    <dgm:effectClrLst/>
-    <dgm:txLinClrLst/>
-    <dgm:txFillClrLst/>
-    <dgm:txEffectClrLst/>
-  </dgm:styleLbl>
-  <dgm:styleLbl name="node4">
-    <dgm:fillClrLst meth="repeat">
-      <a:schemeClr val="accent3"/>
-    </dgm:fillClrLst>
-    <dgm:linClrLst meth="repeat">
-      <a:schemeClr val="lt1"/>
-    </dgm:linClrLst>
-    <dgm:effectClrLst/>
-    <dgm:txLinClrLst/>
-    <dgm:txFillClrLst/>
-    <dgm:txEffectClrLst/>
-  </dgm:styleLbl>
-  <dgm:styleLbl name="fgImgPlace1">
-    <dgm:fillClrLst meth="repeat">
-      <a:schemeClr val="accent3">
-        <a:tint val="50000"/>
-      </a:schemeClr>
-    </dgm:fillClrLst>
-    <dgm:linClrLst meth="repeat">
-      <a:schemeClr val="lt1"/>
-    </dgm:linClrLst>
-    <dgm:effectClrLst/>
-    <dgm:txLinClrLst/>
-    <dgm:txFillClrLst meth="repeat">
-      <a:schemeClr val="lt1"/>
-    </dgm:txFillClrLst>
-    <dgm:txEffectClrLst/>
-  </dgm:styleLbl>
-  <dgm:styleLbl name="alignImgPlace1">
-    <dgm:fillClrLst meth="repeat">
-      <a:schemeClr val="accent3">
-        <a:tint val="50000"/>
-      </a:schemeClr>
-    </dgm:fillClrLst>
-    <dgm:linClrLst meth="repeat">
-      <a:schemeClr val="lt1"/>
-    </dgm:linClrLst>
-    <dgm:effectClrLst/>
-    <dgm:txLinClrLst/>
-    <dgm:txFillClrLst meth="repeat">
-      <a:schemeClr val="lt1"/>
-    </dgm:txFillClrLst>
-    <dgm:txEffectClrLst/>
-  </dgm:styleLbl>
-  <dgm:styleLbl name="bgImgPlace1">
-    <dgm:fillClrLst meth="repeat">
-      <a:schemeClr val="accent3">
-        <a:tint val="50000"/>
-      </a:schemeClr>
-    </dgm:fillClrLst>
-    <dgm:linClrLst meth="repeat">
-      <a:schemeClr val="lt1"/>
-    </dgm:linClrLst>
-    <dgm:effectClrLst/>
-    <dgm:txLinClrLst/>
-    <dgm:txFillClrLst meth="repeat">
-      <a:schemeClr val="lt1"/>
-    </dgm:txFillClrLst>
-    <dgm:txEffectClrLst/>
-  </dgm:styleLbl>
-  <dgm:styleLbl name="sibTrans2D1">
-    <dgm:fillClrLst meth="repeat">
-      <a:schemeClr val="accent3">
-        <a:tint val="60000"/>
-      </a:schemeClr>
-    </dgm:fillClrLst>
-    <dgm:linClrLst meth="repeat">
-      <a:schemeClr val="accent3">
-        <a:tint val="60000"/>
-      </a:schemeClr>
-    </dgm:linClrLst>
-    <dgm:effectClrLst/>
-    <dgm:txLinClrLst/>
-    <dgm:txFillClrLst/>
-    <dgm:txEffectClrLst/>
-  </dgm:styleLbl>
-  <dgm:styleLbl name="fgSibTrans2D1">
-    <dgm:fillClrLst meth="repeat">
-      <a:schemeClr val="accent3">
-        <a:tint val="60000"/>
-      </a:schemeClr>
-    </dgm:fillClrLst>
-    <dgm:linClrLst meth="repeat">
-      <a:schemeClr val="accent3">
-        <a:tint val="60000"/>
-      </a:schemeClr>
-    </dgm:linClrLst>
-    <dgm:effectClrLst/>
-    <dgm:txLinClrLst/>
-    <dgm:txFillClrLst/>
-    <dgm:txEffectClrLst/>
-  </dgm:styleLbl>
-  <dgm:styleLbl name="bgSibTrans2D1">
-    <dgm:fillClrLst meth="repeat">
-      <a:schemeClr val="accent3">
-        <a:tint val="60000"/>
-      </a:schemeClr>
-    </dgm:fillClrLst>
-    <dgm:linClrLst meth="repeat">
-      <a:schemeClr val="accent3">
-        <a:tint val="60000"/>
-      </a:schemeClr>
-    </dgm:linClrLst>
-    <dgm:effectClrLst/>
-    <dgm:txLinClrLst/>
-    <dgm:txFillClrLst/>
-    <dgm:txEffectClrLst/>
-  </dgm:styleLbl>
-  <dgm:styleLbl name="sibTrans1D1">
-    <dgm:fillClrLst meth="repeat">
-      <a:schemeClr val="accent3"/>
-    </dgm:fillClrLst>
-    <dgm:linClrLst meth="repeat">
-      <a:schemeClr val="accent3"/>
-    </dgm:linClrLst>
-    <dgm:effectClrLst/>
-    <dgm:txLinClrLst/>
-    <dgm:txFillClrLst meth="repeat">
-      <a:schemeClr val="tx1"/>
-    </dgm:txFillClrLst>
-    <dgm:txEffectClrLst/>
-  </dgm:styleLbl>
-  <dgm:styleLbl name="callout">
-    <dgm:fillClrLst meth="repeat">
-      <a:schemeClr val="accent3"/>
-    </dgm:fillClrLst>
-    <dgm:linClrLst meth="repeat">
-      <a:schemeClr val="accent3">
-        <a:tint val="50000"/>
-      </a:schemeClr>
-    </dgm:linClrLst>
-    <dgm:effectClrLst/>
-    <dgm:txLinClrLst/>
-    <dgm:txFillClrLst meth="repeat">
-      <a:schemeClr val="tx1"/>
-    </dgm:txFillClrLst>
-    <dgm:txEffectClrLst/>
-  </dgm:styleLbl>
-  <dgm:styleLbl name="asst0">
-    <dgm:fillClrLst meth="repeat">
-      <a:schemeClr val="accent3"/>
-    </dgm:fillClrLst>
-    <dgm:linClrLst meth="repeat">
-      <a:schemeClr val="lt1"/>
-    </dgm:linClrLst>
-    <dgm:effectClrLst/>
-    <dgm:txLinClrLst/>
-    <dgm:txFillClrLst/>
-    <dgm:txEffectClrLst/>
-  </dgm:styleLbl>
-  <dgm:styleLbl name="asst1">
-    <dgm:fillClrLst meth="repeat">
-      <a:schemeClr val="accent3"/>
-    </dgm:fillClrLst>
-    <dgm:linClrLst meth="repeat">
-      <a:schemeClr val="lt1"/>
-    </dgm:linClrLst>
-    <dgm:effectClrLst/>
-    <dgm:txLinClrLst/>
-    <dgm:txFillClrLst/>
-    <dgm:txEffectClrLst/>
-  </dgm:styleLbl>
-  <dgm:styleLbl name="asst2">
-    <dgm:fillClrLst meth="repeat">
-      <a:schemeClr val="accent3"/>
-    </dgm:fillClrLst>
-    <dgm:linClrLst meth="repeat">
-      <a:schemeClr val="lt1"/>
-    </dgm:linClrLst>
-    <dgm:effectClrLst/>
-    <dgm:txLinClrLst/>
-    <dgm:txFillClrLst/>
-    <dgm:txEffectClrLst/>
-  </dgm:styleLbl>
-  <dgm:styleLbl name="asst3">
-    <dgm:fillClrLst meth="repeat">
-      <a:schemeClr val="accent3"/>
-    </dgm:fillClrLst>
-    <dgm:linClrLst meth="repeat">
-      <a:schemeClr val="lt1"/>
-    </dgm:linClrLst>
-    <dgm:effectClrLst/>
-    <dgm:txLinClrLst/>
-    <dgm:txFillClrLst/>
-    <dgm:txEffectClrLst/>
-  </dgm:styleLbl>
-  <dgm:styleLbl name="asst4">
-    <dgm:fillClrLst meth="repeat">
-      <a:schemeClr val="accent3"/>
-    </dgm:fillClrLst>
-    <dgm:linClrLst meth="repeat">
-      <a:schemeClr val="lt1"/>
-    </dgm:linClrLst>
-    <dgm:effectClrLst/>
-    <dgm:txLinClrLst/>
-    <dgm:txFillClrLst/>
-    <dgm:txEffectClrLst/>
-  </dgm:styleLbl>
-  <dgm:styleLbl name="parChTrans2D1">
-    <dgm:fillClrLst meth="repeat">
-      <a:schemeClr val="accent3">
-        <a:tint val="60000"/>
-      </a:schemeClr>
-    </dgm:fillClrLst>
-    <dgm:linClrLst meth="repeat">
-      <a:schemeClr val="accent3">
-        <a:tint val="60000"/>
-      </a:schemeClr>
-    </dgm:linClrLst>
-    <dgm:effectClrLst/>
-    <dgm:txLinClrLst/>
-    <dgm:txFillClrLst meth="repeat">
-      <a:schemeClr val="lt1"/>
-    </dgm:txFillClrLst>
-    <dgm:txEffectClrLst/>
-  </dgm:styleLbl>
-  <dgm:styleLbl name="parChTrans2D2">
-    <dgm:fillClrLst meth="repeat">
-      <a:schemeClr val="accent3"/>
-    </dgm:fillClrLst>
-    <dgm:linClrLst meth="repeat">
-      <a:schemeClr val="accent3"/>
-    </dgm:linClrLst>
-    <dgm:effectClrLst/>
-    <dgm:txLinClrLst/>
-    <dgm:txFillClrLst meth="repeat">
-      <a:schemeClr val="lt1"/>
-    </dgm:txFillClrLst>
-    <dgm:txEffectClrLst/>
-  </dgm:styleLbl>
-  <dgm:styleLbl name="parChTrans2D3">
-    <dgm:fillClrLst meth="repeat">
-      <a:schemeClr val="accent3"/>
-    </dgm:fillClrLst>
-    <dgm:linClrLst meth="repeat">
-      <a:schemeClr val="accent3"/>
-    </dgm:linClrLst>
-    <dgm:effectClrLst/>
-    <dgm:txLinClrLst/>
-    <dgm:txFillClrLst meth="repeat">
-      <a:schemeClr val="lt1"/>
-    </dgm:txFillClrLst>
-    <dgm:txEffectClrLst/>
-  </dgm:styleLbl>
-  <dgm:styleLbl name="parChTrans2D4">
-    <dgm:fillClrLst meth="repeat">
-      <a:schemeClr val="accent3"/>
-    </dgm:fillClrLst>
-    <dgm:linClrLst meth="repeat">
-      <a:schemeClr val="accent3"/>
-    </dgm:linClrLst>
-    <dgm:effectClrLst/>
-    <dgm:txLinClrLst/>
-    <dgm:txFillClrLst meth="repeat">
-      <a:schemeClr val="lt1"/>
-    </dgm:txFillClrLst>
-    <dgm:txEffectClrLst/>
-  </dgm:styleLbl>
-  <dgm:styleLbl name="parChTrans1D1">
-    <dgm:fillClrLst meth="repeat">
-      <a:schemeClr val="accent3"/>
-    </dgm:fillClrLst>
-    <dgm:linClrLst meth="repeat">
-      <a:schemeClr val="accent3">
-        <a:shade val="60000"/>
-      </a:schemeClr>
-    </dgm:linClrLst>
-    <dgm:effectClrLst/>
-    <dgm:txLinClrLst/>
-    <dgm:txFillClrLst meth="repeat">
-      <a:schemeClr val="tx1"/>
-    </dgm:txFillClrLst>
-    <dgm:txEffectClrLst/>
-  </dgm:styleLbl>
-  <dgm:styleLbl name="parChTrans1D2">
-    <dgm:fillClrLst meth="repeat">
-      <a:schemeClr val="accent3"/>
-    </dgm:fillClrLst>
-    <dgm:linClrLst meth="repeat">
-      <a:schemeClr val="accent3">
-        <a:shade val="60000"/>
-      </a:schemeClr>
-    </dgm:linClrLst>
-    <dgm:effectClrLst/>
-    <dgm:txLinClrLst/>
-    <dgm:txFillClrLst meth="repeat">
-      <a:schemeClr val="tx1"/>
-    </dgm:txFillClrLst>
-    <dgm:txEffectClrLst/>
-  </dgm:styleLbl>
-  <dgm:styleLbl name="parChTrans1D3">
-    <dgm:fillClrLst meth="repeat">
-      <a:schemeClr val="accent3"/>
-    </dgm:fillClrLst>
-    <dgm:linClrLst meth="repeat">
-      <a:schemeClr val="accent3">
-        <a:shade val="80000"/>
-      </a:schemeClr>
-    </dgm:linClrLst>
-    <dgm:effectClrLst/>
-    <dgm:txLinClrLst/>
-    <dgm:txFillClrLst meth="repeat">
-      <a:schemeClr val="tx1"/>
-    </dgm:txFillClrLst>
-    <dgm:txEffectClrLst/>
-  </dgm:styleLbl>
-  <dgm:styleLbl name="parChTrans1D4">
-    <dgm:fillClrLst meth="repeat">
-      <a:schemeClr val="accent3"/>
-    </dgm:fillClrLst>
-    <dgm:linClrLst meth="repeat">
-      <a:schemeClr val="accent3">
-        <a:shade val="80000"/>
-      </a:schemeClr>
-    </dgm:linClrLst>
-    <dgm:effectClrLst/>
-    <dgm:txLinClrLst/>
-    <dgm:txFillClrLst meth="repeat">
-      <a:schemeClr val="tx1"/>
-    </dgm:txFillClrLst>
-    <dgm:txEffectClrLst/>
-  </dgm:styleLbl>
-  <dgm:styleLbl name="fgAcc1">
-    <dgm:fillClrLst meth="repeat">
-      <a:schemeClr val="lt1">
-        <a:alpha val="90000"/>
-      </a:schemeClr>
-    </dgm:fillClrLst>
-    <dgm:linClrLst meth="repeat">
-      <a:schemeClr val="accent3"/>
-    </dgm:linClrLst>
-    <dgm:effectClrLst/>
-    <dgm:txLinClrLst/>
-    <dgm:txFillClrLst meth="repeat">
-      <a:schemeClr val="dk1"/>
-    </dgm:txFillClrLst>
-    <dgm:txEffectClrLst/>
-  </dgm:styleLbl>
-  <dgm:styleLbl name="conFgAcc1">
-    <dgm:fillClrLst meth="repeat">
-      <a:schemeClr val="lt1">
-        <a:alpha val="90000"/>
-      </a:schemeClr>
-    </dgm:fillClrLst>
-    <dgm:linClrLst meth="repeat">
-      <a:schemeClr val="accent3"/>
-    </dgm:linClrLst>
-    <dgm:effectClrLst/>
-    <dgm:txLinClrLst/>
-    <dgm:txFillClrLst meth="repeat">
-      <a:schemeClr val="dk1"/>
-    </dgm:txFillClrLst>
-    <dgm:txEffectClrLst/>
-  </dgm:styleLbl>
-  <dgm:styleLbl name="alignAcc1">
-    <dgm:fillClrLst meth="repeat">
-      <a:schemeClr val="lt1">
-        <a:alpha val="90000"/>
-      </a:schemeClr>
-    </dgm:fillClrLst>
-    <dgm:linClrLst meth="repeat">
-      <a:schemeClr val="accent3"/>
-    </dgm:linClrLst>
-    <dgm:effectClrLst/>
-    <dgm:txLinClrLst/>
-    <dgm:txFillClrLst meth="repeat">
-      <a:schemeClr val="dk1"/>
-    </dgm:txFillClrLst>
-    <dgm:txEffectClrLst/>
-  </dgm:styleLbl>
-  <dgm:styleLbl name="trAlignAcc1">
-    <dgm:fillClrLst meth="repeat">
-      <a:schemeClr val="lt1">
-        <a:alpha val="40000"/>
-      </a:schemeClr>
-    </dgm:fillClrLst>
-    <dgm:linClrLst meth="repeat">
-      <a:schemeClr val="accent3"/>
-    </dgm:linClrLst>
-    <dgm:effectClrLst/>
-    <dgm:txLinClrLst/>
-    <dgm:txFillClrLst meth="repeat">
-      <a:schemeClr val="dk1"/>
-    </dgm:txFillClrLst>
-    <dgm:txEffectClrLst/>
-  </dgm:styleLbl>
-  <dgm:styleLbl name="bgAcc1">
-    <dgm:fillClrLst meth="repeat">
-      <a:schemeClr val="lt1">
-        <a:alpha val="90000"/>
-      </a:schemeClr>
-    </dgm:fillClrLst>
-    <dgm:linClrLst meth="repeat">
-      <a:schemeClr val="accent3"/>
-    </dgm:linClrLst>
-    <dgm:effectClrLst/>
-    <dgm:txLinClrLst/>
-    <dgm:txFillClrLst meth="repeat">
-      <a:schemeClr val="dk1"/>
-    </dgm:txFillClrLst>
-    <dgm:txEffectClrLst/>
-  </dgm:styleLbl>
-  <dgm:styleLbl name="solidFgAcc1">
-    <dgm:fillClrLst meth="repeat">
-      <a:schemeClr val="lt1"/>
-    </dgm:fillClrLst>
-    <dgm:linClrLst meth="repeat">
-      <a:schemeClr val="accent3"/>
-    </dgm:linClrLst>
-    <dgm:effectClrLst/>
-    <dgm:txLinClrLst/>
-    <dgm:txFillClrLst meth="repeat">
-      <a:schemeClr val="dk1"/>
-    </dgm:txFillClrLst>
-    <dgm:txEffectClrLst/>
-  </dgm:styleLbl>
-  <dgm:styleLbl name="solidAlignAcc1">
-    <dgm:fillClrLst meth="repeat">
-      <a:schemeClr val="lt1"/>
-    </dgm:fillClrLst>
-    <dgm:linClrLst meth="repeat">
-      <a:schemeClr val="accent3"/>
-    </dgm:linClrLst>
-    <dgm:effectClrLst/>
-    <dgm:txLinClrLst/>
-    <dgm:txFillClrLst meth="repeat">
-      <a:schemeClr val="dk1"/>
-    </dgm:txFillClrLst>
-    <dgm:txEffectClrLst/>
-  </dgm:styleLbl>
-  <dgm:styleLbl name="solidBgAcc1">
-    <dgm:fillClrLst meth="repeat">
-      <a:schemeClr val="lt1"/>
-    </dgm:fillClrLst>
-    <dgm:linClrLst meth="repeat">
-      <a:schemeClr val="accent3"/>
-    </dgm:linClrLst>
-    <dgm:effectClrLst/>
-    <dgm:txLinClrLst/>
-    <dgm:txFillClrLst meth="repeat">
-      <a:schemeClr val="dk1"/>
-    </dgm:txFillClrLst>
-    <dgm:txEffectClrLst/>
-  </dgm:styleLbl>
-  <dgm:styleLbl name="fgAccFollowNode1">
-    <dgm:fillClrLst meth="repeat">
-      <a:schemeClr val="accent3">
-        <a:alpha val="90000"/>
-        <a:tint val="40000"/>
-      </a:schemeClr>
-    </dgm:fillClrLst>
-    <dgm:linClrLst meth="repeat">
-      <a:schemeClr val="accent3">
-        <a:alpha val="90000"/>
-        <a:tint val="40000"/>
-      </a:schemeClr>
-    </dgm:linClrLst>
-    <dgm:effectClrLst/>
-    <dgm:txLinClrLst/>
-    <dgm:txFillClrLst meth="repeat">
-      <a:schemeClr val="dk1"/>
-    </dgm:txFillClrLst>
-    <dgm:txEffectClrLst/>
-  </dgm:styleLbl>
-  <dgm:styleLbl name="alignAccFollowNode1">
-    <dgm:fillClrLst meth="repeat">
-      <a:schemeClr val="accent3">
-        <a:alpha val="90000"/>
-        <a:tint val="40000"/>
-      </a:schemeClr>
-    </dgm:fillClrLst>
-    <dgm:linClrLst meth="repeat">
-      <a:schemeClr val="accent3">
-        <a:alpha val="90000"/>
-        <a:tint val="40000"/>
-      </a:schemeClr>
-    </dgm:linClrLst>
-    <dgm:effectClrLst/>
-    <dgm:txLinClrLst/>
-    <dgm:txFillClrLst meth="repeat">
-      <a:schemeClr val="dk1"/>
-    </dgm:txFillClrLst>
-    <dgm:txEffectClrLst/>
-  </dgm:styleLbl>
-  <dgm:styleLbl name="bgAccFollowNode1">
-    <dgm:fillClrLst meth="repeat">
-      <a:schemeClr val="accent3">
-        <a:alpha val="90000"/>
-        <a:tint val="40000"/>
-      </a:schemeClr>
-    </dgm:fillClrLst>
-    <dgm:linClrLst meth="repeat">
-      <a:schemeClr val="accent3">
-        <a:alpha val="90000"/>
-        <a:tint val="40000"/>
-      </a:schemeClr>
-    </dgm:linClrLst>
-    <dgm:effectClrLst/>
-    <dgm:txLinClrLst/>
-    <dgm:txFillClrLst meth="repeat">
-      <a:schemeClr val="dk1"/>
-    </dgm:txFillClrLst>
-    <dgm:txEffectClrLst/>
-  </dgm:styleLbl>
-  <dgm:styleLbl name="fgAcc0">
-    <dgm:fillClrLst meth="repeat">
-      <a:schemeClr val="lt1">
-        <a:alpha val="90000"/>
-      </a:schemeClr>
-    </dgm:fillClrLst>
-    <dgm:linClrLst meth="repeat">
-      <a:schemeClr val="accent3"/>
-    </dgm:linClrLst>
-    <dgm:effectClrLst/>
-    <dgm:txLinClrLst/>
-    <dgm:txFillClrLst meth="repeat">
-      <a:schemeClr val="dk1"/>
-    </dgm:txFillClrLst>
-    <dgm:txEffectClrLst/>
-  </dgm:styleLbl>
-  <dgm:styleLbl name="fgAcc2">
-    <dgm:fillClrLst meth="repeat">
-      <a:schemeClr val="lt1">
-        <a:alpha val="90000"/>
-      </a:schemeClr>
-    </dgm:fillClrLst>
-    <dgm:linClrLst meth="repeat">
-      <a:schemeClr val="accent3"/>
-    </dgm:linClrLst>
-    <dgm:effectClrLst/>
-    <dgm:txLinClrLst/>
-    <dgm:txFillClrLst meth="repeat">
-      <a:schemeClr val="dk1"/>
-    </dgm:txFillClrLst>
-    <dgm:txEffectClrLst/>
-  </dgm:styleLbl>
-  <dgm:styleLbl name="fgAcc3">
-    <dgm:fillClrLst meth="repeat">
-      <a:schemeClr val="lt1">
-        <a:alpha val="90000"/>
-      </a:schemeClr>
-    </dgm:fillClrLst>
-    <dgm:linClrLst meth="repeat">
-      <a:schemeClr val="accent3"/>
-    </dgm:linClrLst>
-    <dgm:effectClrLst/>
-    <dgm:txLinClrLst/>
-    <dgm:txFillClrLst meth="repeat">
-      <a:schemeClr val="dk1"/>
-    </dgm:txFillClrLst>
-    <dgm:txEffectClrLst/>
-  </dgm:styleLbl>
-  <dgm:styleLbl name="fgAcc4">
-    <dgm:fillClrLst meth="repeat">
-      <a:schemeClr val="lt1">
-        <a:alpha val="90000"/>
-      </a:schemeClr>
-    </dgm:fillClrLst>
-    <dgm:linClrLst meth="repeat">
-      <a:schemeClr val="accent3"/>
-    </dgm:linClrLst>
-    <dgm:effectClrLst/>
-    <dgm:txLinClrLst/>
-    <dgm:txFillClrLst meth="repeat">
-      <a:schemeClr val="dk1"/>
-    </dgm:txFillClrLst>
-    <dgm:txEffectClrLst/>
-  </dgm:styleLbl>
-  <dgm:styleLbl name="bgShp">
-    <dgm:fillClrLst meth="repeat">
-      <a:schemeClr val="accent3">
-        <a:tint val="40000"/>
-      </a:schemeClr>
-    </dgm:fillClrLst>
-    <dgm:linClrLst meth="repeat">
-      <a:schemeClr val="accent3"/>
-    </dgm:linClrLst>
-    <dgm:effectClrLst/>
-    <dgm:txLinClrLst/>
-    <dgm:txFillClrLst meth="repeat">
-      <a:schemeClr val="dk1"/>
-    </dgm:txFillClrLst>
-    <dgm:txEffectClrLst/>
-  </dgm:styleLbl>
-  <dgm:styleLbl name="dkBgShp">
-    <dgm:fillClrLst meth="repeat">
-      <a:schemeClr val="accent3">
-        <a:shade val="80000"/>
-      </a:schemeClr>
-    </dgm:fillClrLst>
-    <dgm:linClrLst meth="repeat">
-      <a:schemeClr val="accent3"/>
-    </dgm:linClrLst>
-    <dgm:effectClrLst/>
-    <dgm:txLinClrLst/>
-    <dgm:txFillClrLst meth="repeat">
-      <a:schemeClr val="lt1"/>
-    </dgm:txFillClrLst>
-    <dgm:txEffectClrLst/>
-  </dgm:styleLbl>
-  <dgm:styleLbl name="trBgShp">
-    <dgm:fillClrLst meth="repeat">
-      <a:schemeClr val="accent3">
-        <a:tint val="50000"/>
-        <a:alpha val="40000"/>
-      </a:schemeClr>
-    </dgm:fillClrLst>
-    <dgm:linClrLst meth="repeat">
-      <a:schemeClr val="accent3"/>
-    </dgm:linClrLst>
-    <dgm:effectClrLst/>
-    <dgm:txLinClrLst/>
-    <dgm:txFillClrLst meth="repeat">
-      <a:schemeClr val="lt1"/>
-    </dgm:txFillClrLst>
-    <dgm:txEffectClrLst/>
-  </dgm:styleLbl>
-  <dgm:styleLbl name="fgShp">
-    <dgm:fillClrLst meth="repeat">
-      <a:schemeClr val="accent3">
-        <a:tint val="60000"/>
       </a:schemeClr>
     </dgm:fillClrLst>
     <dgm:linClrLst meth="repeat">
@@ -2788,7 +2041,7 @@
 <dgm:dataModel xmlns:dgm="http://schemas.openxmlformats.org/drawingml/2006/diagram" xmlns:a="http://schemas.openxmlformats.org/drawingml/2006/main">
   <dgm:ptLst>
     <dgm:pt modelId="{28AA02AD-E2AC-4ABA-B1EF-9E0BFF254302}" type="doc">
-      <dgm:prSet loTypeId="urn:microsoft.com/office/officeart/2005/8/layout/vList5" loCatId="list" qsTypeId="urn:microsoft.com/office/officeart/2005/8/quickstyle/simple1" qsCatId="simple" csTypeId="urn:microsoft.com/office/officeart/2005/8/colors/colorful1" csCatId="colorful"/>
+      <dgm:prSet loTypeId="urn:microsoft.com/office/officeart/2005/8/layout/vList5" loCatId="list" qsTypeId="urn:microsoft.com/office/officeart/2005/8/quickstyle/simple1" qsCatId="simple" csTypeId="urn:microsoft.com/office/officeart/2005/8/colors/colorful1" csCatId="colorful" phldr="1"/>
       <dgm:spPr/>
       <dgm:t>
         <a:bodyPr/>
@@ -2806,10 +2059,10 @@
         <a:lstStyle/>
         <a:p>
           <a:r>
-            <a:rPr lang="ar-KW"/>
-            <a:t>الحالية: مشاكل عامة مع اعادة الضبط</a:t>
+            <a:rPr lang="ar-KW" dirty="0"/>
+            <a:t>مشاكل عامة مع اعادة الضبط</a:t>
           </a:r>
-          <a:endParaRPr lang="en-US"/>
+          <a:endParaRPr lang="en-US" dirty="0"/>
         </a:p>
       </dgm:t>
     </dgm:pt>
@@ -2843,11 +2096,11 @@
         <a:lstStyle/>
         <a:p>
           <a:r>
-            <a:rPr lang="ar-KW"/>
+            <a:rPr lang="ar-KW" dirty="0"/>
             <a:t>مشاكل مع موقع </a:t>
           </a:r>
           <a:r>
-            <a:rPr lang="en-US"/>
+            <a:rPr lang="en-US" dirty="0"/>
             <a:t>NVD </a:t>
           </a:r>
         </a:p>
@@ -2883,21 +2136,10 @@
         <a:lstStyle/>
         <a:p>
           <a:r>
-            <a:rPr lang="ar-KW"/>
-            <a:t>السابقة: صعوبات مع تجهيز التطبيق</a:t>
+            <a:rPr lang="ar-KW" dirty="0"/>
+            <a:t>مشاكل مع الشبكات الكثيفة</a:t>
           </a:r>
-          <a:endParaRPr lang="en-US"/>
-        </a:p>
-      </dgm:t>
-    </dgm:pt>
-    <dgm:pt modelId="{7CBC4E9A-C26D-4EA1-B52F-5B7EAE20E0B1}" type="parTrans" cxnId="{79FBC876-CD50-447B-B2D4-216D5CF9E096}">
-      <dgm:prSet/>
-      <dgm:spPr/>
-      <dgm:t>
-        <a:bodyPr/>
-        <a:lstStyle/>
-        <a:p>
-          <a:endParaRPr lang="en-US"/>
+          <a:endParaRPr lang="en-US" dirty="0"/>
         </a:p>
       </dgm:t>
     </dgm:pt>
@@ -2912,33 +2154,7 @@
         </a:p>
       </dgm:t>
     </dgm:pt>
-    <dgm:pt modelId="{94F4C9DD-E89B-468C-8571-EEAA0FC2184C}">
-      <dgm:prSet/>
-      <dgm:spPr/>
-      <dgm:t>
-        <a:bodyPr/>
-        <a:lstStyle/>
-        <a:p>
-          <a:r>
-            <a:rPr lang="ar-KW"/>
-            <a:t>مشاكل عامة مع اضافة أزرار أثناء تشغيل البرنامج</a:t>
-          </a:r>
-          <a:endParaRPr lang="en-US"/>
-        </a:p>
-      </dgm:t>
-    </dgm:pt>
-    <dgm:pt modelId="{819250A3-56A9-4E81-9208-4C1EB2FA131E}" type="parTrans" cxnId="{248A52F8-42C2-44D7-8034-029FA882864B}">
-      <dgm:prSet/>
-      <dgm:spPr/>
-      <dgm:t>
-        <a:bodyPr/>
-        <a:lstStyle/>
-        <a:p>
-          <a:endParaRPr lang="en-US"/>
-        </a:p>
-      </dgm:t>
-    </dgm:pt>
-    <dgm:pt modelId="{55155771-88B4-4E89-B55A-8C755128889A}" type="sibTrans" cxnId="{248A52F8-42C2-44D7-8034-029FA882864B}">
+    <dgm:pt modelId="{7CBC4E9A-C26D-4EA1-B52F-5B7EAE20E0B1}" type="parTrans" cxnId="{79FBC876-CD50-447B-B2D4-216D5CF9E096}">
       <dgm:prSet/>
       <dgm:spPr/>
       <dgm:t>
@@ -2964,7 +2180,7 @@
       <dgm:spPr/>
     </dgm:pt>
     <dgm:pt modelId="{A539EF6D-8C5E-9549-9149-3411C206E187}" type="pres">
-      <dgm:prSet presAssocID="{AC98E0FF-BB60-452F-ABCB-C1C7FD3C1F2F}" presName="parentText" presStyleLbl="node1" presStyleIdx="0" presStyleCnt="4">
+      <dgm:prSet presAssocID="{AC98E0FF-BB60-452F-ABCB-C1C7FD3C1F2F}" presName="parentText" presStyleLbl="node1" presStyleIdx="0" presStyleCnt="3">
         <dgm:presLayoutVars>
           <dgm:chMax val="1"/>
           <dgm:bulletEnabled val="1"/>
@@ -2981,7 +2197,7 @@
       <dgm:spPr/>
     </dgm:pt>
     <dgm:pt modelId="{F523DE71-DBC4-D844-9EE8-5AFB677E4338}" type="pres">
-      <dgm:prSet presAssocID="{684125EE-8224-4550-8A5A-EE238D91EE49}" presName="parentText" presStyleLbl="node1" presStyleIdx="1" presStyleCnt="4">
+      <dgm:prSet presAssocID="{684125EE-8224-4550-8A5A-EE238D91EE49}" presName="parentText" presStyleLbl="node1" presStyleIdx="1" presStyleCnt="3">
         <dgm:presLayoutVars>
           <dgm:chMax val="1"/>
           <dgm:bulletEnabled val="1"/>
@@ -2998,24 +2214,7 @@
       <dgm:spPr/>
     </dgm:pt>
     <dgm:pt modelId="{539A8CD8-181C-174F-BCA1-4BDBC6A4CB73}" type="pres">
-      <dgm:prSet presAssocID="{87505DAE-B4F0-4A3A-86E8-38F5AE7A64BF}" presName="parentText" presStyleLbl="node1" presStyleIdx="2" presStyleCnt="4">
-        <dgm:presLayoutVars>
-          <dgm:chMax val="1"/>
-          <dgm:bulletEnabled val="1"/>
-        </dgm:presLayoutVars>
-      </dgm:prSet>
-      <dgm:spPr/>
-    </dgm:pt>
-    <dgm:pt modelId="{4E342695-2244-8446-ADF1-2644C04A574F}" type="pres">
-      <dgm:prSet presAssocID="{3F3E7B2E-B16B-48D2-931A-055B5E165625}" presName="sp" presStyleCnt="0"/>
-      <dgm:spPr/>
-    </dgm:pt>
-    <dgm:pt modelId="{6EC60CD3-66B7-3A42-B734-F86C59F224BE}" type="pres">
-      <dgm:prSet presAssocID="{94F4C9DD-E89B-468C-8571-EEAA0FC2184C}" presName="linNode" presStyleCnt="0"/>
-      <dgm:spPr/>
-    </dgm:pt>
-    <dgm:pt modelId="{D1F2B727-FA1B-DE49-A4EC-C9B598512A6A}" type="pres">
-      <dgm:prSet presAssocID="{94F4C9DD-E89B-468C-8571-EEAA0FC2184C}" presName="parentText" presStyleLbl="node1" presStyleIdx="3" presStyleCnt="4">
+      <dgm:prSet presAssocID="{87505DAE-B4F0-4A3A-86E8-38F5AE7A64BF}" presName="parentText" presStyleLbl="node1" presStyleIdx="2" presStyleCnt="3">
         <dgm:presLayoutVars>
           <dgm:chMax val="1"/>
           <dgm:bulletEnabled val="1"/>
@@ -3026,14 +2225,12 @@
   </dgm:ptLst>
   <dgm:cxnLst>
     <dgm:cxn modelId="{3A6C1529-C98A-C34F-9D54-44BACD4C2DF1}" type="presOf" srcId="{28AA02AD-E2AC-4ABA-B1EF-9E0BFF254302}" destId="{56E01A08-CD30-E142-82E7-2150E8DA5D04}" srcOrd="0" destOrd="0" presId="urn:microsoft.com/office/officeart/2005/8/layout/vList5"/>
+    <dgm:cxn modelId="{79FBC876-CD50-447B-B2D4-216D5CF9E096}" srcId="{28AA02AD-E2AC-4ABA-B1EF-9E0BFF254302}" destId="{87505DAE-B4F0-4A3A-86E8-38F5AE7A64BF}" srcOrd="2" destOrd="0" parTransId="{7CBC4E9A-C26D-4EA1-B52F-5B7EAE20E0B1}" sibTransId="{3F3E7B2E-B16B-48D2-931A-055B5E165625}"/>
     <dgm:cxn modelId="{FEA13F5A-F270-4610-9F5B-CC97009A405A}" srcId="{28AA02AD-E2AC-4ABA-B1EF-9E0BFF254302}" destId="{684125EE-8224-4550-8A5A-EE238D91EE49}" srcOrd="1" destOrd="0" parTransId="{99D0E43F-DA4C-49B7-BEA9-7DD3EB88A8F7}" sibTransId="{E855F73B-25F4-4D46-9D9C-D8AF1A5B8133}"/>
-    <dgm:cxn modelId="{79FBC876-CD50-447B-B2D4-216D5CF9E096}" srcId="{28AA02AD-E2AC-4ABA-B1EF-9E0BFF254302}" destId="{87505DAE-B4F0-4A3A-86E8-38F5AE7A64BF}" srcOrd="2" destOrd="0" parTransId="{7CBC4E9A-C26D-4EA1-B52F-5B7EAE20E0B1}" sibTransId="{3F3E7B2E-B16B-48D2-931A-055B5E165625}"/>
     <dgm:cxn modelId="{278D8CA8-4523-EB40-8950-5618E8FB41B8}" type="presOf" srcId="{AC98E0FF-BB60-452F-ABCB-C1C7FD3C1F2F}" destId="{A539EF6D-8C5E-9549-9149-3411C206E187}" srcOrd="0" destOrd="0" presId="urn:microsoft.com/office/officeart/2005/8/layout/vList5"/>
     <dgm:cxn modelId="{DFBF16B2-8C72-E94C-914E-3527B734B27B}" type="presOf" srcId="{87505DAE-B4F0-4A3A-86E8-38F5AE7A64BF}" destId="{539A8CD8-181C-174F-BCA1-4BDBC6A4CB73}" srcOrd="0" destOrd="0" presId="urn:microsoft.com/office/officeart/2005/8/layout/vList5"/>
-    <dgm:cxn modelId="{F50765BA-9EE1-6747-B036-EF7C640AFE6E}" type="presOf" srcId="{94F4C9DD-E89B-468C-8571-EEAA0FC2184C}" destId="{D1F2B727-FA1B-DE49-A4EC-C9B598512A6A}" srcOrd="0" destOrd="0" presId="urn:microsoft.com/office/officeart/2005/8/layout/vList5"/>
     <dgm:cxn modelId="{789DADF0-4243-1842-B50A-1430441343EC}" type="presOf" srcId="{684125EE-8224-4550-8A5A-EE238D91EE49}" destId="{F523DE71-DBC4-D844-9EE8-5AFB677E4338}" srcOrd="0" destOrd="0" presId="urn:microsoft.com/office/officeart/2005/8/layout/vList5"/>
     <dgm:cxn modelId="{9B5289F4-165A-4DE2-9F8B-ED7BDADD710E}" srcId="{28AA02AD-E2AC-4ABA-B1EF-9E0BFF254302}" destId="{AC98E0FF-BB60-452F-ABCB-C1C7FD3C1F2F}" srcOrd="0" destOrd="0" parTransId="{D2467B49-4979-45D8-87E0-9ADBF2BAAC6A}" sibTransId="{79778760-1664-4924-9190-50232874194D}"/>
-    <dgm:cxn modelId="{248A52F8-42C2-44D7-8034-029FA882864B}" srcId="{28AA02AD-E2AC-4ABA-B1EF-9E0BFF254302}" destId="{94F4C9DD-E89B-468C-8571-EEAA0FC2184C}" srcOrd="3" destOrd="0" parTransId="{819250A3-56A9-4E81-9208-4C1EB2FA131E}" sibTransId="{55155771-88B4-4E89-B55A-8C755128889A}"/>
     <dgm:cxn modelId="{B5C0A32C-1F7A-4743-8172-B00F393C0DDE}" type="presParOf" srcId="{56E01A08-CD30-E142-82E7-2150E8DA5D04}" destId="{7FC340A0-F0BF-E44F-B098-4D4AA42FC907}" srcOrd="0" destOrd="0" presId="urn:microsoft.com/office/officeart/2005/8/layout/vList5"/>
     <dgm:cxn modelId="{923B1719-16A0-5246-89BA-EDBD185683CD}" type="presParOf" srcId="{7FC340A0-F0BF-E44F-B098-4D4AA42FC907}" destId="{A539EF6D-8C5E-9549-9149-3411C206E187}" srcOrd="0" destOrd="0" presId="urn:microsoft.com/office/officeart/2005/8/layout/vList5"/>
     <dgm:cxn modelId="{005365B4-9970-DE47-BA76-F700030ED1B7}" type="presParOf" srcId="{56E01A08-CD30-E142-82E7-2150E8DA5D04}" destId="{86486763-91DB-3A44-8E85-A37DA9341861}" srcOrd="1" destOrd="0" presId="urn:microsoft.com/office/officeart/2005/8/layout/vList5"/>
@@ -3042,228 +2239,12 @@
     <dgm:cxn modelId="{60251CE8-7ED4-4F43-A67C-4C952C4F4A35}" type="presParOf" srcId="{56E01A08-CD30-E142-82E7-2150E8DA5D04}" destId="{834D8AB6-CFCA-154F-9AA4-4FFC445D1346}" srcOrd="3" destOrd="0" presId="urn:microsoft.com/office/officeart/2005/8/layout/vList5"/>
     <dgm:cxn modelId="{650BCC2D-A61D-DA4D-9584-1034C18B0B1F}" type="presParOf" srcId="{56E01A08-CD30-E142-82E7-2150E8DA5D04}" destId="{FE78AF8B-BC50-DD45-8DB2-F22429E1ADAC}" srcOrd="4" destOrd="0" presId="urn:microsoft.com/office/officeart/2005/8/layout/vList5"/>
     <dgm:cxn modelId="{BA43E124-DACC-C243-9277-403971331351}" type="presParOf" srcId="{FE78AF8B-BC50-DD45-8DB2-F22429E1ADAC}" destId="{539A8CD8-181C-174F-BCA1-4BDBC6A4CB73}" srcOrd="0" destOrd="0" presId="urn:microsoft.com/office/officeart/2005/8/layout/vList5"/>
-    <dgm:cxn modelId="{099276AA-CB8B-0347-A5E2-E11BF74B99B2}" type="presParOf" srcId="{56E01A08-CD30-E142-82E7-2150E8DA5D04}" destId="{4E342695-2244-8446-ADF1-2644C04A574F}" srcOrd="5" destOrd="0" presId="urn:microsoft.com/office/officeart/2005/8/layout/vList5"/>
-    <dgm:cxn modelId="{35D7CB4B-C915-0B4B-93C3-80C6B45E3E0E}" type="presParOf" srcId="{56E01A08-CD30-E142-82E7-2150E8DA5D04}" destId="{6EC60CD3-66B7-3A42-B734-F86C59F224BE}" srcOrd="6" destOrd="0" presId="urn:microsoft.com/office/officeart/2005/8/layout/vList5"/>
-    <dgm:cxn modelId="{CE7302FC-5E58-0343-A940-3B036D49A245}" type="presParOf" srcId="{6EC60CD3-66B7-3A42-B734-F86C59F224BE}" destId="{D1F2B727-FA1B-DE49-A4EC-C9B598512A6A}" srcOrd="0" destOrd="0" presId="urn:microsoft.com/office/officeart/2005/8/layout/vList5"/>
   </dgm:cxnLst>
   <dgm:bg/>
   <dgm:whole/>
   <dgm:extLst>
     <a:ext uri="http://schemas.microsoft.com/office/drawing/2008/diagram">
       <dsp:dataModelExt xmlns:dsp="http://schemas.microsoft.com/office/drawing/2008/diagram" relId="rId6" minVer="http://schemas.openxmlformats.org/drawingml/2006/diagram"/>
-    </a:ext>
-  </dgm:extLst>
-</dgm:dataModel>
-</file>
-
-<file path=ppt/diagrams/data3.xml><?xml version="1.0" encoding="utf-8"?>
-<dgm:dataModel xmlns:dgm="http://schemas.openxmlformats.org/drawingml/2006/diagram" xmlns:a="http://schemas.openxmlformats.org/drawingml/2006/main">
-  <dgm:ptLst>
-    <dgm:pt modelId="{5F733A7B-7417-4E0E-BDBC-B20BDAB273BE}" type="doc">
-      <dgm:prSet loTypeId="urn:microsoft.com/office/officeart/2005/8/layout/vList5" loCatId="list" qsTypeId="urn:microsoft.com/office/officeart/2005/8/quickstyle/simple4" qsCatId="simple" csTypeId="urn:microsoft.com/office/officeart/2005/8/colors/accent3_2" csCatId="accent3"/>
-      <dgm:spPr/>
-      <dgm:t>
-        <a:bodyPr/>
-        <a:lstStyle/>
-        <a:p>
-          <a:endParaRPr lang="en-US"/>
-        </a:p>
-      </dgm:t>
-    </dgm:pt>
-    <dgm:pt modelId="{4D8BE828-F98B-4734-9B7C-EE0F8D9761AA}">
-      <dgm:prSet/>
-      <dgm:spPr/>
-      <dgm:t>
-        <a:bodyPr/>
-        <a:lstStyle/>
-        <a:p>
-          <a:r>
-            <a:rPr lang="ar-AE"/>
-            <a:t>تصور طوبولوجيا مخطط الشبكة</a:t>
-          </a:r>
-          <a:endParaRPr lang="en-US"/>
-        </a:p>
-      </dgm:t>
-    </dgm:pt>
-    <dgm:pt modelId="{1400E5F7-CA9A-4EDB-9509-31E9CED7E54B}" type="parTrans" cxnId="{BB2F2E29-240B-4CCB-99E9-074CA34BB7A7}">
-      <dgm:prSet/>
-      <dgm:spPr/>
-      <dgm:t>
-        <a:bodyPr/>
-        <a:lstStyle/>
-        <a:p>
-          <a:endParaRPr lang="en-US"/>
-        </a:p>
-      </dgm:t>
-    </dgm:pt>
-    <dgm:pt modelId="{564ECD91-2C1C-4E74-A8D0-C515C3ECC0A4}" type="sibTrans" cxnId="{BB2F2E29-240B-4CCB-99E9-074CA34BB7A7}">
-      <dgm:prSet/>
-      <dgm:spPr/>
-      <dgm:t>
-        <a:bodyPr/>
-        <a:lstStyle/>
-        <a:p>
-          <a:endParaRPr lang="en-US"/>
-        </a:p>
-      </dgm:t>
-    </dgm:pt>
-    <dgm:pt modelId="{2ED035AC-4AC3-46EB-8A5A-49DF9C826FF4}">
-      <dgm:prSet/>
-      <dgm:spPr/>
-      <dgm:t>
-        <a:bodyPr/>
-        <a:lstStyle/>
-        <a:p>
-          <a:r>
-            <a:rPr lang="ar-AE"/>
-            <a:t>إنشاء التقارير وتصديرها بصيغة </a:t>
-          </a:r>
-          <a:r>
-            <a:rPr lang="en-US"/>
-            <a:t>pdf</a:t>
-          </a:r>
-        </a:p>
-      </dgm:t>
-    </dgm:pt>
-    <dgm:pt modelId="{DB018816-32C6-4F5D-B598-A055B1D94B9A}" type="parTrans" cxnId="{969CA535-DD74-4136-8932-E27461B4FF21}">
-      <dgm:prSet/>
-      <dgm:spPr/>
-      <dgm:t>
-        <a:bodyPr/>
-        <a:lstStyle/>
-        <a:p>
-          <a:endParaRPr lang="en-US"/>
-        </a:p>
-      </dgm:t>
-    </dgm:pt>
-    <dgm:pt modelId="{124209BF-0DE5-409A-BF88-13C9E474D299}" type="sibTrans" cxnId="{969CA535-DD74-4136-8932-E27461B4FF21}">
-      <dgm:prSet/>
-      <dgm:spPr/>
-      <dgm:t>
-        <a:bodyPr/>
-        <a:lstStyle/>
-        <a:p>
-          <a:endParaRPr lang="en-US"/>
-        </a:p>
-      </dgm:t>
-    </dgm:pt>
-    <dgm:pt modelId="{1A6ED4CC-C634-47BB-B2F2-B69C70B9201C}">
-      <dgm:prSet/>
-      <dgm:spPr/>
-      <dgm:t>
-        <a:bodyPr/>
-        <a:lstStyle/>
-        <a:p>
-          <a:r>
-            <a:rPr lang="ar-AE"/>
-            <a:t>تجاوز برامج مكافحة الفيروسات وجدار الحماية خلال عملية الفحص</a:t>
-          </a:r>
-          <a:endParaRPr lang="en-US"/>
-        </a:p>
-      </dgm:t>
-    </dgm:pt>
-    <dgm:pt modelId="{4898703C-56E1-4A99-ADEE-1D113D4F11EE}" type="parTrans" cxnId="{E599148E-8F0E-4CF7-BA9B-57674E6F1CD6}">
-      <dgm:prSet/>
-      <dgm:spPr/>
-      <dgm:t>
-        <a:bodyPr/>
-        <a:lstStyle/>
-        <a:p>
-          <a:endParaRPr lang="en-US"/>
-        </a:p>
-      </dgm:t>
-    </dgm:pt>
-    <dgm:pt modelId="{F6246D36-DB09-429E-B267-CC2A5875CB42}" type="sibTrans" cxnId="{E599148E-8F0E-4CF7-BA9B-57674E6F1CD6}">
-      <dgm:prSet/>
-      <dgm:spPr/>
-      <dgm:t>
-        <a:bodyPr/>
-        <a:lstStyle/>
-        <a:p>
-          <a:endParaRPr lang="en-US"/>
-        </a:p>
-      </dgm:t>
-    </dgm:pt>
-    <dgm:pt modelId="{BD586219-477F-4E43-9104-4DE60D1E6DCE}" type="pres">
-      <dgm:prSet presAssocID="{5F733A7B-7417-4E0E-BDBC-B20BDAB273BE}" presName="Name0" presStyleCnt="0">
-        <dgm:presLayoutVars>
-          <dgm:dir/>
-          <dgm:animLvl val="lvl"/>
-          <dgm:resizeHandles val="exact"/>
-        </dgm:presLayoutVars>
-      </dgm:prSet>
-      <dgm:spPr/>
-    </dgm:pt>
-    <dgm:pt modelId="{74CE2BE2-4B0A-2A41-838B-09EE113052F7}" type="pres">
-      <dgm:prSet presAssocID="{4D8BE828-F98B-4734-9B7C-EE0F8D9761AA}" presName="linNode" presStyleCnt="0"/>
-      <dgm:spPr/>
-    </dgm:pt>
-    <dgm:pt modelId="{A4E881E4-EDAE-3742-BEDD-A4089C0DD6F8}" type="pres">
-      <dgm:prSet presAssocID="{4D8BE828-F98B-4734-9B7C-EE0F8D9761AA}" presName="parentText" presStyleLbl="node1" presStyleIdx="0" presStyleCnt="3">
-        <dgm:presLayoutVars>
-          <dgm:chMax val="1"/>
-          <dgm:bulletEnabled val="1"/>
-        </dgm:presLayoutVars>
-      </dgm:prSet>
-      <dgm:spPr/>
-    </dgm:pt>
-    <dgm:pt modelId="{25224850-969B-F148-94CF-B37E93C0A84D}" type="pres">
-      <dgm:prSet presAssocID="{564ECD91-2C1C-4E74-A8D0-C515C3ECC0A4}" presName="sp" presStyleCnt="0"/>
-      <dgm:spPr/>
-    </dgm:pt>
-    <dgm:pt modelId="{36A46A41-8966-7540-8735-7CEC2B0F61C6}" type="pres">
-      <dgm:prSet presAssocID="{2ED035AC-4AC3-46EB-8A5A-49DF9C826FF4}" presName="linNode" presStyleCnt="0"/>
-      <dgm:spPr/>
-    </dgm:pt>
-    <dgm:pt modelId="{2AC7E3DB-0B94-3C44-9719-7953F8098881}" type="pres">
-      <dgm:prSet presAssocID="{2ED035AC-4AC3-46EB-8A5A-49DF9C826FF4}" presName="parentText" presStyleLbl="node1" presStyleIdx="1" presStyleCnt="3">
-        <dgm:presLayoutVars>
-          <dgm:chMax val="1"/>
-          <dgm:bulletEnabled val="1"/>
-        </dgm:presLayoutVars>
-      </dgm:prSet>
-      <dgm:spPr/>
-    </dgm:pt>
-    <dgm:pt modelId="{40D7AC32-DD26-D24A-8693-F6345A2A7804}" type="pres">
-      <dgm:prSet presAssocID="{124209BF-0DE5-409A-BF88-13C9E474D299}" presName="sp" presStyleCnt="0"/>
-      <dgm:spPr/>
-    </dgm:pt>
-    <dgm:pt modelId="{6A8CB447-44BC-6C4C-BA11-A1DAF429289E}" type="pres">
-      <dgm:prSet presAssocID="{1A6ED4CC-C634-47BB-B2F2-B69C70B9201C}" presName="linNode" presStyleCnt="0"/>
-      <dgm:spPr/>
-    </dgm:pt>
-    <dgm:pt modelId="{CA8134C3-3343-1C45-93B8-35EAE9141CA9}" type="pres">
-      <dgm:prSet presAssocID="{1A6ED4CC-C634-47BB-B2F2-B69C70B9201C}" presName="parentText" presStyleLbl="node1" presStyleIdx="2" presStyleCnt="3">
-        <dgm:presLayoutVars>
-          <dgm:chMax val="1"/>
-          <dgm:bulletEnabled val="1"/>
-        </dgm:presLayoutVars>
-      </dgm:prSet>
-      <dgm:spPr/>
-    </dgm:pt>
-  </dgm:ptLst>
-  <dgm:cxnLst>
-    <dgm:cxn modelId="{A118A611-8265-FE46-8DD5-A844873BC258}" type="presOf" srcId="{4D8BE828-F98B-4734-9B7C-EE0F8D9761AA}" destId="{A4E881E4-EDAE-3742-BEDD-A4089C0DD6F8}" srcOrd="0" destOrd="0" presId="urn:microsoft.com/office/officeart/2005/8/layout/vList5"/>
-    <dgm:cxn modelId="{BB2F2E29-240B-4CCB-99E9-074CA34BB7A7}" srcId="{5F733A7B-7417-4E0E-BDBC-B20BDAB273BE}" destId="{4D8BE828-F98B-4734-9B7C-EE0F8D9761AA}" srcOrd="0" destOrd="0" parTransId="{1400E5F7-CA9A-4EDB-9509-31E9CED7E54B}" sibTransId="{564ECD91-2C1C-4E74-A8D0-C515C3ECC0A4}"/>
-    <dgm:cxn modelId="{1C8DD12E-D25E-EE4B-BC7F-764082978F18}" type="presOf" srcId="{5F733A7B-7417-4E0E-BDBC-B20BDAB273BE}" destId="{BD586219-477F-4E43-9104-4DE60D1E6DCE}" srcOrd="0" destOrd="0" presId="urn:microsoft.com/office/officeart/2005/8/layout/vList5"/>
-    <dgm:cxn modelId="{969CA535-DD74-4136-8932-E27461B4FF21}" srcId="{5F733A7B-7417-4E0E-BDBC-B20BDAB273BE}" destId="{2ED035AC-4AC3-46EB-8A5A-49DF9C826FF4}" srcOrd="1" destOrd="0" parTransId="{DB018816-32C6-4F5D-B598-A055B1D94B9A}" sibTransId="{124209BF-0DE5-409A-BF88-13C9E474D299}"/>
-    <dgm:cxn modelId="{F5D4DA5A-2BAA-024E-806A-1CE3B837105B}" type="presOf" srcId="{2ED035AC-4AC3-46EB-8A5A-49DF9C826FF4}" destId="{2AC7E3DB-0B94-3C44-9719-7953F8098881}" srcOrd="0" destOrd="0" presId="urn:microsoft.com/office/officeart/2005/8/layout/vList5"/>
-    <dgm:cxn modelId="{9D8A5B6C-5F8A-6D4A-8748-45B063363D35}" type="presOf" srcId="{1A6ED4CC-C634-47BB-B2F2-B69C70B9201C}" destId="{CA8134C3-3343-1C45-93B8-35EAE9141CA9}" srcOrd="0" destOrd="0" presId="urn:microsoft.com/office/officeart/2005/8/layout/vList5"/>
-    <dgm:cxn modelId="{E599148E-8F0E-4CF7-BA9B-57674E6F1CD6}" srcId="{5F733A7B-7417-4E0E-BDBC-B20BDAB273BE}" destId="{1A6ED4CC-C634-47BB-B2F2-B69C70B9201C}" srcOrd="2" destOrd="0" parTransId="{4898703C-56E1-4A99-ADEE-1D113D4F11EE}" sibTransId="{F6246D36-DB09-429E-B267-CC2A5875CB42}"/>
-    <dgm:cxn modelId="{748A379D-1B85-8443-A3D6-2AFAD0A9EDBE}" type="presParOf" srcId="{BD586219-477F-4E43-9104-4DE60D1E6DCE}" destId="{74CE2BE2-4B0A-2A41-838B-09EE113052F7}" srcOrd="0" destOrd="0" presId="urn:microsoft.com/office/officeart/2005/8/layout/vList5"/>
-    <dgm:cxn modelId="{D793FB8A-8D68-8145-880C-73D66463652D}" type="presParOf" srcId="{74CE2BE2-4B0A-2A41-838B-09EE113052F7}" destId="{A4E881E4-EDAE-3742-BEDD-A4089C0DD6F8}" srcOrd="0" destOrd="0" presId="urn:microsoft.com/office/officeart/2005/8/layout/vList5"/>
-    <dgm:cxn modelId="{B10D0B02-8514-4F46-B6D0-4A249DD80E69}" type="presParOf" srcId="{BD586219-477F-4E43-9104-4DE60D1E6DCE}" destId="{25224850-969B-F148-94CF-B37E93C0A84D}" srcOrd="1" destOrd="0" presId="urn:microsoft.com/office/officeart/2005/8/layout/vList5"/>
-    <dgm:cxn modelId="{BC6175CC-61AD-A442-9CA5-F90333483887}" type="presParOf" srcId="{BD586219-477F-4E43-9104-4DE60D1E6DCE}" destId="{36A46A41-8966-7540-8735-7CEC2B0F61C6}" srcOrd="2" destOrd="0" presId="urn:microsoft.com/office/officeart/2005/8/layout/vList5"/>
-    <dgm:cxn modelId="{66D3A5DA-71D4-1540-A64B-89F8CCC45C3A}" type="presParOf" srcId="{36A46A41-8966-7540-8735-7CEC2B0F61C6}" destId="{2AC7E3DB-0B94-3C44-9719-7953F8098881}" srcOrd="0" destOrd="0" presId="urn:microsoft.com/office/officeart/2005/8/layout/vList5"/>
-    <dgm:cxn modelId="{5DC3EA0C-B03B-6144-8B58-4872E86581B6}" type="presParOf" srcId="{BD586219-477F-4E43-9104-4DE60D1E6DCE}" destId="{40D7AC32-DD26-D24A-8693-F6345A2A7804}" srcOrd="3" destOrd="0" presId="urn:microsoft.com/office/officeart/2005/8/layout/vList5"/>
-    <dgm:cxn modelId="{247D69F9-EBFF-3046-A20E-FD66AB21F877}" type="presParOf" srcId="{BD586219-477F-4E43-9104-4DE60D1E6DCE}" destId="{6A8CB447-44BC-6C4C-BA11-A1DAF429289E}" srcOrd="4" destOrd="0" presId="urn:microsoft.com/office/officeart/2005/8/layout/vList5"/>
-    <dgm:cxn modelId="{25B563BD-DC46-CD4B-90A8-133FF68F12DA}" type="presParOf" srcId="{6A8CB447-44BC-6C4C-BA11-A1DAF429289E}" destId="{CA8134C3-3343-1C45-93B8-35EAE9141CA9}" srcOrd="0" destOrd="0" presId="urn:microsoft.com/office/officeart/2005/8/layout/vList5"/>
-  </dgm:cxnLst>
-  <dgm:bg/>
-  <dgm:whole/>
-  <dgm:extLst>
-    <a:ext uri="http://schemas.microsoft.com/office/drawing/2008/diagram">
-      <dsp:dataModelExt xmlns:dsp="http://schemas.microsoft.com/office/drawing/2008/diagram" relId="rId7" minVer="http://schemas.openxmlformats.org/drawingml/2006/diagram"/>
     </a:ext>
   </dgm:extLst>
 </dgm:dataModel>
@@ -3700,8 +2681,8 @@
       </dsp:nvSpPr>
       <dsp:spPr>
         <a:xfrm>
-          <a:off x="3496905" y="2098"/>
-          <a:ext cx="3934018" cy="1009303"/>
+          <a:off x="3496905" y="2047"/>
+          <a:ext cx="3934018" cy="1351196"/>
         </a:xfrm>
         <a:prstGeom prst="roundRect">
           <a:avLst/>
@@ -3743,12 +2724,12 @@
         </a:fontRef>
       </dsp:style>
       <dsp:txBody>
-        <a:bodyPr spcFirstLastPara="0" vert="horz" wrap="square" lIns="110490" tIns="55245" rIns="110490" bIns="55245" numCol="1" spcCol="1270" anchor="ctr" anchorCtr="0">
+        <a:bodyPr spcFirstLastPara="0" vert="horz" wrap="square" lIns="148590" tIns="74295" rIns="148590" bIns="74295" numCol="1" spcCol="1270" anchor="ctr" anchorCtr="0">
           <a:noAutofit/>
         </a:bodyPr>
         <a:lstStyle/>
         <a:p>
-          <a:pPr marL="0" lvl="0" indent="0" algn="ctr" defTabSz="1289050">
+          <a:pPr marL="0" lvl="0" indent="0" algn="ctr" defTabSz="1733550">
             <a:lnSpc>
               <a:spcPct val="90000"/>
             </a:lnSpc>
@@ -3761,15 +2742,15 @@
             <a:buNone/>
           </a:pPr>
           <a:r>
-            <a:rPr lang="ar-KW" sz="2900" kern="1200"/>
-            <a:t>الحالية: مشاكل عامة مع اعادة الضبط</a:t>
+            <a:rPr lang="ar-KW" sz="3900" kern="1200" dirty="0"/>
+            <a:t>مشاكل عامة مع اعادة الضبط</a:t>
           </a:r>
-          <a:endParaRPr lang="en-US" sz="2900" kern="1200"/>
+          <a:endParaRPr lang="en-US" sz="3900" kern="1200" dirty="0"/>
         </a:p>
       </dsp:txBody>
       <dsp:txXfrm>
-        <a:off x="3546175" y="51368"/>
-        <a:ext cx="3835478" cy="910763"/>
+        <a:off x="3562865" y="68007"/>
+        <a:ext cx="3802098" cy="1219276"/>
       </dsp:txXfrm>
     </dsp:sp>
     <dsp:sp modelId="{F523DE71-DBC4-D844-9EE8-5AFB677E4338}">
@@ -3779,8 +2760,8 @@
       </dsp:nvSpPr>
       <dsp:spPr>
         <a:xfrm>
-          <a:off x="3496905" y="1061866"/>
-          <a:ext cx="3934018" cy="1009303"/>
+          <a:off x="3496905" y="1420804"/>
+          <a:ext cx="3934018" cy="1351196"/>
         </a:xfrm>
         <a:prstGeom prst="roundRect">
           <a:avLst/>
@@ -3822,12 +2803,12 @@
         </a:fontRef>
       </dsp:style>
       <dsp:txBody>
-        <a:bodyPr spcFirstLastPara="0" vert="horz" wrap="square" lIns="110490" tIns="55245" rIns="110490" bIns="55245" numCol="1" spcCol="1270" anchor="ctr" anchorCtr="0">
+        <a:bodyPr spcFirstLastPara="0" vert="horz" wrap="square" lIns="148590" tIns="74295" rIns="148590" bIns="74295" numCol="1" spcCol="1270" anchor="ctr" anchorCtr="0">
           <a:noAutofit/>
         </a:bodyPr>
         <a:lstStyle/>
         <a:p>
-          <a:pPr marL="0" lvl="0" indent="0" algn="ctr" defTabSz="1289050">
+          <a:pPr marL="0" lvl="0" indent="0" algn="ctr" defTabSz="1733550">
             <a:lnSpc>
               <a:spcPct val="90000"/>
             </a:lnSpc>
@@ -3840,18 +2821,18 @@
             <a:buNone/>
           </a:pPr>
           <a:r>
-            <a:rPr lang="ar-KW" sz="2900" kern="1200"/>
+            <a:rPr lang="ar-KW" sz="3900" kern="1200" dirty="0"/>
             <a:t>مشاكل مع موقع </a:t>
           </a:r>
           <a:r>
-            <a:rPr lang="en-US" sz="2900" kern="1200"/>
+            <a:rPr lang="en-US" sz="3900" kern="1200" dirty="0"/>
             <a:t>NVD </a:t>
           </a:r>
         </a:p>
       </dsp:txBody>
       <dsp:txXfrm>
-        <a:off x="3546175" y="1111136"/>
-        <a:ext cx="3835478" cy="910763"/>
+        <a:off x="3562865" y="1486764"/>
+        <a:ext cx="3802098" cy="1219276"/>
       </dsp:txXfrm>
     </dsp:sp>
     <dsp:sp modelId="{539A8CD8-181C-174F-BCA1-4BDBC6A4CB73}">
@@ -3861,8 +2842,8 @@
       </dsp:nvSpPr>
       <dsp:spPr>
         <a:xfrm>
-          <a:off x="3496905" y="2121635"/>
-          <a:ext cx="3934018" cy="1009303"/>
+          <a:off x="3496905" y="2839560"/>
+          <a:ext cx="3934018" cy="1351196"/>
         </a:xfrm>
         <a:prstGeom prst="roundRect">
           <a:avLst/>
@@ -3904,12 +2885,12 @@
         </a:fontRef>
       </dsp:style>
       <dsp:txBody>
-        <a:bodyPr spcFirstLastPara="0" vert="horz" wrap="square" lIns="110490" tIns="55245" rIns="110490" bIns="55245" numCol="1" spcCol="1270" anchor="ctr" anchorCtr="0">
+        <a:bodyPr spcFirstLastPara="0" vert="horz" wrap="square" lIns="148590" tIns="74295" rIns="148590" bIns="74295" numCol="1" spcCol="1270" anchor="ctr" anchorCtr="0">
           <a:noAutofit/>
         </a:bodyPr>
         <a:lstStyle/>
         <a:p>
-          <a:pPr marL="0" lvl="0" indent="0" algn="ctr" defTabSz="1289050">
+          <a:pPr marL="0" lvl="0" indent="0" algn="ctr" defTabSz="1733550">
             <a:lnSpc>
               <a:spcPct val="90000"/>
             </a:lnSpc>
@@ -3922,409 +2903,15 @@
             <a:buNone/>
           </a:pPr>
           <a:r>
-            <a:rPr lang="ar-KW" sz="2900" kern="1200"/>
-            <a:t>السابقة: صعوبات مع تجهيز التطبيق</a:t>
+            <a:rPr lang="ar-KW" sz="3900" kern="1200" dirty="0"/>
+            <a:t>مشاكل مع الشبكات الكثيفة</a:t>
           </a:r>
-          <a:endParaRPr lang="en-US" sz="2900" kern="1200"/>
+          <a:endParaRPr lang="en-US" sz="3900" kern="1200" dirty="0"/>
         </a:p>
       </dsp:txBody>
       <dsp:txXfrm>
-        <a:off x="3546175" y="2170905"/>
-        <a:ext cx="3835478" cy="910763"/>
-      </dsp:txXfrm>
-    </dsp:sp>
-    <dsp:sp modelId="{D1F2B727-FA1B-DE49-A4EC-C9B598512A6A}">
-      <dsp:nvSpPr>
-        <dsp:cNvPr id="0" name=""/>
-        <dsp:cNvSpPr/>
-      </dsp:nvSpPr>
-      <dsp:spPr>
-        <a:xfrm>
-          <a:off x="3496905" y="3181403"/>
-          <a:ext cx="3934018" cy="1009303"/>
-        </a:xfrm>
-        <a:prstGeom prst="roundRect">
-          <a:avLst/>
-        </a:prstGeom>
-        <a:solidFill>
-          <a:schemeClr val="accent5">
-            <a:hueOff val="0"/>
-            <a:satOff val="0"/>
-            <a:lumOff val="0"/>
-            <a:alphaOff val="0"/>
-          </a:schemeClr>
-        </a:solidFill>
-        <a:ln w="12700" cap="flat" cmpd="sng" algn="ctr">
-          <a:solidFill>
-            <a:schemeClr val="lt1">
-              <a:hueOff val="0"/>
-              <a:satOff val="0"/>
-              <a:lumOff val="0"/>
-              <a:alphaOff val="0"/>
-            </a:schemeClr>
-          </a:solidFill>
-          <a:prstDash val="solid"/>
-          <a:miter lim="800000"/>
-        </a:ln>
-        <a:effectLst/>
-      </dsp:spPr>
-      <dsp:style>
-        <a:lnRef idx="2">
-          <a:scrgbClr r="0" g="0" b="0"/>
-        </a:lnRef>
-        <a:fillRef idx="1">
-          <a:scrgbClr r="0" g="0" b="0"/>
-        </a:fillRef>
-        <a:effectRef idx="0">
-          <a:scrgbClr r="0" g="0" b="0"/>
-        </a:effectRef>
-        <a:fontRef idx="minor">
-          <a:schemeClr val="lt1"/>
-        </a:fontRef>
-      </dsp:style>
-      <dsp:txBody>
-        <a:bodyPr spcFirstLastPara="0" vert="horz" wrap="square" lIns="110490" tIns="55245" rIns="110490" bIns="55245" numCol="1" spcCol="1270" anchor="ctr" anchorCtr="0">
-          <a:noAutofit/>
-        </a:bodyPr>
-        <a:lstStyle/>
-        <a:p>
-          <a:pPr marL="0" lvl="0" indent="0" algn="ctr" defTabSz="1289050">
-            <a:lnSpc>
-              <a:spcPct val="90000"/>
-            </a:lnSpc>
-            <a:spcBef>
-              <a:spcPct val="0"/>
-            </a:spcBef>
-            <a:spcAft>
-              <a:spcPct val="35000"/>
-            </a:spcAft>
-            <a:buNone/>
-          </a:pPr>
-          <a:r>
-            <a:rPr lang="ar-KW" sz="2900" kern="1200"/>
-            <a:t>مشاكل عامة مع اضافة أزرار أثناء تشغيل البرنامج</a:t>
-          </a:r>
-          <a:endParaRPr lang="en-US" sz="2900" kern="1200"/>
-        </a:p>
-      </dsp:txBody>
-      <dsp:txXfrm>
-        <a:off x="3546175" y="3230673"/>
-        <a:ext cx="3835478" cy="910763"/>
-      </dsp:txXfrm>
-    </dsp:sp>
-  </dsp:spTree>
-</dsp:drawing>
-</file>
-
-<file path=ppt/diagrams/drawing3.xml><?xml version="1.0" encoding="utf-8"?>
-<dsp:drawing xmlns:dgm="http://schemas.openxmlformats.org/drawingml/2006/diagram" xmlns:dsp="http://schemas.microsoft.com/office/drawing/2008/diagram" xmlns:a="http://schemas.openxmlformats.org/drawingml/2006/main">
-  <dsp:spTree>
-    <dsp:nvGrpSpPr>
-      <dsp:cNvPr id="0" name=""/>
-      <dsp:cNvGrpSpPr/>
-    </dsp:nvGrpSpPr>
-    <dsp:grpSpPr/>
-    <dsp:sp modelId="{A4E881E4-EDAE-3742-BEDD-A4089C0DD6F8}">
-      <dsp:nvSpPr>
-        <dsp:cNvPr id="0" name=""/>
-        <dsp:cNvSpPr/>
-      </dsp:nvSpPr>
-      <dsp:spPr>
-        <a:xfrm>
-          <a:off x="3364992" y="2124"/>
-          <a:ext cx="3785616" cy="1402286"/>
-        </a:xfrm>
-        <a:prstGeom prst="roundRect">
-          <a:avLst/>
-        </a:prstGeom>
-        <a:gradFill rotWithShape="0">
-          <a:gsLst>
-            <a:gs pos="0">
-              <a:schemeClr val="accent3">
-                <a:hueOff val="0"/>
-                <a:satOff val="0"/>
-                <a:lumOff val="0"/>
-                <a:alphaOff val="0"/>
-                <a:satMod val="103000"/>
-                <a:lumMod val="102000"/>
-                <a:tint val="94000"/>
-              </a:schemeClr>
-            </a:gs>
-            <a:gs pos="50000">
-              <a:schemeClr val="accent3">
-                <a:hueOff val="0"/>
-                <a:satOff val="0"/>
-                <a:lumOff val="0"/>
-                <a:alphaOff val="0"/>
-                <a:satMod val="110000"/>
-                <a:lumMod val="100000"/>
-                <a:shade val="100000"/>
-              </a:schemeClr>
-            </a:gs>
-            <a:gs pos="100000">
-              <a:schemeClr val="accent3">
-                <a:hueOff val="0"/>
-                <a:satOff val="0"/>
-                <a:lumOff val="0"/>
-                <a:alphaOff val="0"/>
-                <a:lumMod val="99000"/>
-                <a:satMod val="120000"/>
-                <a:shade val="78000"/>
-              </a:schemeClr>
-            </a:gs>
-          </a:gsLst>
-          <a:lin ang="5400000" scaled="0"/>
-        </a:gradFill>
-        <a:ln>
-          <a:noFill/>
-        </a:ln>
-        <a:effectLst/>
-      </dsp:spPr>
-      <dsp:style>
-        <a:lnRef idx="0">
-          <a:scrgbClr r="0" g="0" b="0"/>
-        </a:lnRef>
-        <a:fillRef idx="3">
-          <a:scrgbClr r="0" g="0" b="0"/>
-        </a:fillRef>
-        <a:effectRef idx="2">
-          <a:scrgbClr r="0" g="0" b="0"/>
-        </a:effectRef>
-        <a:fontRef idx="minor">
-          <a:schemeClr val="lt1"/>
-        </a:fontRef>
-      </dsp:style>
-      <dsp:txBody>
-        <a:bodyPr spcFirstLastPara="0" vert="horz" wrap="square" lIns="106680" tIns="53340" rIns="106680" bIns="53340" numCol="1" spcCol="1270" anchor="ctr" anchorCtr="0">
-          <a:noAutofit/>
-        </a:bodyPr>
-        <a:lstStyle/>
-        <a:p>
-          <a:pPr marL="0" lvl="0" indent="0" algn="ctr" defTabSz="1244600">
-            <a:lnSpc>
-              <a:spcPct val="90000"/>
-            </a:lnSpc>
-            <a:spcBef>
-              <a:spcPct val="0"/>
-            </a:spcBef>
-            <a:spcAft>
-              <a:spcPct val="35000"/>
-            </a:spcAft>
-            <a:buNone/>
-          </a:pPr>
-          <a:r>
-            <a:rPr lang="ar-AE" sz="2800" kern="1200"/>
-            <a:t>تصور طوبولوجيا مخطط الشبكة</a:t>
-          </a:r>
-          <a:endParaRPr lang="en-US" sz="2800" kern="1200"/>
-        </a:p>
-      </dsp:txBody>
-      <dsp:txXfrm>
-        <a:off x="3433446" y="70578"/>
-        <a:ext cx="3648708" cy="1265378"/>
-      </dsp:txXfrm>
-    </dsp:sp>
-    <dsp:sp modelId="{2AC7E3DB-0B94-3C44-9719-7953F8098881}">
-      <dsp:nvSpPr>
-        <dsp:cNvPr id="0" name=""/>
-        <dsp:cNvSpPr/>
-      </dsp:nvSpPr>
-      <dsp:spPr>
-        <a:xfrm>
-          <a:off x="3364992" y="1474525"/>
-          <a:ext cx="3785616" cy="1402286"/>
-        </a:xfrm>
-        <a:prstGeom prst="roundRect">
-          <a:avLst/>
-        </a:prstGeom>
-        <a:gradFill rotWithShape="0">
-          <a:gsLst>
-            <a:gs pos="0">
-              <a:schemeClr val="accent3">
-                <a:hueOff val="0"/>
-                <a:satOff val="0"/>
-                <a:lumOff val="0"/>
-                <a:alphaOff val="0"/>
-                <a:satMod val="103000"/>
-                <a:lumMod val="102000"/>
-                <a:tint val="94000"/>
-              </a:schemeClr>
-            </a:gs>
-            <a:gs pos="50000">
-              <a:schemeClr val="accent3">
-                <a:hueOff val="0"/>
-                <a:satOff val="0"/>
-                <a:lumOff val="0"/>
-                <a:alphaOff val="0"/>
-                <a:satMod val="110000"/>
-                <a:lumMod val="100000"/>
-                <a:shade val="100000"/>
-              </a:schemeClr>
-            </a:gs>
-            <a:gs pos="100000">
-              <a:schemeClr val="accent3">
-                <a:hueOff val="0"/>
-                <a:satOff val="0"/>
-                <a:lumOff val="0"/>
-                <a:alphaOff val="0"/>
-                <a:lumMod val="99000"/>
-                <a:satMod val="120000"/>
-                <a:shade val="78000"/>
-              </a:schemeClr>
-            </a:gs>
-          </a:gsLst>
-          <a:lin ang="5400000" scaled="0"/>
-        </a:gradFill>
-        <a:ln>
-          <a:noFill/>
-        </a:ln>
-        <a:effectLst/>
-      </dsp:spPr>
-      <dsp:style>
-        <a:lnRef idx="0">
-          <a:scrgbClr r="0" g="0" b="0"/>
-        </a:lnRef>
-        <a:fillRef idx="3">
-          <a:scrgbClr r="0" g="0" b="0"/>
-        </a:fillRef>
-        <a:effectRef idx="2">
-          <a:scrgbClr r="0" g="0" b="0"/>
-        </a:effectRef>
-        <a:fontRef idx="minor">
-          <a:schemeClr val="lt1"/>
-        </a:fontRef>
-      </dsp:style>
-      <dsp:txBody>
-        <a:bodyPr spcFirstLastPara="0" vert="horz" wrap="square" lIns="106680" tIns="53340" rIns="106680" bIns="53340" numCol="1" spcCol="1270" anchor="ctr" anchorCtr="0">
-          <a:noAutofit/>
-        </a:bodyPr>
-        <a:lstStyle/>
-        <a:p>
-          <a:pPr marL="0" lvl="0" indent="0" algn="ctr" defTabSz="1244600">
-            <a:lnSpc>
-              <a:spcPct val="90000"/>
-            </a:lnSpc>
-            <a:spcBef>
-              <a:spcPct val="0"/>
-            </a:spcBef>
-            <a:spcAft>
-              <a:spcPct val="35000"/>
-            </a:spcAft>
-            <a:buNone/>
-          </a:pPr>
-          <a:r>
-            <a:rPr lang="ar-AE" sz="2800" kern="1200"/>
-            <a:t>إنشاء التقارير وتصديرها بصيغة </a:t>
-          </a:r>
-          <a:r>
-            <a:rPr lang="en-US" sz="2800" kern="1200"/>
-            <a:t>pdf</a:t>
-          </a:r>
-        </a:p>
-      </dsp:txBody>
-      <dsp:txXfrm>
-        <a:off x="3433446" y="1542979"/>
-        <a:ext cx="3648708" cy="1265378"/>
-      </dsp:txXfrm>
-    </dsp:sp>
-    <dsp:sp modelId="{CA8134C3-3343-1C45-93B8-35EAE9141CA9}">
-      <dsp:nvSpPr>
-        <dsp:cNvPr id="0" name=""/>
-        <dsp:cNvSpPr/>
-      </dsp:nvSpPr>
-      <dsp:spPr>
-        <a:xfrm>
-          <a:off x="3364992" y="2946926"/>
-          <a:ext cx="3785616" cy="1402286"/>
-        </a:xfrm>
-        <a:prstGeom prst="roundRect">
-          <a:avLst/>
-        </a:prstGeom>
-        <a:gradFill rotWithShape="0">
-          <a:gsLst>
-            <a:gs pos="0">
-              <a:schemeClr val="accent3">
-                <a:hueOff val="0"/>
-                <a:satOff val="0"/>
-                <a:lumOff val="0"/>
-                <a:alphaOff val="0"/>
-                <a:satMod val="103000"/>
-                <a:lumMod val="102000"/>
-                <a:tint val="94000"/>
-              </a:schemeClr>
-            </a:gs>
-            <a:gs pos="50000">
-              <a:schemeClr val="accent3">
-                <a:hueOff val="0"/>
-                <a:satOff val="0"/>
-                <a:lumOff val="0"/>
-                <a:alphaOff val="0"/>
-                <a:satMod val="110000"/>
-                <a:lumMod val="100000"/>
-                <a:shade val="100000"/>
-              </a:schemeClr>
-            </a:gs>
-            <a:gs pos="100000">
-              <a:schemeClr val="accent3">
-                <a:hueOff val="0"/>
-                <a:satOff val="0"/>
-                <a:lumOff val="0"/>
-                <a:alphaOff val="0"/>
-                <a:lumMod val="99000"/>
-                <a:satMod val="120000"/>
-                <a:shade val="78000"/>
-              </a:schemeClr>
-            </a:gs>
-          </a:gsLst>
-          <a:lin ang="5400000" scaled="0"/>
-        </a:gradFill>
-        <a:ln>
-          <a:noFill/>
-        </a:ln>
-        <a:effectLst/>
-      </dsp:spPr>
-      <dsp:style>
-        <a:lnRef idx="0">
-          <a:scrgbClr r="0" g="0" b="0"/>
-        </a:lnRef>
-        <a:fillRef idx="3">
-          <a:scrgbClr r="0" g="0" b="0"/>
-        </a:fillRef>
-        <a:effectRef idx="2">
-          <a:scrgbClr r="0" g="0" b="0"/>
-        </a:effectRef>
-        <a:fontRef idx="minor">
-          <a:schemeClr val="lt1"/>
-        </a:fontRef>
-      </dsp:style>
-      <dsp:txBody>
-        <a:bodyPr spcFirstLastPara="0" vert="horz" wrap="square" lIns="106680" tIns="53340" rIns="106680" bIns="53340" numCol="1" spcCol="1270" anchor="ctr" anchorCtr="0">
-          <a:noAutofit/>
-        </a:bodyPr>
-        <a:lstStyle/>
-        <a:p>
-          <a:pPr marL="0" lvl="0" indent="0" algn="ctr" defTabSz="1244600">
-            <a:lnSpc>
-              <a:spcPct val="90000"/>
-            </a:lnSpc>
-            <a:spcBef>
-              <a:spcPct val="0"/>
-            </a:spcBef>
-            <a:spcAft>
-              <a:spcPct val="35000"/>
-            </a:spcAft>
-            <a:buNone/>
-          </a:pPr>
-          <a:r>
-            <a:rPr lang="ar-AE" sz="2800" kern="1200"/>
-            <a:t>تجاوز برامج مكافحة الفيروسات وجدار الحماية خلال عملية الفحص</a:t>
-          </a:r>
-          <a:endParaRPr lang="en-US" sz="2800" kern="1200"/>
-        </a:p>
-      </dsp:txBody>
-      <dsp:txXfrm>
-        <a:off x="3433446" y="3015380"/>
-        <a:ext cx="3648708" cy="1265378"/>
+        <a:off x="3562865" y="2905520"/>
+        <a:ext cx="3802098" cy="1219276"/>
       </dsp:txXfrm>
     </dsp:sp>
   </dsp:spTree>
@@ -5127,239 +3714,6 @@
 </dgm:layoutDef>
 </file>
 
-<file path=ppt/diagrams/layout3.xml><?xml version="1.0" encoding="utf-8"?>
-<dgm:layoutDef xmlns:dgm="http://schemas.openxmlformats.org/drawingml/2006/diagram" xmlns:a="http://schemas.openxmlformats.org/drawingml/2006/main" uniqueId="urn:microsoft.com/office/officeart/2005/8/layout/vList5">
-  <dgm:title val=""/>
-  <dgm:desc val=""/>
-  <dgm:catLst>
-    <dgm:cat type="list" pri="15000"/>
-    <dgm:cat type="convert" pri="2000"/>
-  </dgm:catLst>
-  <dgm:sampData>
-    <dgm:dataModel>
-      <dgm:ptLst>
-        <dgm:pt modelId="0" type="doc"/>
-        <dgm:pt modelId="1">
-          <dgm:prSet phldr="1"/>
-        </dgm:pt>
-        <dgm:pt modelId="11">
-          <dgm:prSet phldr="1"/>
-        </dgm:pt>
-        <dgm:pt modelId="12">
-          <dgm:prSet phldr="1"/>
-        </dgm:pt>
-        <dgm:pt modelId="2">
-          <dgm:prSet phldr="1"/>
-        </dgm:pt>
-        <dgm:pt modelId="21">
-          <dgm:prSet phldr="1"/>
-        </dgm:pt>
-        <dgm:pt modelId="22">
-          <dgm:prSet phldr="1"/>
-        </dgm:pt>
-        <dgm:pt modelId="3">
-          <dgm:prSet phldr="1"/>
-        </dgm:pt>
-        <dgm:pt modelId="31">
-          <dgm:prSet phldr="1"/>
-        </dgm:pt>
-        <dgm:pt modelId="32">
-          <dgm:prSet phldr="1"/>
-        </dgm:pt>
-      </dgm:ptLst>
-      <dgm:cxnLst>
-        <dgm:cxn modelId="4" srcId="0" destId="1" srcOrd="0" destOrd="0"/>
-        <dgm:cxn modelId="5" srcId="0" destId="2" srcOrd="1" destOrd="0"/>
-        <dgm:cxn modelId="6" srcId="0" destId="3" srcOrd="2" destOrd="0"/>
-        <dgm:cxn modelId="13" srcId="1" destId="11" srcOrd="0" destOrd="0"/>
-        <dgm:cxn modelId="14" srcId="1" destId="12" srcOrd="1" destOrd="0"/>
-        <dgm:cxn modelId="23" srcId="2" destId="21" srcOrd="0" destOrd="0"/>
-        <dgm:cxn modelId="24" srcId="2" destId="22" srcOrd="1" destOrd="0"/>
-        <dgm:cxn modelId="33" srcId="3" destId="31" srcOrd="0" destOrd="0"/>
-        <dgm:cxn modelId="34" srcId="3" destId="32" srcOrd="1" destOrd="0"/>
-      </dgm:cxnLst>
-      <dgm:bg/>
-      <dgm:whole/>
-    </dgm:dataModel>
-  </dgm:sampData>
-  <dgm:styleData>
-    <dgm:dataModel>
-      <dgm:ptLst>
-        <dgm:pt modelId="0" type="doc"/>
-        <dgm:pt modelId="1"/>
-        <dgm:pt modelId="11"/>
-        <dgm:pt modelId="2"/>
-        <dgm:pt modelId="21"/>
-      </dgm:ptLst>
-      <dgm:cxnLst>
-        <dgm:cxn modelId="4" srcId="0" destId="1" srcOrd="0" destOrd="0"/>
-        <dgm:cxn modelId="5" srcId="0" destId="2" srcOrd="1" destOrd="0"/>
-        <dgm:cxn modelId="13" srcId="1" destId="11" srcOrd="0" destOrd="0"/>
-        <dgm:cxn modelId="23" srcId="2" destId="21" srcOrd="0" destOrd="0"/>
-      </dgm:cxnLst>
-      <dgm:bg/>
-      <dgm:whole/>
-    </dgm:dataModel>
-  </dgm:styleData>
-  <dgm:clrData>
-    <dgm:dataModel>
-      <dgm:ptLst>
-        <dgm:pt modelId="0" type="doc"/>
-        <dgm:pt modelId="1"/>
-        <dgm:pt modelId="11"/>
-        <dgm:pt modelId="2"/>
-        <dgm:pt modelId="21"/>
-        <dgm:pt modelId="3"/>
-        <dgm:pt modelId="31"/>
-        <dgm:pt modelId="4"/>
-        <dgm:pt modelId="41"/>
-      </dgm:ptLst>
-      <dgm:cxnLst>
-        <dgm:cxn modelId="5" srcId="0" destId="1" srcOrd="0" destOrd="0"/>
-        <dgm:cxn modelId="6" srcId="0" destId="2" srcOrd="1" destOrd="0"/>
-        <dgm:cxn modelId="7" srcId="0" destId="3" srcOrd="2" destOrd="0"/>
-        <dgm:cxn modelId="8" srcId="0" destId="4" srcOrd="3" destOrd="0"/>
-        <dgm:cxn modelId="13" srcId="1" destId="11" srcOrd="0" destOrd="0"/>
-        <dgm:cxn modelId="23" srcId="2" destId="21" srcOrd="0" destOrd="0"/>
-        <dgm:cxn modelId="33" srcId="3" destId="31" srcOrd="0" destOrd="0"/>
-        <dgm:cxn modelId="43" srcId="4" destId="41" srcOrd="0" destOrd="0"/>
-      </dgm:cxnLst>
-      <dgm:bg/>
-      <dgm:whole/>
-    </dgm:dataModel>
-  </dgm:clrData>
-  <dgm:layoutNode name="Name0">
-    <dgm:varLst>
-      <dgm:dir/>
-      <dgm:animLvl val="lvl"/>
-      <dgm:resizeHandles val="exact"/>
-    </dgm:varLst>
-    <dgm:choose name="Name1">
-      <dgm:if name="Name2" func="var" arg="dir" op="equ" val="norm">
-        <dgm:alg type="lin">
-          <dgm:param type="linDir" val="fromT"/>
-          <dgm:param type="nodeHorzAlign" val="l"/>
-        </dgm:alg>
-      </dgm:if>
-      <dgm:else name="Name3">
-        <dgm:alg type="lin">
-          <dgm:param type="linDir" val="fromT"/>
-          <dgm:param type="nodeHorzAlign" val="r"/>
-        </dgm:alg>
-      </dgm:else>
-    </dgm:choose>
-    <dgm:shape xmlns:r="http://schemas.openxmlformats.org/officeDocument/2006/relationships" r:blip="">
-      <dgm:adjLst/>
-    </dgm:shape>
-    <dgm:presOf/>
-    <dgm:constrLst>
-      <dgm:constr type="h" for="ch" forName="linNode" refType="h"/>
-      <dgm:constr type="w" for="ch" forName="linNode" refType="w"/>
-      <dgm:constr type="h" for="ch" forName="sp" refType="h" fact="0.05"/>
-      <dgm:constr type="primFontSz" for="des" forName="parentText" op="equ" val="65"/>
-      <dgm:constr type="secFontSz" for="des" forName="descendantText" op="equ"/>
-    </dgm:constrLst>
-    <dgm:ruleLst/>
-    <dgm:forEach name="Name4" axis="ch" ptType="node">
-      <dgm:layoutNode name="linNode">
-        <dgm:choose name="Name5">
-          <dgm:if name="Name6" func="var" arg="dir" op="equ" val="norm">
-            <dgm:alg type="lin">
-              <dgm:param type="linDir" val="fromL"/>
-            </dgm:alg>
-          </dgm:if>
-          <dgm:else name="Name7">
-            <dgm:alg type="lin">
-              <dgm:param type="linDir" val="fromR"/>
-            </dgm:alg>
-          </dgm:else>
-        </dgm:choose>
-        <dgm:shape xmlns:r="http://schemas.openxmlformats.org/officeDocument/2006/relationships" r:blip="">
-          <dgm:adjLst/>
-        </dgm:shape>
-        <dgm:presOf/>
-        <dgm:constrLst>
-          <dgm:constr type="w" for="ch" forName="parentText" refType="w" fact="0.36"/>
-          <dgm:constr type="w" for="ch" forName="descendantText" refType="w" fact="0.64"/>
-          <dgm:constr type="h" for="ch" forName="parentText" refType="h"/>
-          <dgm:constr type="h" for="ch" forName="descendantText" refType="h" refFor="ch" refForName="parentText" fact="0.8"/>
-        </dgm:constrLst>
-        <dgm:ruleLst/>
-        <dgm:layoutNode name="parentText">
-          <dgm:varLst>
-            <dgm:chMax val="1"/>
-            <dgm:bulletEnabled val="1"/>
-          </dgm:varLst>
-          <dgm:alg type="tx"/>
-          <dgm:shape xmlns:r="http://schemas.openxmlformats.org/officeDocument/2006/relationships" type="roundRect" r:blip="" zOrderOff="3">
-            <dgm:adjLst/>
-          </dgm:shape>
-          <dgm:presOf axis="self" ptType="node"/>
-          <dgm:constrLst>
-            <dgm:constr type="tMarg" refType="primFontSz" fact="0.15"/>
-            <dgm:constr type="bMarg" refType="primFontSz" fact="0.15"/>
-            <dgm:constr type="lMarg" refType="primFontSz" fact="0.3"/>
-            <dgm:constr type="rMarg" refType="primFontSz" fact="0.3"/>
-          </dgm:constrLst>
-          <dgm:ruleLst>
-            <dgm:rule type="primFontSz" val="5" fact="NaN" max="NaN"/>
-          </dgm:ruleLst>
-        </dgm:layoutNode>
-        <dgm:choose name="Name8">
-          <dgm:if name="Name9" axis="ch" ptType="node" func="cnt" op="gte" val="1">
-            <dgm:layoutNode name="descendantText" styleLbl="alignAccFollowNode1">
-              <dgm:varLst>
-                <dgm:bulletEnabled val="1"/>
-              </dgm:varLst>
-              <dgm:alg type="tx">
-                <dgm:param type="stBulletLvl" val="1"/>
-                <dgm:param type="txAnchorVertCh" val="mid"/>
-              </dgm:alg>
-              <dgm:choose name="Name10">
-                <dgm:if name="Name11" func="var" arg="dir" op="equ" val="norm">
-                  <dgm:shape xmlns:r="http://schemas.openxmlformats.org/officeDocument/2006/relationships" rot="90" type="round2SameRect" r:blip="">
-                    <dgm:adjLst/>
-                  </dgm:shape>
-                </dgm:if>
-                <dgm:else name="Name12">
-                  <dgm:shape xmlns:r="http://schemas.openxmlformats.org/officeDocument/2006/relationships" rot="-90" type="round2SameRect" r:blip="">
-                    <dgm:adjLst/>
-                  </dgm:shape>
-                </dgm:else>
-              </dgm:choose>
-              <dgm:presOf axis="des" ptType="node"/>
-              <dgm:constrLst>
-                <dgm:constr type="secFontSz" val="65"/>
-                <dgm:constr type="primFontSz" refType="secFontSz"/>
-                <dgm:constr type="lMarg" refType="secFontSz" fact="0.3"/>
-                <dgm:constr type="rMarg" refType="secFontSz" fact="0.3"/>
-                <dgm:constr type="tMarg" refType="secFontSz" fact="0.15"/>
-                <dgm:constr type="bMarg" refType="secFontSz" fact="0.15"/>
-              </dgm:constrLst>
-              <dgm:ruleLst>
-                <dgm:rule type="secFontSz" val="5" fact="NaN" max="NaN"/>
-              </dgm:ruleLst>
-            </dgm:layoutNode>
-          </dgm:if>
-          <dgm:else name="Name13"/>
-        </dgm:choose>
-      </dgm:layoutNode>
-      <dgm:forEach name="Name14" axis="followSib" ptType="sibTrans" cnt="1">
-        <dgm:layoutNode name="sp">
-          <dgm:alg type="sp"/>
-          <dgm:shape xmlns:r="http://schemas.openxmlformats.org/officeDocument/2006/relationships" r:blip="">
-            <dgm:adjLst/>
-          </dgm:shape>
-          <dgm:presOf/>
-          <dgm:constrLst/>
-          <dgm:ruleLst/>
-        </dgm:layoutNode>
-      </dgm:forEach>
-    </dgm:forEach>
-  </dgm:layoutNode>
-</dgm:layoutDef>
-</file>
-
 <file path=ppt/diagrams/quickStyle1.xml><?xml version="1.0" encoding="utf-8"?>
 <dgm:styleDef xmlns:dgm="http://schemas.openxmlformats.org/drawingml/2006/diagram" xmlns:a="http://schemas.openxmlformats.org/drawingml/2006/main" uniqueId="urn:microsoft.com/office/officeart/2005/8/quickstyle/simple1">
   <dgm:title val=""/>
@@ -7400,1040 +5754,6 @@
         <a:scrgbClr r="0" g="0" b="0"/>
       </a:fillRef>
       <a:effectRef idx="0">
-        <a:scrgbClr r="0" g="0" b="0"/>
-      </a:effectRef>
-      <a:fontRef idx="minor"/>
-    </dgm:style>
-  </dgm:styleLbl>
-  <dgm:styleLbl name="revTx">
-    <dgm:scene3d>
-      <a:camera prst="orthographicFront"/>
-      <a:lightRig rig="threePt" dir="t"/>
-    </dgm:scene3d>
-    <dgm:sp3d/>
-    <dgm:txPr/>
-    <dgm:style>
-      <a:lnRef idx="0">
-        <a:scrgbClr r="0" g="0" b="0"/>
-      </a:lnRef>
-      <a:fillRef idx="0">
-        <a:scrgbClr r="0" g="0" b="0"/>
-      </a:fillRef>
-      <a:effectRef idx="0">
-        <a:scrgbClr r="0" g="0" b="0"/>
-      </a:effectRef>
-      <a:fontRef idx="minor"/>
-    </dgm:style>
-  </dgm:styleLbl>
-</dgm:styleDef>
-</file>
-
-<file path=ppt/diagrams/quickStyle3.xml><?xml version="1.0" encoding="utf-8"?>
-<dgm:styleDef xmlns:dgm="http://schemas.openxmlformats.org/drawingml/2006/diagram" xmlns:a="http://schemas.openxmlformats.org/drawingml/2006/main" uniqueId="urn:microsoft.com/office/officeart/2005/8/quickstyle/simple4">
-  <dgm:title val=""/>
-  <dgm:desc val=""/>
-  <dgm:catLst>
-    <dgm:cat type="simple" pri="10400"/>
-  </dgm:catLst>
-  <dgm:scene3d>
-    <a:camera prst="orthographicFront"/>
-    <a:lightRig rig="threePt" dir="t"/>
-  </dgm:scene3d>
-  <dgm:styleLbl name="node0">
-    <dgm:scene3d>
-      <a:camera prst="orthographicFront"/>
-      <a:lightRig rig="threePt" dir="t"/>
-    </dgm:scene3d>
-    <dgm:sp3d/>
-    <dgm:txPr/>
-    <dgm:style>
-      <a:lnRef idx="0">
-        <a:scrgbClr r="0" g="0" b="0"/>
-      </a:lnRef>
-      <a:fillRef idx="3">
-        <a:scrgbClr r="0" g="0" b="0"/>
-      </a:fillRef>
-      <a:effectRef idx="2">
-        <a:scrgbClr r="0" g="0" b="0"/>
-      </a:effectRef>
-      <a:fontRef idx="minor">
-        <a:schemeClr val="lt1"/>
-      </a:fontRef>
-    </dgm:style>
-  </dgm:styleLbl>
-  <dgm:styleLbl name="lnNode1">
-    <dgm:scene3d>
-      <a:camera prst="orthographicFront"/>
-      <a:lightRig rig="threePt" dir="t"/>
-    </dgm:scene3d>
-    <dgm:sp3d/>
-    <dgm:txPr/>
-    <dgm:style>
-      <a:lnRef idx="1">
-        <a:scrgbClr r="0" g="0" b="0"/>
-      </a:lnRef>
-      <a:fillRef idx="3">
-        <a:scrgbClr r="0" g="0" b="0"/>
-      </a:fillRef>
-      <a:effectRef idx="2">
-        <a:scrgbClr r="0" g="0" b="0"/>
-      </a:effectRef>
-      <a:fontRef idx="minor">
-        <a:schemeClr val="lt1"/>
-      </a:fontRef>
-    </dgm:style>
-  </dgm:styleLbl>
-  <dgm:styleLbl name="vennNode1">
-    <dgm:scene3d>
-      <a:camera prst="orthographicFront"/>
-      <a:lightRig rig="threePt" dir="t"/>
-    </dgm:scene3d>
-    <dgm:sp3d/>
-    <dgm:txPr/>
-    <dgm:style>
-      <a:lnRef idx="0">
-        <a:scrgbClr r="0" g="0" b="0"/>
-      </a:lnRef>
-      <a:fillRef idx="3">
-        <a:scrgbClr r="0" g="0" b="0"/>
-      </a:fillRef>
-      <a:effectRef idx="0">
-        <a:scrgbClr r="0" g="0" b="0"/>
-      </a:effectRef>
-      <a:fontRef idx="minor">
-        <a:schemeClr val="tx1"/>
-      </a:fontRef>
-    </dgm:style>
-  </dgm:styleLbl>
-  <dgm:styleLbl name="alignNode1">
-    <dgm:scene3d>
-      <a:camera prst="orthographicFront"/>
-      <a:lightRig rig="threePt" dir="t"/>
-    </dgm:scene3d>
-    <dgm:sp3d/>
-    <dgm:txPr/>
-    <dgm:style>
-      <a:lnRef idx="1">
-        <a:scrgbClr r="0" g="0" b="0"/>
-      </a:lnRef>
-      <a:fillRef idx="3">
-        <a:scrgbClr r="0" g="0" b="0"/>
-      </a:fillRef>
-      <a:effectRef idx="2">
-        <a:scrgbClr r="0" g="0" b="0"/>
-      </a:effectRef>
-      <a:fontRef idx="minor">
-        <a:schemeClr val="lt1"/>
-      </a:fontRef>
-    </dgm:style>
-  </dgm:styleLbl>
-  <dgm:styleLbl name="node1">
-    <dgm:scene3d>
-      <a:camera prst="orthographicFront"/>
-      <a:lightRig rig="threePt" dir="t"/>
-    </dgm:scene3d>
-    <dgm:sp3d/>
-    <dgm:txPr/>
-    <dgm:style>
-      <a:lnRef idx="0">
-        <a:scrgbClr r="0" g="0" b="0"/>
-      </a:lnRef>
-      <a:fillRef idx="3">
-        <a:scrgbClr r="0" g="0" b="0"/>
-      </a:fillRef>
-      <a:effectRef idx="2">
-        <a:scrgbClr r="0" g="0" b="0"/>
-      </a:effectRef>
-      <a:fontRef idx="minor">
-        <a:schemeClr val="lt1"/>
-      </a:fontRef>
-    </dgm:style>
-  </dgm:styleLbl>
-  <dgm:styleLbl name="node2">
-    <dgm:scene3d>
-      <a:camera prst="orthographicFront"/>
-      <a:lightRig rig="threePt" dir="t"/>
-    </dgm:scene3d>
-    <dgm:sp3d/>
-    <dgm:txPr/>
-    <dgm:style>
-      <a:lnRef idx="0">
-        <a:scrgbClr r="0" g="0" b="0"/>
-      </a:lnRef>
-      <a:fillRef idx="3">
-        <a:scrgbClr r="0" g="0" b="0"/>
-      </a:fillRef>
-      <a:effectRef idx="2">
-        <a:scrgbClr r="0" g="0" b="0"/>
-      </a:effectRef>
-      <a:fontRef idx="minor">
-        <a:schemeClr val="lt1"/>
-      </a:fontRef>
-    </dgm:style>
-  </dgm:styleLbl>
-  <dgm:styleLbl name="node3">
-    <dgm:scene3d>
-      <a:camera prst="orthographicFront"/>
-      <a:lightRig rig="threePt" dir="t"/>
-    </dgm:scene3d>
-    <dgm:sp3d/>
-    <dgm:txPr/>
-    <dgm:style>
-      <a:lnRef idx="0">
-        <a:scrgbClr r="0" g="0" b="0"/>
-      </a:lnRef>
-      <a:fillRef idx="3">
-        <a:scrgbClr r="0" g="0" b="0"/>
-      </a:fillRef>
-      <a:effectRef idx="2">
-        <a:scrgbClr r="0" g="0" b="0"/>
-      </a:effectRef>
-      <a:fontRef idx="minor">
-        <a:schemeClr val="lt1"/>
-      </a:fontRef>
-    </dgm:style>
-  </dgm:styleLbl>
-  <dgm:styleLbl name="node4">
-    <dgm:scene3d>
-      <a:camera prst="orthographicFront"/>
-      <a:lightRig rig="threePt" dir="t"/>
-    </dgm:scene3d>
-    <dgm:sp3d/>
-    <dgm:txPr/>
-    <dgm:style>
-      <a:lnRef idx="0">
-        <a:scrgbClr r="0" g="0" b="0"/>
-      </a:lnRef>
-      <a:fillRef idx="3">
-        <a:scrgbClr r="0" g="0" b="0"/>
-      </a:fillRef>
-      <a:effectRef idx="2">
-        <a:scrgbClr r="0" g="0" b="0"/>
-      </a:effectRef>
-      <a:fontRef idx="minor">
-        <a:schemeClr val="lt1"/>
-      </a:fontRef>
-    </dgm:style>
-  </dgm:styleLbl>
-  <dgm:styleLbl name="fgImgPlace1">
-    <dgm:scene3d>
-      <a:camera prst="orthographicFront"/>
-      <a:lightRig rig="threePt" dir="t"/>
-    </dgm:scene3d>
-    <dgm:sp3d/>
-    <dgm:txPr/>
-    <dgm:style>
-      <a:lnRef idx="0">
-        <a:scrgbClr r="0" g="0" b="0"/>
-      </a:lnRef>
-      <a:fillRef idx="1">
-        <a:scrgbClr r="0" g="0" b="0"/>
-      </a:fillRef>
-      <a:effectRef idx="2">
-        <a:scrgbClr r="0" g="0" b="0"/>
-      </a:effectRef>
-      <a:fontRef idx="minor"/>
-    </dgm:style>
-  </dgm:styleLbl>
-  <dgm:styleLbl name="alignImgPlace1">
-    <dgm:scene3d>
-      <a:camera prst="orthographicFront"/>
-      <a:lightRig rig="threePt" dir="t"/>
-    </dgm:scene3d>
-    <dgm:sp3d/>
-    <dgm:txPr/>
-    <dgm:style>
-      <a:lnRef idx="0">
-        <a:scrgbClr r="0" g="0" b="0"/>
-      </a:lnRef>
-      <a:fillRef idx="1">
-        <a:scrgbClr r="0" g="0" b="0"/>
-      </a:fillRef>
-      <a:effectRef idx="2">
-        <a:scrgbClr r="0" g="0" b="0"/>
-      </a:effectRef>
-      <a:fontRef idx="minor"/>
-    </dgm:style>
-  </dgm:styleLbl>
-  <dgm:styleLbl name="bgImgPlace1">
-    <dgm:scene3d>
-      <a:camera prst="orthographicFront"/>
-      <a:lightRig rig="threePt" dir="t"/>
-    </dgm:scene3d>
-    <dgm:sp3d/>
-    <dgm:txPr/>
-    <dgm:style>
-      <a:lnRef idx="0">
-        <a:scrgbClr r="0" g="0" b="0"/>
-      </a:lnRef>
-      <a:fillRef idx="1">
-        <a:scrgbClr r="0" g="0" b="0"/>
-      </a:fillRef>
-      <a:effectRef idx="2">
-        <a:scrgbClr r="0" g="0" b="0"/>
-      </a:effectRef>
-      <a:fontRef idx="minor"/>
-    </dgm:style>
-  </dgm:styleLbl>
-  <dgm:styleLbl name="sibTrans2D1">
-    <dgm:scene3d>
-      <a:camera prst="orthographicFront"/>
-      <a:lightRig rig="threePt" dir="t"/>
-    </dgm:scene3d>
-    <dgm:sp3d/>
-    <dgm:txPr/>
-    <dgm:style>
-      <a:lnRef idx="0">
-        <a:scrgbClr r="0" g="0" b="0"/>
-      </a:lnRef>
-      <a:fillRef idx="3">
-        <a:scrgbClr r="0" g="0" b="0"/>
-      </a:fillRef>
-      <a:effectRef idx="2">
-        <a:scrgbClr r="0" g="0" b="0"/>
-      </a:effectRef>
-      <a:fontRef idx="minor">
-        <a:schemeClr val="lt1"/>
-      </a:fontRef>
-    </dgm:style>
-  </dgm:styleLbl>
-  <dgm:styleLbl name="fgSibTrans2D1">
-    <dgm:scene3d>
-      <a:camera prst="orthographicFront"/>
-      <a:lightRig rig="threePt" dir="t"/>
-    </dgm:scene3d>
-    <dgm:sp3d/>
-    <dgm:txPr/>
-    <dgm:style>
-      <a:lnRef idx="0">
-        <a:scrgbClr r="0" g="0" b="0"/>
-      </a:lnRef>
-      <a:fillRef idx="3">
-        <a:scrgbClr r="0" g="0" b="0"/>
-      </a:fillRef>
-      <a:effectRef idx="2">
-        <a:scrgbClr r="0" g="0" b="0"/>
-      </a:effectRef>
-      <a:fontRef idx="minor">
-        <a:schemeClr val="lt1"/>
-      </a:fontRef>
-    </dgm:style>
-  </dgm:styleLbl>
-  <dgm:styleLbl name="bgSibTrans2D1">
-    <dgm:scene3d>
-      <a:camera prst="orthographicFront"/>
-      <a:lightRig rig="threePt" dir="t"/>
-    </dgm:scene3d>
-    <dgm:sp3d/>
-    <dgm:txPr/>
-    <dgm:style>
-      <a:lnRef idx="0">
-        <a:scrgbClr r="0" g="0" b="0"/>
-      </a:lnRef>
-      <a:fillRef idx="3">
-        <a:scrgbClr r="0" g="0" b="0"/>
-      </a:fillRef>
-      <a:effectRef idx="2">
-        <a:scrgbClr r="0" g="0" b="0"/>
-      </a:effectRef>
-      <a:fontRef idx="minor">
-        <a:schemeClr val="lt1"/>
-      </a:fontRef>
-    </dgm:style>
-  </dgm:styleLbl>
-  <dgm:styleLbl name="sibTrans1D1">
-    <dgm:scene3d>
-      <a:camera prst="orthographicFront"/>
-      <a:lightRig rig="threePt" dir="t"/>
-    </dgm:scene3d>
-    <dgm:sp3d/>
-    <dgm:txPr/>
-    <dgm:style>
-      <a:lnRef idx="1">
-        <a:scrgbClr r="0" g="0" b="0"/>
-      </a:lnRef>
-      <a:fillRef idx="0">
-        <a:scrgbClr r="0" g="0" b="0"/>
-      </a:fillRef>
-      <a:effectRef idx="0">
-        <a:scrgbClr r="0" g="0" b="0"/>
-      </a:effectRef>
-      <a:fontRef idx="minor"/>
-    </dgm:style>
-  </dgm:styleLbl>
-  <dgm:styleLbl name="callout">
-    <dgm:scene3d>
-      <a:camera prst="orthographicFront"/>
-      <a:lightRig rig="threePt" dir="t"/>
-    </dgm:scene3d>
-    <dgm:sp3d/>
-    <dgm:txPr/>
-    <dgm:style>
-      <a:lnRef idx="2">
-        <a:scrgbClr r="0" g="0" b="0"/>
-      </a:lnRef>
-      <a:fillRef idx="1">
-        <a:scrgbClr r="0" g="0" b="0"/>
-      </a:fillRef>
-      <a:effectRef idx="1">
-        <a:scrgbClr r="0" g="0" b="0"/>
-      </a:effectRef>
-      <a:fontRef idx="minor"/>
-    </dgm:style>
-  </dgm:styleLbl>
-  <dgm:styleLbl name="asst0">
-    <dgm:scene3d>
-      <a:camera prst="orthographicFront"/>
-      <a:lightRig rig="threePt" dir="t"/>
-    </dgm:scene3d>
-    <dgm:sp3d/>
-    <dgm:txPr/>
-    <dgm:style>
-      <a:lnRef idx="0">
-        <a:scrgbClr r="0" g="0" b="0"/>
-      </a:lnRef>
-      <a:fillRef idx="3">
-        <a:scrgbClr r="0" g="0" b="0"/>
-      </a:fillRef>
-      <a:effectRef idx="2">
-        <a:scrgbClr r="0" g="0" b="0"/>
-      </a:effectRef>
-      <a:fontRef idx="minor">
-        <a:schemeClr val="lt1"/>
-      </a:fontRef>
-    </dgm:style>
-  </dgm:styleLbl>
-  <dgm:styleLbl name="asst1">
-    <dgm:scene3d>
-      <a:camera prst="orthographicFront"/>
-      <a:lightRig rig="threePt" dir="t"/>
-    </dgm:scene3d>
-    <dgm:sp3d/>
-    <dgm:txPr/>
-    <dgm:style>
-      <a:lnRef idx="0">
-        <a:scrgbClr r="0" g="0" b="0"/>
-      </a:lnRef>
-      <a:fillRef idx="3">
-        <a:scrgbClr r="0" g="0" b="0"/>
-      </a:fillRef>
-      <a:effectRef idx="2">
-        <a:scrgbClr r="0" g="0" b="0"/>
-      </a:effectRef>
-      <a:fontRef idx="minor">
-        <a:schemeClr val="lt1"/>
-      </a:fontRef>
-    </dgm:style>
-  </dgm:styleLbl>
-  <dgm:styleLbl name="asst2">
-    <dgm:scene3d>
-      <a:camera prst="orthographicFront"/>
-      <a:lightRig rig="threePt" dir="t"/>
-    </dgm:scene3d>
-    <dgm:sp3d/>
-    <dgm:txPr/>
-    <dgm:style>
-      <a:lnRef idx="0">
-        <a:scrgbClr r="0" g="0" b="0"/>
-      </a:lnRef>
-      <a:fillRef idx="3">
-        <a:scrgbClr r="0" g="0" b="0"/>
-      </a:fillRef>
-      <a:effectRef idx="2">
-        <a:scrgbClr r="0" g="0" b="0"/>
-      </a:effectRef>
-      <a:fontRef idx="minor">
-        <a:schemeClr val="lt1"/>
-      </a:fontRef>
-    </dgm:style>
-  </dgm:styleLbl>
-  <dgm:styleLbl name="asst3">
-    <dgm:scene3d>
-      <a:camera prst="orthographicFront"/>
-      <a:lightRig rig="threePt" dir="t"/>
-    </dgm:scene3d>
-    <dgm:sp3d/>
-    <dgm:txPr/>
-    <dgm:style>
-      <a:lnRef idx="0">
-        <a:scrgbClr r="0" g="0" b="0"/>
-      </a:lnRef>
-      <a:fillRef idx="3">
-        <a:scrgbClr r="0" g="0" b="0"/>
-      </a:fillRef>
-      <a:effectRef idx="2">
-        <a:scrgbClr r="0" g="0" b="0"/>
-      </a:effectRef>
-      <a:fontRef idx="minor">
-        <a:schemeClr val="lt1"/>
-      </a:fontRef>
-    </dgm:style>
-  </dgm:styleLbl>
-  <dgm:styleLbl name="asst4">
-    <dgm:scene3d>
-      <a:camera prst="orthographicFront"/>
-      <a:lightRig rig="threePt" dir="t"/>
-    </dgm:scene3d>
-    <dgm:sp3d/>
-    <dgm:txPr/>
-    <dgm:style>
-      <a:lnRef idx="0">
-        <a:scrgbClr r="0" g="0" b="0"/>
-      </a:lnRef>
-      <a:fillRef idx="3">
-        <a:scrgbClr r="0" g="0" b="0"/>
-      </a:fillRef>
-      <a:effectRef idx="2">
-        <a:scrgbClr r="0" g="0" b="0"/>
-      </a:effectRef>
-      <a:fontRef idx="minor">
-        <a:schemeClr val="lt1"/>
-      </a:fontRef>
-    </dgm:style>
-  </dgm:styleLbl>
-  <dgm:styleLbl name="parChTrans2D1">
-    <dgm:scene3d>
-      <a:camera prst="orthographicFront"/>
-      <a:lightRig rig="threePt" dir="t"/>
-    </dgm:scene3d>
-    <dgm:sp3d/>
-    <dgm:txPr/>
-    <dgm:style>
-      <a:lnRef idx="0">
-        <a:scrgbClr r="0" g="0" b="0"/>
-      </a:lnRef>
-      <a:fillRef idx="3">
-        <a:scrgbClr r="0" g="0" b="0"/>
-      </a:fillRef>
-      <a:effectRef idx="2">
-        <a:scrgbClr r="0" g="0" b="0"/>
-      </a:effectRef>
-      <a:fontRef idx="minor">
-        <a:schemeClr val="lt1"/>
-      </a:fontRef>
-    </dgm:style>
-  </dgm:styleLbl>
-  <dgm:styleLbl name="parChTrans2D2">
-    <dgm:scene3d>
-      <a:camera prst="orthographicFront"/>
-      <a:lightRig rig="threePt" dir="t"/>
-    </dgm:scene3d>
-    <dgm:sp3d/>
-    <dgm:txPr/>
-    <dgm:style>
-      <a:lnRef idx="0">
-        <a:scrgbClr r="0" g="0" b="0"/>
-      </a:lnRef>
-      <a:fillRef idx="3">
-        <a:scrgbClr r="0" g="0" b="0"/>
-      </a:fillRef>
-      <a:effectRef idx="2">
-        <a:scrgbClr r="0" g="0" b="0"/>
-      </a:effectRef>
-      <a:fontRef idx="minor">
-        <a:schemeClr val="lt1"/>
-      </a:fontRef>
-    </dgm:style>
-  </dgm:styleLbl>
-  <dgm:styleLbl name="parChTrans2D3">
-    <dgm:scene3d>
-      <a:camera prst="orthographicFront"/>
-      <a:lightRig rig="threePt" dir="t"/>
-    </dgm:scene3d>
-    <dgm:sp3d/>
-    <dgm:txPr/>
-    <dgm:style>
-      <a:lnRef idx="1">
-        <a:scrgbClr r="0" g="0" b="0"/>
-      </a:lnRef>
-      <a:fillRef idx="3">
-        <a:scrgbClr r="0" g="0" b="0"/>
-      </a:fillRef>
-      <a:effectRef idx="2">
-        <a:scrgbClr r="0" g="0" b="0"/>
-      </a:effectRef>
-      <a:fontRef idx="minor">
-        <a:schemeClr val="lt1"/>
-      </a:fontRef>
-    </dgm:style>
-  </dgm:styleLbl>
-  <dgm:styleLbl name="parChTrans2D4">
-    <dgm:scene3d>
-      <a:camera prst="orthographicFront"/>
-      <a:lightRig rig="threePt" dir="t"/>
-    </dgm:scene3d>
-    <dgm:sp3d/>
-    <dgm:txPr/>
-    <dgm:style>
-      <a:lnRef idx="1">
-        <a:scrgbClr r="0" g="0" b="0"/>
-      </a:lnRef>
-      <a:fillRef idx="3">
-        <a:scrgbClr r="0" g="0" b="0"/>
-      </a:fillRef>
-      <a:effectRef idx="2">
-        <a:scrgbClr r="0" g="0" b="0"/>
-      </a:effectRef>
-      <a:fontRef idx="minor">
-        <a:schemeClr val="lt1"/>
-      </a:fontRef>
-    </dgm:style>
-  </dgm:styleLbl>
-  <dgm:styleLbl name="parChTrans1D1">
-    <dgm:scene3d>
-      <a:camera prst="orthographicFront"/>
-      <a:lightRig rig="threePt" dir="t"/>
-    </dgm:scene3d>
-    <dgm:sp3d/>
-    <dgm:txPr/>
-    <dgm:style>
-      <a:lnRef idx="1">
-        <a:scrgbClr r="0" g="0" b="0"/>
-      </a:lnRef>
-      <a:fillRef idx="0">
-        <a:scrgbClr r="0" g="0" b="0"/>
-      </a:fillRef>
-      <a:effectRef idx="0">
-        <a:scrgbClr r="0" g="0" b="0"/>
-      </a:effectRef>
-      <a:fontRef idx="minor"/>
-    </dgm:style>
-  </dgm:styleLbl>
-  <dgm:styleLbl name="parChTrans1D2">
-    <dgm:scene3d>
-      <a:camera prst="orthographicFront"/>
-      <a:lightRig rig="threePt" dir="t"/>
-    </dgm:scene3d>
-    <dgm:sp3d/>
-    <dgm:txPr/>
-    <dgm:style>
-      <a:lnRef idx="1">
-        <a:scrgbClr r="0" g="0" b="0"/>
-      </a:lnRef>
-      <a:fillRef idx="0">
-        <a:scrgbClr r="0" g="0" b="0"/>
-      </a:fillRef>
-      <a:effectRef idx="0">
-        <a:scrgbClr r="0" g="0" b="0"/>
-      </a:effectRef>
-      <a:fontRef idx="minor"/>
-    </dgm:style>
-  </dgm:styleLbl>
-  <dgm:styleLbl name="parChTrans1D3">
-    <dgm:scene3d>
-      <a:camera prst="orthographicFront"/>
-      <a:lightRig rig="threePt" dir="t"/>
-    </dgm:scene3d>
-    <dgm:sp3d/>
-    <dgm:txPr/>
-    <dgm:style>
-      <a:lnRef idx="1">
-        <a:scrgbClr r="0" g="0" b="0"/>
-      </a:lnRef>
-      <a:fillRef idx="0">
-        <a:scrgbClr r="0" g="0" b="0"/>
-      </a:fillRef>
-      <a:effectRef idx="0">
-        <a:scrgbClr r="0" g="0" b="0"/>
-      </a:effectRef>
-      <a:fontRef idx="minor"/>
-    </dgm:style>
-  </dgm:styleLbl>
-  <dgm:styleLbl name="parChTrans1D4">
-    <dgm:scene3d>
-      <a:camera prst="orthographicFront"/>
-      <a:lightRig rig="threePt" dir="t"/>
-    </dgm:scene3d>
-    <dgm:sp3d/>
-    <dgm:txPr/>
-    <dgm:style>
-      <a:lnRef idx="1">
-        <a:scrgbClr r="0" g="0" b="0"/>
-      </a:lnRef>
-      <a:fillRef idx="0">
-        <a:scrgbClr r="0" g="0" b="0"/>
-      </a:fillRef>
-      <a:effectRef idx="0">
-        <a:scrgbClr r="0" g="0" b="0"/>
-      </a:effectRef>
-      <a:fontRef idx="minor"/>
-    </dgm:style>
-  </dgm:styleLbl>
-  <dgm:styleLbl name="fgAcc1">
-    <dgm:scene3d>
-      <a:camera prst="orthographicFront"/>
-      <a:lightRig rig="threePt" dir="t"/>
-    </dgm:scene3d>
-    <dgm:sp3d/>
-    <dgm:txPr/>
-    <dgm:style>
-      <a:lnRef idx="1">
-        <a:scrgbClr r="0" g="0" b="0"/>
-      </a:lnRef>
-      <a:fillRef idx="1">
-        <a:scrgbClr r="0" g="0" b="0"/>
-      </a:fillRef>
-      <a:effectRef idx="0">
-        <a:scrgbClr r="0" g="0" b="0"/>
-      </a:effectRef>
-      <a:fontRef idx="minor"/>
-    </dgm:style>
-  </dgm:styleLbl>
-  <dgm:styleLbl name="conFgAcc1">
-    <dgm:scene3d>
-      <a:camera prst="orthographicFront"/>
-      <a:lightRig rig="threePt" dir="t"/>
-    </dgm:scene3d>
-    <dgm:sp3d/>
-    <dgm:txPr/>
-    <dgm:style>
-      <a:lnRef idx="1">
-        <a:scrgbClr r="0" g="0" b="0"/>
-      </a:lnRef>
-      <a:fillRef idx="1">
-        <a:scrgbClr r="0" g="0" b="0"/>
-      </a:fillRef>
-      <a:effectRef idx="0">
-        <a:scrgbClr r="0" g="0" b="0"/>
-      </a:effectRef>
-      <a:fontRef idx="minor"/>
-    </dgm:style>
-  </dgm:styleLbl>
-  <dgm:styleLbl name="alignAcc1">
-    <dgm:scene3d>
-      <a:camera prst="orthographicFront"/>
-      <a:lightRig rig="threePt" dir="t"/>
-    </dgm:scene3d>
-    <dgm:sp3d/>
-    <dgm:txPr/>
-    <dgm:style>
-      <a:lnRef idx="1">
-        <a:scrgbClr r="0" g="0" b="0"/>
-      </a:lnRef>
-      <a:fillRef idx="1">
-        <a:scrgbClr r="0" g="0" b="0"/>
-      </a:fillRef>
-      <a:effectRef idx="0">
-        <a:scrgbClr r="0" g="0" b="0"/>
-      </a:effectRef>
-      <a:fontRef idx="minor"/>
-    </dgm:style>
-  </dgm:styleLbl>
-  <dgm:styleLbl name="trAlignAcc1">
-    <dgm:scene3d>
-      <a:camera prst="orthographicFront"/>
-      <a:lightRig rig="threePt" dir="t"/>
-    </dgm:scene3d>
-    <dgm:sp3d/>
-    <dgm:txPr/>
-    <dgm:style>
-      <a:lnRef idx="1">
-        <a:scrgbClr r="0" g="0" b="0"/>
-      </a:lnRef>
-      <a:fillRef idx="1">
-        <a:scrgbClr r="0" g="0" b="0"/>
-      </a:fillRef>
-      <a:effectRef idx="0">
-        <a:scrgbClr r="0" g="0" b="0"/>
-      </a:effectRef>
-      <a:fontRef idx="minor"/>
-    </dgm:style>
-  </dgm:styleLbl>
-  <dgm:styleLbl name="bgAcc1">
-    <dgm:scene3d>
-      <a:camera prst="orthographicFront"/>
-      <a:lightRig rig="threePt" dir="t"/>
-    </dgm:scene3d>
-    <dgm:sp3d/>
-    <dgm:txPr/>
-    <dgm:style>
-      <a:lnRef idx="1">
-        <a:scrgbClr r="0" g="0" b="0"/>
-      </a:lnRef>
-      <a:fillRef idx="1">
-        <a:scrgbClr r="0" g="0" b="0"/>
-      </a:fillRef>
-      <a:effectRef idx="0">
-        <a:scrgbClr r="0" g="0" b="0"/>
-      </a:effectRef>
-      <a:fontRef idx="minor"/>
-    </dgm:style>
-  </dgm:styleLbl>
-  <dgm:styleLbl name="solidFgAcc1">
-    <dgm:scene3d>
-      <a:camera prst="orthographicFront"/>
-      <a:lightRig rig="threePt" dir="t"/>
-    </dgm:scene3d>
-    <dgm:sp3d/>
-    <dgm:txPr/>
-    <dgm:style>
-      <a:lnRef idx="1">
-        <a:scrgbClr r="0" g="0" b="0"/>
-      </a:lnRef>
-      <a:fillRef idx="1">
-        <a:scrgbClr r="0" g="0" b="0"/>
-      </a:fillRef>
-      <a:effectRef idx="0">
-        <a:scrgbClr r="0" g="0" b="0"/>
-      </a:effectRef>
-      <a:fontRef idx="minor"/>
-    </dgm:style>
-  </dgm:styleLbl>
-  <dgm:styleLbl name="solidAlignAcc1">
-    <dgm:scene3d>
-      <a:camera prst="orthographicFront"/>
-      <a:lightRig rig="threePt" dir="t"/>
-    </dgm:scene3d>
-    <dgm:sp3d/>
-    <dgm:txPr/>
-    <dgm:style>
-      <a:lnRef idx="1">
-        <a:scrgbClr r="0" g="0" b="0"/>
-      </a:lnRef>
-      <a:fillRef idx="1">
-        <a:scrgbClr r="0" g="0" b="0"/>
-      </a:fillRef>
-      <a:effectRef idx="0">
-        <a:scrgbClr r="0" g="0" b="0"/>
-      </a:effectRef>
-      <a:fontRef idx="minor"/>
-    </dgm:style>
-  </dgm:styleLbl>
-  <dgm:styleLbl name="solidBgAcc1">
-    <dgm:scene3d>
-      <a:camera prst="orthographicFront"/>
-      <a:lightRig rig="threePt" dir="t"/>
-    </dgm:scene3d>
-    <dgm:sp3d/>
-    <dgm:txPr/>
-    <dgm:style>
-      <a:lnRef idx="1">
-        <a:scrgbClr r="0" g="0" b="0"/>
-      </a:lnRef>
-      <a:fillRef idx="1">
-        <a:scrgbClr r="0" g="0" b="0"/>
-      </a:fillRef>
-      <a:effectRef idx="0">
-        <a:scrgbClr r="0" g="0" b="0"/>
-      </a:effectRef>
-      <a:fontRef idx="minor"/>
-    </dgm:style>
-  </dgm:styleLbl>
-  <dgm:styleLbl name="fgAccFollowNode1">
-    <dgm:scene3d>
-      <a:camera prst="orthographicFront"/>
-      <a:lightRig rig="threePt" dir="t"/>
-    </dgm:scene3d>
-    <dgm:sp3d/>
-    <dgm:txPr/>
-    <dgm:style>
-      <a:lnRef idx="1">
-        <a:scrgbClr r="0" g="0" b="0"/>
-      </a:lnRef>
-      <a:fillRef idx="1">
-        <a:scrgbClr r="0" g="0" b="0"/>
-      </a:fillRef>
-      <a:effectRef idx="0">
-        <a:scrgbClr r="0" g="0" b="0"/>
-      </a:effectRef>
-      <a:fontRef idx="minor"/>
-    </dgm:style>
-  </dgm:styleLbl>
-  <dgm:styleLbl name="alignAccFollowNode1">
-    <dgm:scene3d>
-      <a:camera prst="orthographicFront"/>
-      <a:lightRig rig="threePt" dir="t"/>
-    </dgm:scene3d>
-    <dgm:sp3d/>
-    <dgm:txPr/>
-    <dgm:style>
-      <a:lnRef idx="1">
-        <a:scrgbClr r="0" g="0" b="0"/>
-      </a:lnRef>
-      <a:fillRef idx="1">
-        <a:scrgbClr r="0" g="0" b="0"/>
-      </a:fillRef>
-      <a:effectRef idx="0">
-        <a:scrgbClr r="0" g="0" b="0"/>
-      </a:effectRef>
-      <a:fontRef idx="minor"/>
-    </dgm:style>
-  </dgm:styleLbl>
-  <dgm:styleLbl name="bgAccFollowNode1">
-    <dgm:scene3d>
-      <a:camera prst="orthographicFront"/>
-      <a:lightRig rig="threePt" dir="t"/>
-    </dgm:scene3d>
-    <dgm:sp3d/>
-    <dgm:txPr/>
-    <dgm:style>
-      <a:lnRef idx="1">
-        <a:scrgbClr r="0" g="0" b="0"/>
-      </a:lnRef>
-      <a:fillRef idx="1">
-        <a:scrgbClr r="0" g="0" b="0"/>
-      </a:fillRef>
-      <a:effectRef idx="0">
-        <a:scrgbClr r="0" g="0" b="0"/>
-      </a:effectRef>
-      <a:fontRef idx="minor"/>
-    </dgm:style>
-  </dgm:styleLbl>
-  <dgm:styleLbl name="fgAcc0">
-    <dgm:scene3d>
-      <a:camera prst="orthographicFront"/>
-      <a:lightRig rig="threePt" dir="t"/>
-    </dgm:scene3d>
-    <dgm:sp3d/>
-    <dgm:txPr/>
-    <dgm:style>
-      <a:lnRef idx="1">
-        <a:scrgbClr r="0" g="0" b="0"/>
-      </a:lnRef>
-      <a:fillRef idx="1">
-        <a:scrgbClr r="0" g="0" b="0"/>
-      </a:fillRef>
-      <a:effectRef idx="0">
-        <a:scrgbClr r="0" g="0" b="0"/>
-      </a:effectRef>
-      <a:fontRef idx="minor"/>
-    </dgm:style>
-  </dgm:styleLbl>
-  <dgm:styleLbl name="fgAcc2">
-    <dgm:scene3d>
-      <a:camera prst="orthographicFront"/>
-      <a:lightRig rig="threePt" dir="t"/>
-    </dgm:scene3d>
-    <dgm:sp3d/>
-    <dgm:txPr/>
-    <dgm:style>
-      <a:lnRef idx="1">
-        <a:scrgbClr r="0" g="0" b="0"/>
-      </a:lnRef>
-      <a:fillRef idx="1">
-        <a:scrgbClr r="0" g="0" b="0"/>
-      </a:fillRef>
-      <a:effectRef idx="0">
-        <a:scrgbClr r="0" g="0" b="0"/>
-      </a:effectRef>
-      <a:fontRef idx="minor"/>
-    </dgm:style>
-  </dgm:styleLbl>
-  <dgm:styleLbl name="fgAcc3">
-    <dgm:scene3d>
-      <a:camera prst="orthographicFront"/>
-      <a:lightRig rig="threePt" dir="t"/>
-    </dgm:scene3d>
-    <dgm:sp3d/>
-    <dgm:txPr/>
-    <dgm:style>
-      <a:lnRef idx="1">
-        <a:scrgbClr r="0" g="0" b="0"/>
-      </a:lnRef>
-      <a:fillRef idx="1">
-        <a:scrgbClr r="0" g="0" b="0"/>
-      </a:fillRef>
-      <a:effectRef idx="0">
-        <a:scrgbClr r="0" g="0" b="0"/>
-      </a:effectRef>
-      <a:fontRef idx="minor"/>
-    </dgm:style>
-  </dgm:styleLbl>
-  <dgm:styleLbl name="fgAcc4">
-    <dgm:scene3d>
-      <a:camera prst="orthographicFront"/>
-      <a:lightRig rig="threePt" dir="t"/>
-    </dgm:scene3d>
-    <dgm:sp3d/>
-    <dgm:txPr/>
-    <dgm:style>
-      <a:lnRef idx="1">
-        <a:scrgbClr r="0" g="0" b="0"/>
-      </a:lnRef>
-      <a:fillRef idx="1">
-        <a:scrgbClr r="0" g="0" b="0"/>
-      </a:fillRef>
-      <a:effectRef idx="0">
-        <a:scrgbClr r="0" g="0" b="0"/>
-      </a:effectRef>
-      <a:fontRef idx="minor"/>
-    </dgm:style>
-  </dgm:styleLbl>
-  <dgm:styleLbl name="bgShp">
-    <dgm:scene3d>
-      <a:camera prst="orthographicFront"/>
-      <a:lightRig rig="threePt" dir="t"/>
-    </dgm:scene3d>
-    <dgm:sp3d/>
-    <dgm:txPr/>
-    <dgm:style>
-      <a:lnRef idx="0">
-        <a:scrgbClr r="0" g="0" b="0"/>
-      </a:lnRef>
-      <a:fillRef idx="1">
-        <a:scrgbClr r="0" g="0" b="0"/>
-      </a:fillRef>
-      <a:effectRef idx="2">
-        <a:scrgbClr r="0" g="0" b="0"/>
-      </a:effectRef>
-      <a:fontRef idx="minor"/>
-    </dgm:style>
-  </dgm:styleLbl>
-  <dgm:styleLbl name="dkBgShp">
-    <dgm:scene3d>
-      <a:camera prst="orthographicFront"/>
-      <a:lightRig rig="threePt" dir="t"/>
-    </dgm:scene3d>
-    <dgm:sp3d/>
-    <dgm:txPr/>
-    <dgm:style>
-      <a:lnRef idx="0">
-        <a:scrgbClr r="0" g="0" b="0"/>
-      </a:lnRef>
-      <a:fillRef idx="1">
-        <a:scrgbClr r="0" g="0" b="0"/>
-      </a:fillRef>
-      <a:effectRef idx="2">
-        <a:scrgbClr r="0" g="0" b="0"/>
-      </a:effectRef>
-      <a:fontRef idx="minor"/>
-    </dgm:style>
-  </dgm:styleLbl>
-  <dgm:styleLbl name="trBgShp">
-    <dgm:scene3d>
-      <a:camera prst="orthographicFront"/>
-      <a:lightRig rig="threePt" dir="t"/>
-    </dgm:scene3d>
-    <dgm:sp3d/>
-    <dgm:txPr/>
-    <dgm:style>
-      <a:lnRef idx="0">
-        <a:scrgbClr r="0" g="0" b="0"/>
-      </a:lnRef>
-      <a:fillRef idx="1">
-        <a:scrgbClr r="0" g="0" b="0"/>
-      </a:fillRef>
-      <a:effectRef idx="0">
-        <a:scrgbClr r="0" g="0" b="0"/>
-      </a:effectRef>
-      <a:fontRef idx="minor"/>
-    </dgm:style>
-  </dgm:styleLbl>
-  <dgm:styleLbl name="fgShp">
-    <dgm:scene3d>
-      <a:camera prst="orthographicFront"/>
-      <a:lightRig rig="threePt" dir="t"/>
-    </dgm:scene3d>
-    <dgm:sp3d/>
-    <dgm:txPr/>
-    <dgm:style>
-      <a:lnRef idx="0">
-        <a:scrgbClr r="0" g="0" b="0"/>
-      </a:lnRef>
-      <a:fillRef idx="3">
-        <a:scrgbClr r="0" g="0" b="0"/>
-      </a:fillRef>
-      <a:effectRef idx="2">
         <a:scrgbClr r="0" g="0" b="0"/>
       </a:effectRef>
       <a:fontRef idx="minor"/>
@@ -8609,7 +5929,7 @@
           <a:p>
             <a:fld id="{FBBF67D9-30EE-4841-A430-DD7FE06690F4}" type="datetimeFigureOut">
               <a:rPr lang="en-US" smtClean="0"/>
-              <a:t>3/7/24</a:t>
+              <a:t>3/10/2024</a:t>
             </a:fld>
             <a:endParaRPr lang="en-US"/>
           </a:p>
@@ -8807,7 +6127,7 @@
           <a:p>
             <a:fld id="{FBBF67D9-30EE-4841-A430-DD7FE06690F4}" type="datetimeFigureOut">
               <a:rPr lang="en-US" smtClean="0"/>
-              <a:t>3/7/24</a:t>
+              <a:t>3/10/2024</a:t>
             </a:fld>
             <a:endParaRPr lang="en-US"/>
           </a:p>
@@ -9015,7 +6335,7 @@
           <a:p>
             <a:fld id="{FBBF67D9-30EE-4841-A430-DD7FE06690F4}" type="datetimeFigureOut">
               <a:rPr lang="en-US" smtClean="0"/>
-              <a:t>3/7/24</a:t>
+              <a:t>3/10/2024</a:t>
             </a:fld>
             <a:endParaRPr lang="en-US"/>
           </a:p>
@@ -9213,7 +6533,7 @@
           <a:p>
             <a:fld id="{FBBF67D9-30EE-4841-A430-DD7FE06690F4}" type="datetimeFigureOut">
               <a:rPr lang="en-US" smtClean="0"/>
-              <a:t>3/7/24</a:t>
+              <a:t>3/10/2024</a:t>
             </a:fld>
             <a:endParaRPr lang="en-US"/>
           </a:p>
@@ -9488,7 +6808,7 @@
           <a:p>
             <a:fld id="{FBBF67D9-30EE-4841-A430-DD7FE06690F4}" type="datetimeFigureOut">
               <a:rPr lang="en-US" smtClean="0"/>
-              <a:t>3/7/24</a:t>
+              <a:t>3/10/2024</a:t>
             </a:fld>
             <a:endParaRPr lang="en-US"/>
           </a:p>
@@ -9753,7 +7073,7 @@
           <a:p>
             <a:fld id="{FBBF67D9-30EE-4841-A430-DD7FE06690F4}" type="datetimeFigureOut">
               <a:rPr lang="en-US" smtClean="0"/>
-              <a:t>3/7/24</a:t>
+              <a:t>3/10/2024</a:t>
             </a:fld>
             <a:endParaRPr lang="en-US"/>
           </a:p>
@@ -10165,7 +7485,7 @@
           <a:p>
             <a:fld id="{FBBF67D9-30EE-4841-A430-DD7FE06690F4}" type="datetimeFigureOut">
               <a:rPr lang="en-US" smtClean="0"/>
-              <a:t>3/7/24</a:t>
+              <a:t>3/10/2024</a:t>
             </a:fld>
             <a:endParaRPr lang="en-US"/>
           </a:p>
@@ -10306,7 +7626,7 @@
           <a:p>
             <a:fld id="{FBBF67D9-30EE-4841-A430-DD7FE06690F4}" type="datetimeFigureOut">
               <a:rPr lang="en-US" smtClean="0"/>
-              <a:t>3/7/24</a:t>
+              <a:t>3/10/2024</a:t>
             </a:fld>
             <a:endParaRPr lang="en-US"/>
           </a:p>
@@ -10419,7 +7739,7 @@
           <a:p>
             <a:fld id="{FBBF67D9-30EE-4841-A430-DD7FE06690F4}" type="datetimeFigureOut">
               <a:rPr lang="en-US" smtClean="0"/>
-              <a:t>3/7/24</a:t>
+              <a:t>3/10/2024</a:t>
             </a:fld>
             <a:endParaRPr lang="en-US"/>
           </a:p>
@@ -10730,7 +8050,7 @@
           <a:p>
             <a:fld id="{FBBF67D9-30EE-4841-A430-DD7FE06690F4}" type="datetimeFigureOut">
               <a:rPr lang="en-US" smtClean="0"/>
-              <a:t>3/7/24</a:t>
+              <a:t>3/10/2024</a:t>
             </a:fld>
             <a:endParaRPr lang="en-US"/>
           </a:p>
@@ -11018,7 +8338,7 @@
           <a:p>
             <a:fld id="{FBBF67D9-30EE-4841-A430-DD7FE06690F4}" type="datetimeFigureOut">
               <a:rPr lang="en-US" smtClean="0"/>
-              <a:t>3/7/24</a:t>
+              <a:t>3/10/2024</a:t>
             </a:fld>
             <a:endParaRPr lang="en-US"/>
           </a:p>
@@ -11259,7 +8579,7 @@
           <a:p>
             <a:fld id="{FBBF67D9-30EE-4841-A430-DD7FE06690F4}" type="datetimeFigureOut">
               <a:rPr lang="en-US" smtClean="0"/>
-              <a:t>3/7/24</a:t>
+              <a:t>3/10/2024</a:t>
             </a:fld>
             <a:endParaRPr lang="en-US"/>
           </a:p>
@@ -12872,37 +10192,35 @@
           </a:p>
         </p:txBody>
       </p:sp>
-      <p:sp>
-        <p:nvSpPr>
-          <p:cNvPr id="3" name="Content Placeholder 2">
+      <p:pic>
+        <p:nvPicPr>
+          <p:cNvPr id="5" name="Content Placeholder 4">
             <a:extLst>
               <a:ext uri="{FF2B5EF4-FFF2-40B4-BE49-F238E27FC236}">
-                <a16:creationId xmlns:a16="http://schemas.microsoft.com/office/drawing/2014/main" id="{F025BA34-DE13-1E46-8BC2-3DDE6AFD95D2}"/>
+                <a16:creationId xmlns:a16="http://schemas.microsoft.com/office/drawing/2014/main" id="{B7B75901-EAFF-4AAF-B9CF-2418F6603172}"/>
               </a:ext>
             </a:extLst>
           </p:cNvPr>
-          <p:cNvSpPr>
-            <a:spLocks noGrp="1"/>
-          </p:cNvSpPr>
+          <p:cNvPicPr>
+            <a:picLocks noGrp="1" noChangeAspect="1"/>
+          </p:cNvPicPr>
           <p:nvPr>
             <p:ph idx="1"/>
           </p:nvPr>
-        </p:nvSpPr>
-        <p:spPr/>
-        <p:txBody>
-          <a:bodyPr/>
-          <a:lstStyle/>
-          <a:p>
-            <a:pPr marL="0" indent="0">
-              <a:buNone/>
-            </a:pPr>
-            <a:r>
-              <a:rPr lang="en-US" dirty="0"/>
-              <a:t>[PENDING]</a:t>
-            </a:r>
-          </a:p>
-        </p:txBody>
-      </p:sp>
+        </p:nvPicPr>
+        <p:blipFill>
+          <a:blip r:embed="rId2"/>
+          <a:stretch>
+            <a:fillRect/>
+          </a:stretch>
+        </p:blipFill>
+        <p:spPr>
+          <a:xfrm>
+            <a:off x="434106" y="1337693"/>
+            <a:ext cx="11323788" cy="5327202"/>
+          </a:xfrm>
+        </p:spPr>
+      </p:pic>
     </p:spTree>
     <p:extLst>
       <p:ext uri="{BB962C8B-B14F-4D97-AF65-F5344CB8AC3E}">
@@ -13548,7 +10866,7 @@
               </a:spcAft>
             </a:pPr>
             <a:r>
-              <a:rPr lang="ar-KW" sz="4000">
+              <a:rPr lang="ar-KW" sz="4000" dirty="0">
                 <a:solidFill>
                   <a:srgbClr val="FFFFFF"/>
                 </a:solidFill>
@@ -13557,9 +10875,9 @@
                 <a:ea typeface="Calibri" panose="020F0502020204030204" pitchFamily="34" charset="0"/>
                 <a:cs typeface="Arial" panose="020B0604020202020204" pitchFamily="34" charset="0"/>
               </a:rPr>
-              <a:t>المشاكل الحالية والسابقة</a:t>
+              <a:t>المشاكل الحالية</a:t>
             </a:r>
-            <a:endParaRPr lang="en-US" sz="4000">
+            <a:endParaRPr lang="en-US" sz="4000" dirty="0">
               <a:solidFill>
                 <a:srgbClr val="FFFFFF"/>
               </a:solidFill>
@@ -13587,7 +10905,7 @@
             <p:ph idx="1"/>
             <p:extLst>
               <p:ext uri="{D42A27DB-BD31-4B8C-83A1-F6EECF244321}">
-                <p14:modId xmlns:p14="http://schemas.microsoft.com/office/powerpoint/2010/main" val="1973106531"/>
+                <p14:modId xmlns:p14="http://schemas.microsoft.com/office/powerpoint/2010/main" val="4047471720"/>
               </p:ext>
             </p:extLst>
           </p:nvPr>
@@ -13786,41 +11104,89 @@
               <a:rPr lang="ar-AE" dirty="0"/>
               <a:t>الخطوات التالية</a:t>
             </a:r>
-            <a:endParaRPr lang="en-US"/>
+            <a:endParaRPr lang="en-US" dirty="0"/>
           </a:p>
         </p:txBody>
       </p:sp>
-      <p:graphicFrame>
-        <p:nvGraphicFramePr>
-          <p:cNvPr id="5" name="Content Placeholder 2">
+      <p:sp>
+        <p:nvSpPr>
+          <p:cNvPr id="4" name="Content Placeholder 3">
             <a:extLst>
               <a:ext uri="{FF2B5EF4-FFF2-40B4-BE49-F238E27FC236}">
-                <a16:creationId xmlns:a16="http://schemas.microsoft.com/office/drawing/2014/main" id="{AFDBA523-08AF-570B-36DD-B19543B193C9}"/>
+                <a16:creationId xmlns:a16="http://schemas.microsoft.com/office/drawing/2014/main" id="{14D2A413-ADA9-446A-860D-86E7E5D8C9F4}"/>
               </a:ext>
             </a:extLst>
           </p:cNvPr>
-          <p:cNvGraphicFramePr>
-            <a:graphicFrameLocks noGrp="1"/>
-          </p:cNvGraphicFramePr>
+          <p:cNvSpPr>
+            <a:spLocks noGrp="1"/>
+          </p:cNvSpPr>
           <p:nvPr>
             <p:ph idx="1"/>
-            <p:extLst>
-              <p:ext uri="{D42A27DB-BD31-4B8C-83A1-F6EECF244321}">
-                <p14:modId xmlns:p14="http://schemas.microsoft.com/office/powerpoint/2010/main" val="2956349392"/>
-              </p:ext>
-            </p:extLst>
           </p:nvPr>
-        </p:nvGraphicFramePr>
-        <p:xfrm>
-          <a:off x="838200" y="1825625"/>
-          <a:ext cx="10515600" cy="4351338"/>
-        </p:xfrm>
-        <a:graphic>
-          <a:graphicData uri="http://schemas.openxmlformats.org/drawingml/2006/diagram">
-            <dgm:relIds xmlns:dgm="http://schemas.openxmlformats.org/drawingml/2006/diagram" xmlns:r="http://schemas.openxmlformats.org/officeDocument/2006/relationships" r:dm="rId3" r:lo="rId4" r:qs="rId5" r:cs="rId6"/>
-          </a:graphicData>
-        </a:graphic>
-      </p:graphicFrame>
+        </p:nvSpPr>
+        <p:spPr/>
+        <p:txBody>
+          <a:bodyPr>
+            <a:normAutofit/>
+          </a:bodyPr>
+          <a:lstStyle/>
+          <a:p>
+            <a:pPr marL="0" indent="0" algn="r">
+              <a:lnSpc>
+                <a:spcPct val="150000"/>
+              </a:lnSpc>
+              <a:buNone/>
+            </a:pPr>
+            <a:r>
+              <a:rPr lang="ar-KW" sz="3600" dirty="0"/>
+              <a:t>- اضافة خاصية الكشف عن وجود جدار حماية قبل عمل الفحص</a:t>
+            </a:r>
+            <a:endParaRPr lang="en-US" sz="3600" dirty="0"/>
+          </a:p>
+          <a:p>
+            <a:pPr marL="0" indent="0" algn="r">
+              <a:lnSpc>
+                <a:spcPct val="150000"/>
+              </a:lnSpc>
+              <a:buNone/>
+            </a:pPr>
+            <a:r>
+              <a:rPr lang="en-US" sz="3600" dirty="0"/>
+              <a:t>⁠</a:t>
+            </a:r>
+            <a:r>
+              <a:rPr lang="ar-KW" sz="3600" dirty="0"/>
+              <a:t>- تجاوز برامج الحماية وجدار الحماية</a:t>
+            </a:r>
+            <a:endParaRPr lang="en-US" sz="3600" dirty="0"/>
+          </a:p>
+          <a:p>
+            <a:pPr marL="0" indent="0" algn="r">
+              <a:lnSpc>
+                <a:spcPct val="150000"/>
+              </a:lnSpc>
+              <a:buNone/>
+            </a:pPr>
+            <a:r>
+              <a:rPr lang="ar-KW" sz="3600" dirty="0"/>
+              <a:t> ⁠- اصدار تقرير استطلاع بعد الانتهاء من الفحص</a:t>
+            </a:r>
+          </a:p>
+          <a:p>
+            <a:pPr marL="0" indent="0" algn="r">
+              <a:lnSpc>
+                <a:spcPct val="150000"/>
+              </a:lnSpc>
+              <a:buNone/>
+            </a:pPr>
+            <a:r>
+              <a:rPr lang="ar-KW" sz="3600" dirty="0"/>
+              <a:t> - بناء خريطة للشبكة</a:t>
+            </a:r>
+            <a:endParaRPr lang="en-US" sz="3600" dirty="0"/>
+          </a:p>
+        </p:txBody>
+      </p:sp>
     </p:spTree>
     <p:extLst>
       <p:ext uri="{BB962C8B-B14F-4D97-AF65-F5344CB8AC3E}">

--- a/Nmapscanner_Presentation.pptx
+++ b/Nmapscanner_Presentation.pptx
@@ -6,13 +6,15 @@
   </p:sldMasterIdLst>
   <p:sldIdLst>
     <p:sldId id="256" r:id="rId2"/>
-    <p:sldId id="257" r:id="rId3"/>
-    <p:sldId id="258" r:id="rId4"/>
-    <p:sldId id="263" r:id="rId5"/>
-    <p:sldId id="260" r:id="rId6"/>
-    <p:sldId id="261" r:id="rId7"/>
-    <p:sldId id="259" r:id="rId8"/>
-    <p:sldId id="262" r:id="rId9"/>
+    <p:sldId id="265" r:id="rId3"/>
+    <p:sldId id="257" r:id="rId4"/>
+    <p:sldId id="258" r:id="rId5"/>
+    <p:sldId id="263" r:id="rId6"/>
+    <p:sldId id="264" r:id="rId7"/>
+    <p:sldId id="260" r:id="rId8"/>
+    <p:sldId id="261" r:id="rId9"/>
+    <p:sldId id="259" r:id="rId10"/>
+    <p:sldId id="262" r:id="rId11"/>
   </p:sldIdLst>
   <p:sldSz cx="12192000" cy="6858000"/>
   <p:notesSz cx="6858000" cy="9144000"/>
@@ -2225,8 +2227,8 @@
   </dgm:ptLst>
   <dgm:cxnLst>
     <dgm:cxn modelId="{3A6C1529-C98A-C34F-9D54-44BACD4C2DF1}" type="presOf" srcId="{28AA02AD-E2AC-4ABA-B1EF-9E0BFF254302}" destId="{56E01A08-CD30-E142-82E7-2150E8DA5D04}" srcOrd="0" destOrd="0" presId="urn:microsoft.com/office/officeart/2005/8/layout/vList5"/>
+    <dgm:cxn modelId="{FEA13F5A-F270-4610-9F5B-CC97009A405A}" srcId="{28AA02AD-E2AC-4ABA-B1EF-9E0BFF254302}" destId="{684125EE-8224-4550-8A5A-EE238D91EE49}" srcOrd="1" destOrd="0" parTransId="{99D0E43F-DA4C-49B7-BEA9-7DD3EB88A8F7}" sibTransId="{E855F73B-25F4-4D46-9D9C-D8AF1A5B8133}"/>
     <dgm:cxn modelId="{79FBC876-CD50-447B-B2D4-216D5CF9E096}" srcId="{28AA02AD-E2AC-4ABA-B1EF-9E0BFF254302}" destId="{87505DAE-B4F0-4A3A-86E8-38F5AE7A64BF}" srcOrd="2" destOrd="0" parTransId="{7CBC4E9A-C26D-4EA1-B52F-5B7EAE20E0B1}" sibTransId="{3F3E7B2E-B16B-48D2-931A-055B5E165625}"/>
-    <dgm:cxn modelId="{FEA13F5A-F270-4610-9F5B-CC97009A405A}" srcId="{28AA02AD-E2AC-4ABA-B1EF-9E0BFF254302}" destId="{684125EE-8224-4550-8A5A-EE238D91EE49}" srcOrd="1" destOrd="0" parTransId="{99D0E43F-DA4C-49B7-BEA9-7DD3EB88A8F7}" sibTransId="{E855F73B-25F4-4D46-9D9C-D8AF1A5B8133}"/>
     <dgm:cxn modelId="{278D8CA8-4523-EB40-8950-5618E8FB41B8}" type="presOf" srcId="{AC98E0FF-BB60-452F-ABCB-C1C7FD3C1F2F}" destId="{A539EF6D-8C5E-9549-9149-3411C206E187}" srcOrd="0" destOrd="0" presId="urn:microsoft.com/office/officeart/2005/8/layout/vList5"/>
     <dgm:cxn modelId="{DFBF16B2-8C72-E94C-914E-3527B734B27B}" type="presOf" srcId="{87505DAE-B4F0-4A3A-86E8-38F5AE7A64BF}" destId="{539A8CD8-181C-174F-BCA1-4BDBC6A4CB73}" srcOrd="0" destOrd="0" presId="urn:microsoft.com/office/officeart/2005/8/layout/vList5"/>
     <dgm:cxn modelId="{789DADF0-4243-1842-B50A-1430441343EC}" type="presOf" srcId="{684125EE-8224-4550-8A5A-EE238D91EE49}" destId="{F523DE71-DBC4-D844-9EE8-5AFB677E4338}" srcOrd="0" destOrd="0" presId="urn:microsoft.com/office/officeart/2005/8/layout/vList5"/>
@@ -5929,7 +5931,7 @@
           <a:p>
             <a:fld id="{FBBF67D9-30EE-4841-A430-DD7FE06690F4}" type="datetimeFigureOut">
               <a:rPr lang="en-US" smtClean="0"/>
-              <a:t>3/10/2024</a:t>
+              <a:t>3/10/24</a:t>
             </a:fld>
             <a:endParaRPr lang="en-US"/>
           </a:p>
@@ -6127,7 +6129,7 @@
           <a:p>
             <a:fld id="{FBBF67D9-30EE-4841-A430-DD7FE06690F4}" type="datetimeFigureOut">
               <a:rPr lang="en-US" smtClean="0"/>
-              <a:t>3/10/2024</a:t>
+              <a:t>3/10/24</a:t>
             </a:fld>
             <a:endParaRPr lang="en-US"/>
           </a:p>
@@ -6335,7 +6337,7 @@
           <a:p>
             <a:fld id="{FBBF67D9-30EE-4841-A430-DD7FE06690F4}" type="datetimeFigureOut">
               <a:rPr lang="en-US" smtClean="0"/>
-              <a:t>3/10/2024</a:t>
+              <a:t>3/10/24</a:t>
             </a:fld>
             <a:endParaRPr lang="en-US"/>
           </a:p>
@@ -6533,7 +6535,7 @@
           <a:p>
             <a:fld id="{FBBF67D9-30EE-4841-A430-DD7FE06690F4}" type="datetimeFigureOut">
               <a:rPr lang="en-US" smtClean="0"/>
-              <a:t>3/10/2024</a:t>
+              <a:t>3/10/24</a:t>
             </a:fld>
             <a:endParaRPr lang="en-US"/>
           </a:p>
@@ -6808,7 +6810,7 @@
           <a:p>
             <a:fld id="{FBBF67D9-30EE-4841-A430-DD7FE06690F4}" type="datetimeFigureOut">
               <a:rPr lang="en-US" smtClean="0"/>
-              <a:t>3/10/2024</a:t>
+              <a:t>3/10/24</a:t>
             </a:fld>
             <a:endParaRPr lang="en-US"/>
           </a:p>
@@ -7073,7 +7075,7 @@
           <a:p>
             <a:fld id="{FBBF67D9-30EE-4841-A430-DD7FE06690F4}" type="datetimeFigureOut">
               <a:rPr lang="en-US" smtClean="0"/>
-              <a:t>3/10/2024</a:t>
+              <a:t>3/10/24</a:t>
             </a:fld>
             <a:endParaRPr lang="en-US"/>
           </a:p>
@@ -7485,7 +7487,7 @@
           <a:p>
             <a:fld id="{FBBF67D9-30EE-4841-A430-DD7FE06690F4}" type="datetimeFigureOut">
               <a:rPr lang="en-US" smtClean="0"/>
-              <a:t>3/10/2024</a:t>
+              <a:t>3/10/24</a:t>
             </a:fld>
             <a:endParaRPr lang="en-US"/>
           </a:p>
@@ -7626,7 +7628,7 @@
           <a:p>
             <a:fld id="{FBBF67D9-30EE-4841-A430-DD7FE06690F4}" type="datetimeFigureOut">
               <a:rPr lang="en-US" smtClean="0"/>
-              <a:t>3/10/2024</a:t>
+              <a:t>3/10/24</a:t>
             </a:fld>
             <a:endParaRPr lang="en-US"/>
           </a:p>
@@ -7739,7 +7741,7 @@
           <a:p>
             <a:fld id="{FBBF67D9-30EE-4841-A430-DD7FE06690F4}" type="datetimeFigureOut">
               <a:rPr lang="en-US" smtClean="0"/>
-              <a:t>3/10/2024</a:t>
+              <a:t>3/10/24</a:t>
             </a:fld>
             <a:endParaRPr lang="en-US"/>
           </a:p>
@@ -8050,7 +8052,7 @@
           <a:p>
             <a:fld id="{FBBF67D9-30EE-4841-A430-DD7FE06690F4}" type="datetimeFigureOut">
               <a:rPr lang="en-US" smtClean="0"/>
-              <a:t>3/10/2024</a:t>
+              <a:t>3/10/24</a:t>
             </a:fld>
             <a:endParaRPr lang="en-US"/>
           </a:p>
@@ -8338,7 +8340,7 @@
           <a:p>
             <a:fld id="{FBBF67D9-30EE-4841-A430-DD7FE06690F4}" type="datetimeFigureOut">
               <a:rPr lang="en-US" smtClean="0"/>
-              <a:t>3/10/2024</a:t>
+              <a:t>3/10/24</a:t>
             </a:fld>
             <a:endParaRPr lang="en-US"/>
           </a:p>
@@ -8579,7 +8581,7 @@
           <a:p>
             <a:fld id="{FBBF67D9-30EE-4841-A430-DD7FE06690F4}" type="datetimeFigureOut">
               <a:rPr lang="en-US" smtClean="0"/>
-              <a:t>3/10/2024</a:t>
+              <a:t>3/10/24</a:t>
             </a:fld>
             <a:endParaRPr lang="en-US"/>
           </a:p>
@@ -9193,7 +9195,7 @@
         <p:spPr>
           <a:xfrm>
             <a:off x="477981" y="1122363"/>
-            <a:ext cx="4023360" cy="3204134"/>
+            <a:ext cx="4735150" cy="3204134"/>
           </a:xfrm>
         </p:spPr>
         <p:txBody>
@@ -9204,12 +9206,12 @@
           <a:p>
             <a:pPr algn="l"/>
             <a:r>
-              <a:rPr lang="en-US" sz="4800">
+              <a:rPr lang="en-US" sz="4800" dirty="0">
                 <a:solidFill>
                   <a:schemeClr val="bg1"/>
                 </a:solidFill>
               </a:rPr>
-              <a:t>Nmap Scanner</a:t>
+              <a:t>Network Scanner</a:t>
             </a:r>
           </a:p>
         </p:txBody>
@@ -9461,1479 +9463,7 @@
 </p:sld>
 </file>
 
-<file path=ppt/slides/slide2.xml><?xml version="1.0" encoding="utf-8"?>
-<p:sld xmlns:a="http://schemas.openxmlformats.org/drawingml/2006/main" xmlns:r="http://schemas.openxmlformats.org/officeDocument/2006/relationships" xmlns:p="http://schemas.openxmlformats.org/presentationml/2006/main">
-  <p:cSld>
-    <p:spTree>
-      <p:nvGrpSpPr>
-        <p:cNvPr id="1" name=""/>
-        <p:cNvGrpSpPr/>
-        <p:nvPr/>
-      </p:nvGrpSpPr>
-      <p:grpSpPr>
-        <a:xfrm>
-          <a:off x="0" y="0"/>
-          <a:ext cx="0" cy="0"/>
-          <a:chOff x="0" y="0"/>
-          <a:chExt cx="0" cy="0"/>
-        </a:xfrm>
-      </p:grpSpPr>
-      <p:sp>
-        <p:nvSpPr>
-          <p:cNvPr id="2" name="Title 1">
-            <a:extLst>
-              <a:ext uri="{FF2B5EF4-FFF2-40B4-BE49-F238E27FC236}">
-                <a16:creationId xmlns:a16="http://schemas.microsoft.com/office/drawing/2014/main" id="{3D1FDDDB-920A-1144-9B31-FB932661746F}"/>
-              </a:ext>
-            </a:extLst>
-          </p:cNvPr>
-          <p:cNvSpPr>
-            <a:spLocks noGrp="1"/>
-          </p:cNvSpPr>
-          <p:nvPr>
-            <p:ph type="title"/>
-          </p:nvPr>
-        </p:nvSpPr>
-        <p:spPr/>
-        <p:txBody>
-          <a:bodyPr/>
-          <a:lstStyle/>
-          <a:p>
-            <a:pPr algn="r"/>
-            <a:r>
-              <a:rPr lang="ar-SA"/>
-              <a:t>المهمة</a:t>
-            </a:r>
-            <a:endParaRPr lang="ar-SA" dirty="0"/>
-          </a:p>
-        </p:txBody>
-      </p:sp>
-      <p:graphicFrame>
-        <p:nvGraphicFramePr>
-          <p:cNvPr id="12" name="Content Placeholder 2">
-            <a:extLst>
-              <a:ext uri="{FF2B5EF4-FFF2-40B4-BE49-F238E27FC236}">
-                <a16:creationId xmlns:a16="http://schemas.microsoft.com/office/drawing/2014/main" id="{A4E8FD15-37C8-1D02-A2CF-528EE859F2E8}"/>
-              </a:ext>
-            </a:extLst>
-          </p:cNvPr>
-          <p:cNvGraphicFramePr>
-            <a:graphicFrameLocks noGrp="1"/>
-          </p:cNvGraphicFramePr>
-          <p:nvPr>
-            <p:ph idx="1"/>
-            <p:extLst>
-              <p:ext uri="{D42A27DB-BD31-4B8C-83A1-F6EECF244321}">
-                <p14:modId xmlns:p14="http://schemas.microsoft.com/office/powerpoint/2010/main" val="1447797471"/>
-              </p:ext>
-            </p:extLst>
-          </p:nvPr>
-        </p:nvGraphicFramePr>
-        <p:xfrm>
-          <a:off x="838200" y="1825625"/>
-          <a:ext cx="10515600" cy="4351338"/>
-        </p:xfrm>
-        <a:graphic>
-          <a:graphicData uri="http://schemas.openxmlformats.org/drawingml/2006/diagram">
-            <dgm:relIds xmlns:dgm="http://schemas.openxmlformats.org/drawingml/2006/diagram" xmlns:r="http://schemas.openxmlformats.org/officeDocument/2006/relationships" r:dm="rId2" r:lo="rId3" r:qs="rId4" r:cs="rId5"/>
-          </a:graphicData>
-        </a:graphic>
-      </p:graphicFrame>
-    </p:spTree>
-    <p:extLst>
-      <p:ext uri="{BB962C8B-B14F-4D97-AF65-F5344CB8AC3E}">
-        <p14:creationId xmlns:p14="http://schemas.microsoft.com/office/powerpoint/2010/main" val="4240163905"/>
-      </p:ext>
-    </p:extLst>
-  </p:cSld>
-  <p:clrMapOvr>
-    <a:masterClrMapping/>
-  </p:clrMapOvr>
-</p:sld>
-</file>
-
-<file path=ppt/slides/slide3.xml><?xml version="1.0" encoding="utf-8"?>
-<p:sld xmlns:a="http://schemas.openxmlformats.org/drawingml/2006/main" xmlns:r="http://schemas.openxmlformats.org/officeDocument/2006/relationships" xmlns:p="http://schemas.openxmlformats.org/presentationml/2006/main">
-  <p:cSld>
-    <p:bg>
-      <p:bgPr>
-        <a:solidFill>
-          <a:schemeClr val="bg1"/>
-        </a:solidFill>
-        <a:effectLst/>
-      </p:bgPr>
-    </p:bg>
-    <p:spTree>
-      <p:nvGrpSpPr>
-        <p:cNvPr id="1" name=""/>
-        <p:cNvGrpSpPr/>
-        <p:nvPr/>
-      </p:nvGrpSpPr>
-      <p:grpSpPr>
-        <a:xfrm>
-          <a:off x="0" y="0"/>
-          <a:ext cx="0" cy="0"/>
-          <a:chOff x="0" y="0"/>
-          <a:chExt cx="0" cy="0"/>
-        </a:xfrm>
-      </p:grpSpPr>
-      <p:sp useBgFill="1">
-        <p:nvSpPr>
-          <p:cNvPr id="8" name="Rectangle 7">
-            <a:extLst>
-              <a:ext uri="{FF2B5EF4-FFF2-40B4-BE49-F238E27FC236}">
-                <a16:creationId xmlns:a16="http://schemas.microsoft.com/office/drawing/2014/main" id="{1B15ED52-F352-441B-82BF-E0EA34836D08}"/>
-              </a:ext>
-              <a:ext uri="{C183D7F6-B498-43B3-948B-1728B52AA6E4}">
-                <adec:decorative xmlns:adec="http://schemas.microsoft.com/office/drawing/2017/decorative" val="1"/>
-              </a:ext>
-            </a:extLst>
-          </p:cNvPr>
-          <p:cNvSpPr>
-            <a:spLocks noGrp="1" noRot="1" noChangeAspect="1" noMove="1" noResize="1" noEditPoints="1" noAdjustHandles="1" noChangeArrowheads="1" noChangeShapeType="1" noTextEdit="1"/>
-          </p:cNvSpPr>
-          <p:nvPr>
-            <p:extLst>
-              <p:ext uri="{386F3935-93C4-4BCD-93E2-E3B085C9AB24}">
-                <p16:designElem xmlns:p16="http://schemas.microsoft.com/office/powerpoint/2015/main" val="1"/>
-              </p:ext>
-            </p:extLst>
-          </p:nvPr>
-        </p:nvSpPr>
-        <p:spPr>
-          <a:xfrm>
-            <a:off x="0" y="0"/>
-            <a:ext cx="12192000" cy="6858000"/>
-          </a:xfrm>
-          <a:prstGeom prst="rect">
-            <a:avLst/>
-          </a:prstGeom>
-          <a:ln w="12700" cap="flat" cmpd="sng" algn="ctr">
-            <a:noFill/>
-            <a:prstDash val="solid"/>
-            <a:miter lim="800000"/>
-          </a:ln>
-          <a:effectLst/>
-          <a:extLst>
-            <a:ext uri="{91240B29-F687-4F45-9708-019B960494DF}">
-              <a14:hiddenLine xmlns:a14="http://schemas.microsoft.com/office/drawing/2010/main" w="12700" cap="flat" cmpd="sng" algn="ctr">
-                <a:solidFill>
-                  <a:schemeClr val="accent1">
-                    <a:shade val="50000"/>
-                  </a:schemeClr>
-                </a:solidFill>
-                <a:prstDash val="solid"/>
-                <a:miter lim="800000"/>
-              </a14:hiddenLine>
-            </a:ext>
-          </a:extLst>
-        </p:spPr>
-        <p:style>
-          <a:lnRef idx="2">
-            <a:schemeClr val="accent1">
-              <a:shade val="50000"/>
-            </a:schemeClr>
-          </a:lnRef>
-          <a:fillRef idx="1">
-            <a:schemeClr val="accent1"/>
-          </a:fillRef>
-          <a:effectRef idx="0">
-            <a:schemeClr val="accent1"/>
-          </a:effectRef>
-          <a:fontRef idx="minor">
-            <a:schemeClr val="lt1"/>
-          </a:fontRef>
-        </p:style>
-        <p:txBody>
-          <a:bodyPr rtlCol="0" anchor="ctr"/>
-          <a:lstStyle/>
-          <a:p>
-            <a:pPr algn="ctr"/>
-            <a:endParaRPr lang="en-US"/>
-          </a:p>
-        </p:txBody>
-      </p:sp>
-      <p:sp>
-        <p:nvSpPr>
-          <p:cNvPr id="10" name="Rectangle 9">
-            <a:extLst>
-              <a:ext uri="{FF2B5EF4-FFF2-40B4-BE49-F238E27FC236}">
-                <a16:creationId xmlns:a16="http://schemas.microsoft.com/office/drawing/2014/main" id="{3B2E3793-BFE6-45A2-9B7B-E18844431C99}"/>
-              </a:ext>
-              <a:ext uri="{C183D7F6-B498-43B3-948B-1728B52AA6E4}">
-                <adec:decorative xmlns:adec="http://schemas.microsoft.com/office/drawing/2017/decorative" val="1"/>
-              </a:ext>
-            </a:extLst>
-          </p:cNvPr>
-          <p:cNvSpPr>
-            <a:spLocks noGrp="1" noRot="1" noChangeAspect="1" noMove="1" noResize="1" noEditPoints="1" noAdjustHandles="1" noChangeArrowheads="1" noChangeShapeType="1" noTextEdit="1"/>
-          </p:cNvSpPr>
-          <p:nvPr>
-            <p:extLst>
-              <p:ext uri="{386F3935-93C4-4BCD-93E2-E3B085C9AB24}">
-                <p16:designElem xmlns:p16="http://schemas.microsoft.com/office/powerpoint/2015/main" val="1"/>
-              </p:ext>
-            </p:extLst>
-          </p:nvPr>
-        </p:nvSpPr>
-        <p:spPr>
-          <a:xfrm flipH="1">
-            <a:off x="-1" y="-1"/>
-            <a:ext cx="12191998" cy="1590742"/>
-          </a:xfrm>
-          <a:prstGeom prst="rect">
-            <a:avLst/>
-          </a:prstGeom>
-          <a:gradFill>
-            <a:gsLst>
-              <a:gs pos="0">
-                <a:srgbClr val="000000"/>
-              </a:gs>
-              <a:gs pos="100000">
-                <a:schemeClr val="accent1">
-                  <a:lumMod val="75000"/>
-                </a:schemeClr>
-              </a:gs>
-            </a:gsLst>
-            <a:lin ang="8400000" scaled="0"/>
-          </a:gradFill>
-          <a:ln>
-            <a:noFill/>
-          </a:ln>
-        </p:spPr>
-        <p:style>
-          <a:lnRef idx="2">
-            <a:schemeClr val="accent1">
-              <a:shade val="50000"/>
-            </a:schemeClr>
-          </a:lnRef>
-          <a:fillRef idx="1">
-            <a:schemeClr val="accent1"/>
-          </a:fillRef>
-          <a:effectRef idx="0">
-            <a:schemeClr val="accent1"/>
-          </a:effectRef>
-          <a:fontRef idx="minor">
-            <a:schemeClr val="lt1"/>
-          </a:fontRef>
-        </p:style>
-        <p:txBody>
-          <a:bodyPr rtlCol="0" anchor="ctr"/>
-          <a:lstStyle/>
-          <a:p>
-            <a:pPr algn="ctr"/>
-            <a:endParaRPr lang="en-US"/>
-          </a:p>
-        </p:txBody>
-      </p:sp>
-      <p:sp>
-        <p:nvSpPr>
-          <p:cNvPr id="12" name="Rectangle 11">
-            <a:extLst>
-              <a:ext uri="{FF2B5EF4-FFF2-40B4-BE49-F238E27FC236}">
-                <a16:creationId xmlns:a16="http://schemas.microsoft.com/office/drawing/2014/main" id="{BC4C4868-CB8F-4AF9-9CDB-8108F2C19B67}"/>
-              </a:ext>
-              <a:ext uri="{C183D7F6-B498-43B3-948B-1728B52AA6E4}">
-                <adec:decorative xmlns:adec="http://schemas.microsoft.com/office/drawing/2017/decorative" val="1"/>
-              </a:ext>
-            </a:extLst>
-          </p:cNvPr>
-          <p:cNvSpPr>
-            <a:spLocks noGrp="1" noRot="1" noChangeAspect="1" noMove="1" noResize="1" noEditPoints="1" noAdjustHandles="1" noChangeArrowheads="1" noChangeShapeType="1" noTextEdit="1"/>
-          </p:cNvSpPr>
-          <p:nvPr>
-            <p:extLst>
-              <p:ext uri="{386F3935-93C4-4BCD-93E2-E3B085C9AB24}">
-                <p16:designElem xmlns:p16="http://schemas.microsoft.com/office/powerpoint/2015/main" val="1"/>
-              </p:ext>
-            </p:extLst>
-          </p:nvPr>
-        </p:nvSpPr>
-        <p:spPr>
-          <a:xfrm rot="10800000" flipH="1">
-            <a:off x="-3" y="0"/>
-            <a:ext cx="8115306" cy="1590742"/>
-          </a:xfrm>
-          <a:prstGeom prst="rect">
-            <a:avLst/>
-          </a:prstGeom>
-          <a:gradFill>
-            <a:gsLst>
-              <a:gs pos="20000">
-                <a:schemeClr val="accent1">
-                  <a:alpha val="0"/>
-                </a:schemeClr>
-              </a:gs>
-              <a:gs pos="100000">
-                <a:schemeClr val="accent1">
-                  <a:lumMod val="50000"/>
-                  <a:alpha val="55000"/>
-                </a:schemeClr>
-              </a:gs>
-            </a:gsLst>
-            <a:lin ang="13800000" scaled="0"/>
-          </a:gradFill>
-          <a:ln>
-            <a:noFill/>
-          </a:ln>
-        </p:spPr>
-        <p:style>
-          <a:lnRef idx="2">
-            <a:schemeClr val="accent1">
-              <a:shade val="50000"/>
-            </a:schemeClr>
-          </a:lnRef>
-          <a:fillRef idx="1">
-            <a:schemeClr val="accent1"/>
-          </a:fillRef>
-          <a:effectRef idx="0">
-            <a:schemeClr val="accent1"/>
-          </a:effectRef>
-          <a:fontRef idx="minor">
-            <a:schemeClr val="lt1"/>
-          </a:fontRef>
-        </p:style>
-        <p:txBody>
-          <a:bodyPr rtlCol="0" anchor="ctr"/>
-          <a:lstStyle/>
-          <a:p>
-            <a:pPr algn="ctr"/>
-            <a:endParaRPr lang="en-US"/>
-          </a:p>
-        </p:txBody>
-      </p:sp>
-      <p:sp>
-        <p:nvSpPr>
-          <p:cNvPr id="14" name="Rectangle 13">
-            <a:extLst>
-              <a:ext uri="{FF2B5EF4-FFF2-40B4-BE49-F238E27FC236}">
-                <a16:creationId xmlns:a16="http://schemas.microsoft.com/office/drawing/2014/main" id="{375E0459-6403-40CD-989D-56A4407CA12E}"/>
-              </a:ext>
-              <a:ext uri="{C183D7F6-B498-43B3-948B-1728B52AA6E4}">
-                <adec:decorative xmlns:adec="http://schemas.microsoft.com/office/drawing/2017/decorative" val="1"/>
-              </a:ext>
-            </a:extLst>
-          </p:cNvPr>
-          <p:cNvSpPr>
-            <a:spLocks noGrp="1" noRot="1" noChangeAspect="1" noMove="1" noResize="1" noEditPoints="1" noAdjustHandles="1" noChangeArrowheads="1" noChangeShapeType="1" noTextEdit="1"/>
-          </p:cNvSpPr>
-          <p:nvPr>
-            <p:extLst>
-              <p:ext uri="{386F3935-93C4-4BCD-93E2-E3B085C9AB24}">
-                <p16:designElem xmlns:p16="http://schemas.microsoft.com/office/powerpoint/2015/main" val="1"/>
-              </p:ext>
-            </p:extLst>
-          </p:nvPr>
-        </p:nvSpPr>
-        <p:spPr>
-          <a:xfrm flipH="1">
-            <a:off x="8115299" y="-1"/>
-            <a:ext cx="4076698" cy="1590742"/>
-          </a:xfrm>
-          <a:prstGeom prst="rect">
-            <a:avLst/>
-          </a:prstGeom>
-          <a:gradFill>
-            <a:gsLst>
-              <a:gs pos="0">
-                <a:schemeClr val="accent1">
-                  <a:alpha val="66000"/>
-                </a:schemeClr>
-              </a:gs>
-              <a:gs pos="100000">
-                <a:srgbClr val="000000">
-                  <a:alpha val="30000"/>
-                </a:srgbClr>
-              </a:gs>
-            </a:gsLst>
-            <a:lin ang="13200000" scaled="0"/>
-          </a:gradFill>
-          <a:ln>
-            <a:noFill/>
-          </a:ln>
-        </p:spPr>
-        <p:style>
-          <a:lnRef idx="2">
-            <a:schemeClr val="accent1">
-              <a:shade val="50000"/>
-            </a:schemeClr>
-          </a:lnRef>
-          <a:fillRef idx="1">
-            <a:schemeClr val="accent1"/>
-          </a:fillRef>
-          <a:effectRef idx="0">
-            <a:schemeClr val="accent1"/>
-          </a:effectRef>
-          <a:fontRef idx="minor">
-            <a:schemeClr val="lt1"/>
-          </a:fontRef>
-        </p:style>
-        <p:txBody>
-          <a:bodyPr rtlCol="0" anchor="ctr"/>
-          <a:lstStyle/>
-          <a:p>
-            <a:pPr algn="ctr"/>
-            <a:endParaRPr lang="en-US"/>
-          </a:p>
-        </p:txBody>
-      </p:sp>
-      <p:sp>
-        <p:nvSpPr>
-          <p:cNvPr id="16" name="Rectangle 15">
-            <a:extLst>
-              <a:ext uri="{FF2B5EF4-FFF2-40B4-BE49-F238E27FC236}">
-                <a16:creationId xmlns:a16="http://schemas.microsoft.com/office/drawing/2014/main" id="{53E5B1A8-3AC9-4BD1-9BBC-78CA94F2D1BA}"/>
-              </a:ext>
-              <a:ext uri="{C183D7F6-B498-43B3-948B-1728B52AA6E4}">
-                <adec:decorative xmlns:adec="http://schemas.microsoft.com/office/drawing/2017/decorative" val="1"/>
-              </a:ext>
-            </a:extLst>
-          </p:cNvPr>
-          <p:cNvSpPr>
-            <a:spLocks noGrp="1" noRot="1" noChangeAspect="1" noMove="1" noResize="1" noEditPoints="1" noAdjustHandles="1" noChangeArrowheads="1" noChangeShapeType="1" noTextEdit="1"/>
-          </p:cNvSpPr>
-          <p:nvPr>
-            <p:extLst>
-              <p:ext uri="{386F3935-93C4-4BCD-93E2-E3B085C9AB24}">
-                <p16:designElem xmlns:p16="http://schemas.microsoft.com/office/powerpoint/2015/main" val="1"/>
-              </p:ext>
-            </p:extLst>
-          </p:nvPr>
-        </p:nvSpPr>
-        <p:spPr>
-          <a:xfrm>
-            <a:off x="459350" y="-1"/>
-            <a:ext cx="11732646" cy="1597433"/>
-          </a:xfrm>
-          <a:prstGeom prst="rect">
-            <a:avLst/>
-          </a:prstGeom>
-          <a:gradFill>
-            <a:gsLst>
-              <a:gs pos="50000">
-                <a:srgbClr val="000000">
-                  <a:alpha val="0"/>
-                </a:srgbClr>
-              </a:gs>
-              <a:gs pos="99000">
-                <a:schemeClr val="accent1">
-                  <a:lumMod val="50000"/>
-                  <a:alpha val="52000"/>
-                </a:schemeClr>
-              </a:gs>
-            </a:gsLst>
-            <a:lin ang="16800000" scaled="0"/>
-          </a:gradFill>
-          <a:ln>
-            <a:noFill/>
-          </a:ln>
-        </p:spPr>
-        <p:style>
-          <a:lnRef idx="2">
-            <a:schemeClr val="accent1">
-              <a:shade val="50000"/>
-            </a:schemeClr>
-          </a:lnRef>
-          <a:fillRef idx="1">
-            <a:schemeClr val="accent1"/>
-          </a:fillRef>
-          <a:effectRef idx="0">
-            <a:schemeClr val="accent1"/>
-          </a:effectRef>
-          <a:fontRef idx="minor">
-            <a:schemeClr val="lt1"/>
-          </a:fontRef>
-        </p:style>
-        <p:txBody>
-          <a:bodyPr rtlCol="0" anchor="ctr"/>
-          <a:lstStyle/>
-          <a:p>
-            <a:pPr algn="ctr"/>
-            <a:endParaRPr lang="en-US"/>
-          </a:p>
-        </p:txBody>
-      </p:sp>
-      <p:sp>
-        <p:nvSpPr>
-          <p:cNvPr id="2" name="Title 1">
-            <a:extLst>
-              <a:ext uri="{FF2B5EF4-FFF2-40B4-BE49-F238E27FC236}">
-                <a16:creationId xmlns:a16="http://schemas.microsoft.com/office/drawing/2014/main" id="{F021F42D-C8FD-AD49-8558-0FBB5D132A79}"/>
-              </a:ext>
-            </a:extLst>
-          </p:cNvPr>
-          <p:cNvSpPr>
-            <a:spLocks noGrp="1"/>
-          </p:cNvSpPr>
-          <p:nvPr>
-            <p:ph type="title"/>
-          </p:nvPr>
-        </p:nvSpPr>
-        <p:spPr>
-          <a:xfrm>
-            <a:off x="1371599" y="294538"/>
-            <a:ext cx="9895951" cy="1033669"/>
-          </a:xfrm>
-        </p:spPr>
-        <p:txBody>
-          <a:bodyPr>
-            <a:normAutofit/>
-          </a:bodyPr>
-          <a:lstStyle/>
-          <a:p>
-            <a:r>
-              <a:rPr lang="ar-AE" sz="4000">
-                <a:solidFill>
-                  <a:srgbClr val="FFFFFF"/>
-                </a:solidFill>
-              </a:rPr>
-              <a:t>الوصف والخلفية</a:t>
-            </a:r>
-            <a:endParaRPr lang="en-US" sz="4000">
-              <a:solidFill>
-                <a:srgbClr val="FFFFFF"/>
-              </a:solidFill>
-            </a:endParaRPr>
-          </a:p>
-        </p:txBody>
-      </p:sp>
-      <p:sp>
-        <p:nvSpPr>
-          <p:cNvPr id="3" name="Content Placeholder 2">
-            <a:extLst>
-              <a:ext uri="{FF2B5EF4-FFF2-40B4-BE49-F238E27FC236}">
-                <a16:creationId xmlns:a16="http://schemas.microsoft.com/office/drawing/2014/main" id="{C523154E-DB46-7F4B-858D-10D18C594AEB}"/>
-              </a:ext>
-            </a:extLst>
-          </p:cNvPr>
-          <p:cNvSpPr>
-            <a:spLocks noGrp="1"/>
-          </p:cNvSpPr>
-          <p:nvPr>
-            <p:ph idx="1"/>
-          </p:nvPr>
-        </p:nvSpPr>
-        <p:spPr>
-          <a:xfrm>
-            <a:off x="1371599" y="2318197"/>
-            <a:ext cx="9724031" cy="3683358"/>
-          </a:xfrm>
-        </p:spPr>
-        <p:txBody>
-          <a:bodyPr anchor="ctr">
-            <a:normAutofit/>
-          </a:bodyPr>
-          <a:lstStyle/>
-          <a:p>
-            <a:pPr marL="0" indent="0">
-              <a:buNone/>
-            </a:pPr>
-            <a:r>
-              <a:rPr lang="ar-AE" sz="1700" dirty="0"/>
-              <a:t>البرنامج مكتوب بلغة البرمجة</a:t>
-            </a:r>
-            <a:r>
-              <a:rPr lang="ar-SA" sz="1700" dirty="0"/>
-              <a:t>: </a:t>
-            </a:r>
-            <a:endParaRPr lang="en-US" sz="1700" dirty="0"/>
-          </a:p>
-          <a:p>
-            <a:pPr marL="0" indent="0">
-              <a:buNone/>
-            </a:pPr>
-            <a:r>
-              <a:rPr lang="en-US" sz="1700" dirty="0"/>
-              <a:t>Python</a:t>
-            </a:r>
-          </a:p>
-          <a:p>
-            <a:pPr marL="0" indent="0">
-              <a:buNone/>
-            </a:pPr>
-            <a:endParaRPr lang="en-US" sz="1700" dirty="0"/>
-          </a:p>
-          <a:p>
-            <a:pPr marL="0" indent="0">
-              <a:buNone/>
-            </a:pPr>
-            <a:r>
-              <a:rPr lang="en-US" sz="1700" u="sng" dirty="0"/>
-              <a:t>Frontend</a:t>
-            </a:r>
-          </a:p>
-          <a:p>
-            <a:pPr marL="0" indent="0">
-              <a:buNone/>
-            </a:pPr>
-            <a:r>
-              <a:rPr lang="ar-AE" sz="1700" dirty="0"/>
-              <a:t>واجهة مستخدم مكتوبة باستخدام وحدة </a:t>
-            </a:r>
-            <a:r>
-              <a:rPr lang="en-US" sz="1700" dirty="0" err="1"/>
-              <a:t>PyQt</a:t>
-            </a:r>
-            <a:endParaRPr lang="en-US" sz="1700" dirty="0"/>
-          </a:p>
-          <a:p>
-            <a:pPr marL="0" indent="0">
-              <a:buNone/>
-            </a:pPr>
-            <a:endParaRPr lang="en-US" sz="1700" dirty="0"/>
-          </a:p>
-          <a:p>
-            <a:pPr marL="0" indent="0">
-              <a:buNone/>
-            </a:pPr>
-            <a:r>
-              <a:rPr lang="en-US" sz="1700" u="sng" dirty="0"/>
-              <a:t>Backend</a:t>
-            </a:r>
-            <a:endParaRPr lang="en-US" sz="1700" dirty="0"/>
-          </a:p>
-          <a:p>
-            <a:pPr marL="0" indent="0">
-              <a:buNone/>
-            </a:pPr>
-            <a:r>
-              <a:rPr lang="en-US" sz="1700" dirty="0"/>
-              <a:t> </a:t>
-            </a:r>
-            <a:r>
-              <a:rPr lang="ar-AE" sz="1700" dirty="0"/>
-              <a:t>فحص عناوين انترنت مع اوامر </a:t>
-            </a:r>
-            <a:r>
-              <a:rPr lang="en-US" sz="1700" dirty="0" err="1"/>
-              <a:t>nmap</a:t>
-            </a:r>
-            <a:endParaRPr lang="en-US" sz="1700" dirty="0"/>
-          </a:p>
-          <a:p>
-            <a:pPr marL="0" indent="0">
-              <a:buNone/>
-            </a:pPr>
-            <a:r>
-              <a:rPr lang="en-US" sz="1700" dirty="0"/>
-              <a:t>Async functions supported</a:t>
-            </a:r>
-          </a:p>
-          <a:p>
-            <a:pPr marL="0" indent="0">
-              <a:buNone/>
-            </a:pPr>
-            <a:r>
-              <a:rPr lang="ar-AE" sz="1700" dirty="0"/>
-              <a:t>تعريف وبحث عن الثغرات باستخدام خدمة </a:t>
-            </a:r>
-            <a:r>
-              <a:rPr lang="en-US" sz="1700" dirty="0"/>
-              <a:t>NVD API</a:t>
-            </a:r>
-          </a:p>
-        </p:txBody>
-      </p:sp>
-    </p:spTree>
-    <p:extLst>
-      <p:ext uri="{BB962C8B-B14F-4D97-AF65-F5344CB8AC3E}">
-        <p14:creationId xmlns:p14="http://schemas.microsoft.com/office/powerpoint/2010/main" val="205484818"/>
-      </p:ext>
-    </p:extLst>
-  </p:cSld>
-  <p:clrMapOvr>
-    <a:masterClrMapping/>
-  </p:clrMapOvr>
-</p:sld>
-</file>
-
-<file path=ppt/slides/slide4.xml><?xml version="1.0" encoding="utf-8"?>
-<p:sld xmlns:a="http://schemas.openxmlformats.org/drawingml/2006/main" xmlns:r="http://schemas.openxmlformats.org/officeDocument/2006/relationships" xmlns:p="http://schemas.openxmlformats.org/presentationml/2006/main">
-  <p:cSld>
-    <p:spTree>
-      <p:nvGrpSpPr>
-        <p:cNvPr id="1" name=""/>
-        <p:cNvGrpSpPr/>
-        <p:nvPr/>
-      </p:nvGrpSpPr>
-      <p:grpSpPr>
-        <a:xfrm>
-          <a:off x="0" y="0"/>
-          <a:ext cx="0" cy="0"/>
-          <a:chOff x="0" y="0"/>
-          <a:chExt cx="0" cy="0"/>
-        </a:xfrm>
-      </p:grpSpPr>
-      <p:sp>
-        <p:nvSpPr>
-          <p:cNvPr id="2" name="Title 1">
-            <a:extLst>
-              <a:ext uri="{FF2B5EF4-FFF2-40B4-BE49-F238E27FC236}">
-                <a16:creationId xmlns:a16="http://schemas.microsoft.com/office/drawing/2014/main" id="{CFE1F2CC-60FC-6740-9398-472D589542C4}"/>
-              </a:ext>
-            </a:extLst>
-          </p:cNvPr>
-          <p:cNvSpPr>
-            <a:spLocks noGrp="1"/>
-          </p:cNvSpPr>
-          <p:nvPr>
-            <p:ph type="title"/>
-          </p:nvPr>
-        </p:nvSpPr>
-        <p:spPr/>
-        <p:txBody>
-          <a:bodyPr/>
-          <a:lstStyle/>
-          <a:p>
-            <a:r>
-              <a:rPr lang="en-US" dirty="0"/>
-              <a:t>Flowchart</a:t>
-            </a:r>
-          </a:p>
-        </p:txBody>
-      </p:sp>
-      <p:pic>
-        <p:nvPicPr>
-          <p:cNvPr id="5" name="Content Placeholder 4">
-            <a:extLst>
-              <a:ext uri="{FF2B5EF4-FFF2-40B4-BE49-F238E27FC236}">
-                <a16:creationId xmlns:a16="http://schemas.microsoft.com/office/drawing/2014/main" id="{B7B75901-EAFF-4AAF-B9CF-2418F6603172}"/>
-              </a:ext>
-            </a:extLst>
-          </p:cNvPr>
-          <p:cNvPicPr>
-            <a:picLocks noGrp="1" noChangeAspect="1"/>
-          </p:cNvPicPr>
-          <p:nvPr>
-            <p:ph idx="1"/>
-          </p:nvPr>
-        </p:nvPicPr>
-        <p:blipFill>
-          <a:blip r:embed="rId2"/>
-          <a:stretch>
-            <a:fillRect/>
-          </a:stretch>
-        </p:blipFill>
-        <p:spPr>
-          <a:xfrm>
-            <a:off x="434106" y="1337693"/>
-            <a:ext cx="11323788" cy="5327202"/>
-          </a:xfrm>
-        </p:spPr>
-      </p:pic>
-    </p:spTree>
-    <p:extLst>
-      <p:ext uri="{BB962C8B-B14F-4D97-AF65-F5344CB8AC3E}">
-        <p14:creationId xmlns:p14="http://schemas.microsoft.com/office/powerpoint/2010/main" val="3746758601"/>
-      </p:ext>
-    </p:extLst>
-  </p:cSld>
-  <p:clrMapOvr>
-    <a:masterClrMapping/>
-  </p:clrMapOvr>
-</p:sld>
-</file>
-
-<file path=ppt/slides/slide5.xml><?xml version="1.0" encoding="utf-8"?>
-<p:sld xmlns:a="http://schemas.openxmlformats.org/drawingml/2006/main" xmlns:r="http://schemas.openxmlformats.org/officeDocument/2006/relationships" xmlns:p="http://schemas.openxmlformats.org/presentationml/2006/main">
-  <p:cSld>
-    <p:spTree>
-      <p:nvGrpSpPr>
-        <p:cNvPr id="1" name=""/>
-        <p:cNvGrpSpPr/>
-        <p:nvPr/>
-      </p:nvGrpSpPr>
-      <p:grpSpPr>
-        <a:xfrm>
-          <a:off x="0" y="0"/>
-          <a:ext cx="0" cy="0"/>
-          <a:chOff x="0" y="0"/>
-          <a:chExt cx="0" cy="0"/>
-        </a:xfrm>
-      </p:grpSpPr>
-      <p:sp>
-        <p:nvSpPr>
-          <p:cNvPr id="2" name="Title 1">
-            <a:extLst>
-              <a:ext uri="{FF2B5EF4-FFF2-40B4-BE49-F238E27FC236}">
-                <a16:creationId xmlns:a16="http://schemas.microsoft.com/office/drawing/2014/main" id="{90236D24-AFE1-2A45-8ADD-F86DF08076CB}"/>
-              </a:ext>
-            </a:extLst>
-          </p:cNvPr>
-          <p:cNvSpPr>
-            <a:spLocks noGrp="1"/>
-          </p:cNvSpPr>
-          <p:nvPr>
-            <p:ph type="title"/>
-          </p:nvPr>
-        </p:nvSpPr>
-        <p:spPr/>
-        <p:txBody>
-          <a:bodyPr/>
-          <a:lstStyle/>
-          <a:p>
-            <a:pPr algn="r"/>
-            <a:r>
-              <a:rPr lang="ar-AE" dirty="0"/>
-              <a:t>مثال شاشة تشغيل البرنامج</a:t>
-            </a:r>
-            <a:endParaRPr lang="en-US" dirty="0"/>
-          </a:p>
-        </p:txBody>
-      </p:sp>
-      <p:pic>
-        <p:nvPicPr>
-          <p:cNvPr id="11" name="Content Placeholder 10" descr="A screenshot of a computer&#10;&#10;Description automatically generated">
-            <a:extLst>
-              <a:ext uri="{FF2B5EF4-FFF2-40B4-BE49-F238E27FC236}">
-                <a16:creationId xmlns:a16="http://schemas.microsoft.com/office/drawing/2014/main" id="{127AC702-98A3-8E41-BE1D-6CA6560395A2}"/>
-              </a:ext>
-            </a:extLst>
-          </p:cNvPr>
-          <p:cNvPicPr>
-            <a:picLocks noGrp="1" noChangeAspect="1"/>
-          </p:cNvPicPr>
-          <p:nvPr>
-            <p:ph idx="1"/>
-          </p:nvPr>
-        </p:nvPicPr>
-        <p:blipFill>
-          <a:blip r:embed="rId2"/>
-          <a:stretch>
-            <a:fillRect/>
-          </a:stretch>
-        </p:blipFill>
-        <p:spPr>
-          <a:xfrm>
-            <a:off x="367192" y="2066539"/>
-            <a:ext cx="3549714" cy="3734347"/>
-          </a:xfrm>
-        </p:spPr>
-      </p:pic>
-      <p:pic>
-        <p:nvPicPr>
-          <p:cNvPr id="13" name="Picture 12" descr="A screenshot of a computer&#10;&#10;Description automatically generated">
-            <a:extLst>
-              <a:ext uri="{FF2B5EF4-FFF2-40B4-BE49-F238E27FC236}">
-                <a16:creationId xmlns:a16="http://schemas.microsoft.com/office/drawing/2014/main" id="{271BD6D3-8448-794F-91E2-06FD8D9063C1}"/>
-              </a:ext>
-            </a:extLst>
-          </p:cNvPr>
-          <p:cNvPicPr>
-            <a:picLocks noChangeAspect="1"/>
-          </p:cNvPicPr>
-          <p:nvPr/>
-        </p:nvPicPr>
-        <p:blipFill>
-          <a:blip r:embed="rId3"/>
-          <a:stretch>
-            <a:fillRect/>
-          </a:stretch>
-        </p:blipFill>
-        <p:spPr>
-          <a:xfrm>
-            <a:off x="4200087" y="2098894"/>
-            <a:ext cx="3549715" cy="3669638"/>
-          </a:xfrm>
-          <a:prstGeom prst="rect">
-            <a:avLst/>
-          </a:prstGeom>
-        </p:spPr>
-      </p:pic>
-      <p:pic>
-        <p:nvPicPr>
-          <p:cNvPr id="15" name="Picture 14" descr="A screenshot of a computer&#10;&#10;Description automatically generated">
-            <a:extLst>
-              <a:ext uri="{FF2B5EF4-FFF2-40B4-BE49-F238E27FC236}">
-                <a16:creationId xmlns:a16="http://schemas.microsoft.com/office/drawing/2014/main" id="{63F0990C-239F-8D4B-9C98-53FC0C92CC2F}"/>
-              </a:ext>
-            </a:extLst>
-          </p:cNvPr>
-          <p:cNvPicPr>
-            <a:picLocks noChangeAspect="1"/>
-          </p:cNvPicPr>
-          <p:nvPr/>
-        </p:nvPicPr>
-        <p:blipFill>
-          <a:blip r:embed="rId4"/>
-          <a:stretch>
-            <a:fillRect/>
-          </a:stretch>
-        </p:blipFill>
-        <p:spPr>
-          <a:xfrm>
-            <a:off x="8032983" y="2098895"/>
-            <a:ext cx="3549714" cy="3645008"/>
-          </a:xfrm>
-          <a:prstGeom prst="rect">
-            <a:avLst/>
-          </a:prstGeom>
-        </p:spPr>
-      </p:pic>
-    </p:spTree>
-    <p:extLst>
-      <p:ext uri="{BB962C8B-B14F-4D97-AF65-F5344CB8AC3E}">
-        <p14:creationId xmlns:p14="http://schemas.microsoft.com/office/powerpoint/2010/main" val="1613703189"/>
-      </p:ext>
-    </p:extLst>
-  </p:cSld>
-  <p:clrMapOvr>
-    <a:masterClrMapping/>
-  </p:clrMapOvr>
-</p:sld>
-</file>
-
-<file path=ppt/slides/slide6.xml><?xml version="1.0" encoding="utf-8"?>
-<p:sld xmlns:a="http://schemas.openxmlformats.org/drawingml/2006/main" xmlns:r="http://schemas.openxmlformats.org/officeDocument/2006/relationships" xmlns:p="http://schemas.openxmlformats.org/presentationml/2006/main">
-  <p:cSld>
-    <p:spTree>
-      <p:nvGrpSpPr>
-        <p:cNvPr id="1" name=""/>
-        <p:cNvGrpSpPr/>
-        <p:nvPr/>
-      </p:nvGrpSpPr>
-      <p:grpSpPr>
-        <a:xfrm>
-          <a:off x="0" y="0"/>
-          <a:ext cx="0" cy="0"/>
-          <a:chOff x="0" y="0"/>
-          <a:chExt cx="0" cy="0"/>
-        </a:xfrm>
-      </p:grpSpPr>
-      <p:sp>
-        <p:nvSpPr>
-          <p:cNvPr id="2" name="Title 1">
-            <a:extLst>
-              <a:ext uri="{FF2B5EF4-FFF2-40B4-BE49-F238E27FC236}">
-                <a16:creationId xmlns:a16="http://schemas.microsoft.com/office/drawing/2014/main" id="{90236D24-AFE1-2A45-8ADD-F86DF08076CB}"/>
-              </a:ext>
-            </a:extLst>
-          </p:cNvPr>
-          <p:cNvSpPr>
-            <a:spLocks noGrp="1"/>
-          </p:cNvSpPr>
-          <p:nvPr>
-            <p:ph type="title"/>
-          </p:nvPr>
-        </p:nvSpPr>
-        <p:spPr/>
-        <p:txBody>
-          <a:bodyPr/>
-          <a:lstStyle/>
-          <a:p>
-            <a:pPr algn="r"/>
-            <a:r>
-              <a:rPr lang="ar-AE" dirty="0"/>
-              <a:t>مثال شاشة تشغيل البرنامج</a:t>
-            </a:r>
-            <a:endParaRPr lang="en-US" dirty="0"/>
-          </a:p>
-        </p:txBody>
-      </p:sp>
-      <p:pic>
-        <p:nvPicPr>
-          <p:cNvPr id="6" name="Content Placeholder 5" descr="A screenshot of a computer&#10;&#10;Description automatically generated">
-            <a:extLst>
-              <a:ext uri="{FF2B5EF4-FFF2-40B4-BE49-F238E27FC236}">
-                <a16:creationId xmlns:a16="http://schemas.microsoft.com/office/drawing/2014/main" id="{3597C1D5-B4FA-EC4D-A539-B005537FD448}"/>
-              </a:ext>
-            </a:extLst>
-          </p:cNvPr>
-          <p:cNvPicPr>
-            <a:picLocks noGrp="1" noChangeAspect="1"/>
-          </p:cNvPicPr>
-          <p:nvPr>
-            <p:ph idx="1"/>
-          </p:nvPr>
-        </p:nvPicPr>
-        <p:blipFill>
-          <a:blip r:embed="rId2"/>
-          <a:stretch>
-            <a:fillRect/>
-          </a:stretch>
-        </p:blipFill>
-        <p:spPr>
-          <a:xfrm>
-            <a:off x="1559862" y="1836136"/>
-            <a:ext cx="4174454" cy="4351338"/>
-          </a:xfrm>
-        </p:spPr>
-      </p:pic>
-      <p:pic>
-        <p:nvPicPr>
-          <p:cNvPr id="8" name="Picture 7" descr="A screenshot of a computer&#10;&#10;Description automatically generated">
-            <a:extLst>
-              <a:ext uri="{FF2B5EF4-FFF2-40B4-BE49-F238E27FC236}">
-                <a16:creationId xmlns:a16="http://schemas.microsoft.com/office/drawing/2014/main" id="{88A962FD-9746-A443-BBE5-7CC8416394D8}"/>
-              </a:ext>
-            </a:extLst>
-          </p:cNvPr>
-          <p:cNvPicPr>
-            <a:picLocks noChangeAspect="1"/>
-          </p:cNvPicPr>
-          <p:nvPr/>
-        </p:nvPicPr>
-        <p:blipFill>
-          <a:blip r:embed="rId3"/>
-          <a:stretch>
-            <a:fillRect/>
-          </a:stretch>
-        </p:blipFill>
-        <p:spPr>
-          <a:xfrm>
-            <a:off x="6096001" y="1817743"/>
-            <a:ext cx="4174454" cy="4355347"/>
-          </a:xfrm>
-          <a:prstGeom prst="rect">
-            <a:avLst/>
-          </a:prstGeom>
-        </p:spPr>
-      </p:pic>
-    </p:spTree>
-    <p:extLst>
-      <p:ext uri="{BB962C8B-B14F-4D97-AF65-F5344CB8AC3E}">
-        <p14:creationId xmlns:p14="http://schemas.microsoft.com/office/powerpoint/2010/main" val="2828524470"/>
-      </p:ext>
-    </p:extLst>
-  </p:cSld>
-  <p:clrMapOvr>
-    <a:masterClrMapping/>
-  </p:clrMapOvr>
-</p:sld>
-</file>
-
-<file path=ppt/slides/slide7.xml><?xml version="1.0" encoding="utf-8"?>
-<p:sld xmlns:a="http://schemas.openxmlformats.org/drawingml/2006/main" xmlns:r="http://schemas.openxmlformats.org/officeDocument/2006/relationships" xmlns:p="http://schemas.openxmlformats.org/presentationml/2006/main">
-  <p:cSld>
-    <p:bg>
-      <p:bgPr>
-        <a:solidFill>
-          <a:schemeClr val="bg1"/>
-        </a:solidFill>
-        <a:effectLst/>
-      </p:bgPr>
-    </p:bg>
-    <p:spTree>
-      <p:nvGrpSpPr>
-        <p:cNvPr id="1" name=""/>
-        <p:cNvGrpSpPr/>
-        <p:nvPr/>
-      </p:nvGrpSpPr>
-      <p:grpSpPr>
-        <a:xfrm>
-          <a:off x="0" y="0"/>
-          <a:ext cx="0" cy="0"/>
-          <a:chOff x="0" y="0"/>
-          <a:chExt cx="0" cy="0"/>
-        </a:xfrm>
-      </p:grpSpPr>
-      <p:sp useBgFill="1">
-        <p:nvSpPr>
-          <p:cNvPr id="9" name="Rectangle 8">
-            <a:extLst>
-              <a:ext uri="{FF2B5EF4-FFF2-40B4-BE49-F238E27FC236}">
-                <a16:creationId xmlns:a16="http://schemas.microsoft.com/office/drawing/2014/main" id="{BACC6370-2D7E-4714-9D71-7542949D7D5D}"/>
-              </a:ext>
-              <a:ext uri="{C183D7F6-B498-43B3-948B-1728B52AA6E4}">
-                <adec:decorative xmlns:adec="http://schemas.microsoft.com/office/drawing/2017/decorative" val="1"/>
-              </a:ext>
-            </a:extLst>
-          </p:cNvPr>
-          <p:cNvSpPr>
-            <a:spLocks noGrp="1" noRot="1" noChangeAspect="1" noMove="1" noResize="1" noEditPoints="1" noAdjustHandles="1" noChangeArrowheads="1" noChangeShapeType="1" noTextEdit="1"/>
-          </p:cNvSpPr>
-          <p:nvPr>
-            <p:extLst>
-              <p:ext uri="{386F3935-93C4-4BCD-93E2-E3B085C9AB24}">
-                <p16:designElem xmlns:p16="http://schemas.microsoft.com/office/powerpoint/2015/main" val="1"/>
-              </p:ext>
-            </p:extLst>
-          </p:nvPr>
-        </p:nvSpPr>
-        <p:spPr>
-          <a:xfrm>
-            <a:off x="0" y="0"/>
-            <a:ext cx="12192000" cy="6858000"/>
-          </a:xfrm>
-          <a:prstGeom prst="rect">
-            <a:avLst/>
-          </a:prstGeom>
-          <a:ln w="12700" cap="flat" cmpd="sng" algn="ctr">
-            <a:noFill/>
-            <a:prstDash val="solid"/>
-            <a:miter lim="800000"/>
-          </a:ln>
-          <a:effectLst/>
-          <a:extLst>
-            <a:ext uri="{91240B29-F687-4F45-9708-019B960494DF}">
-              <a14:hiddenLine xmlns:a14="http://schemas.microsoft.com/office/drawing/2010/main" w="12700" cap="flat" cmpd="sng" algn="ctr">
-                <a:solidFill>
-                  <a:schemeClr val="accent1">
-                    <a:shade val="50000"/>
-                  </a:schemeClr>
-                </a:solidFill>
-                <a:prstDash val="solid"/>
-                <a:miter lim="800000"/>
-              </a14:hiddenLine>
-            </a:ext>
-          </a:extLst>
-        </p:spPr>
-        <p:style>
-          <a:lnRef idx="2">
-            <a:schemeClr val="accent1">
-              <a:shade val="50000"/>
-            </a:schemeClr>
-          </a:lnRef>
-          <a:fillRef idx="1">
-            <a:schemeClr val="accent1"/>
-          </a:fillRef>
-          <a:effectRef idx="0">
-            <a:schemeClr val="accent1"/>
-          </a:effectRef>
-          <a:fontRef idx="minor">
-            <a:schemeClr val="lt1"/>
-          </a:fontRef>
-        </p:style>
-        <p:txBody>
-          <a:bodyPr rtlCol="0" anchor="ctr"/>
-          <a:lstStyle/>
-          <a:p>
-            <a:pPr algn="ctr"/>
-            <a:endParaRPr lang="en-US"/>
-          </a:p>
-        </p:txBody>
-      </p:sp>
-      <p:sp>
-        <p:nvSpPr>
-          <p:cNvPr id="11" name="Rectangle 10">
-            <a:extLst>
-              <a:ext uri="{FF2B5EF4-FFF2-40B4-BE49-F238E27FC236}">
-                <a16:creationId xmlns:a16="http://schemas.microsoft.com/office/drawing/2014/main" id="{F68B3F68-107C-434F-AA38-110D5EA91B85}"/>
-              </a:ext>
-              <a:ext uri="{C183D7F6-B498-43B3-948B-1728B52AA6E4}">
-                <adec:decorative xmlns:adec="http://schemas.microsoft.com/office/drawing/2017/decorative" val="1"/>
-              </a:ext>
-            </a:extLst>
-          </p:cNvPr>
-          <p:cNvSpPr>
-            <a:spLocks noGrp="1" noRot="1" noChangeAspect="1" noMove="1" noResize="1" noEditPoints="1" noAdjustHandles="1" noChangeArrowheads="1" noChangeShapeType="1" noTextEdit="1"/>
-          </p:cNvSpPr>
-          <p:nvPr>
-            <p:extLst>
-              <p:ext uri="{386F3935-93C4-4BCD-93E2-E3B085C9AB24}">
-                <p16:designElem xmlns:p16="http://schemas.microsoft.com/office/powerpoint/2015/main" val="1"/>
-              </p:ext>
-            </p:extLst>
-          </p:nvPr>
-        </p:nvSpPr>
-        <p:spPr>
-          <a:xfrm flipH="1">
-            <a:off x="2" y="0"/>
-            <a:ext cx="12191998" cy="1575955"/>
-          </a:xfrm>
-          <a:prstGeom prst="rect">
-            <a:avLst/>
-          </a:prstGeom>
-          <a:gradFill>
-            <a:gsLst>
-              <a:gs pos="0">
-                <a:srgbClr val="000000">
-                  <a:alpha val="96000"/>
-                </a:srgbClr>
-              </a:gs>
-              <a:gs pos="100000">
-                <a:schemeClr val="accent1">
-                  <a:lumMod val="75000"/>
-                </a:schemeClr>
-              </a:gs>
-            </a:gsLst>
-            <a:lin ang="8400000" scaled="0"/>
-          </a:gradFill>
-          <a:ln>
-            <a:noFill/>
-          </a:ln>
-        </p:spPr>
-        <p:style>
-          <a:lnRef idx="2">
-            <a:schemeClr val="accent1">
-              <a:shade val="50000"/>
-            </a:schemeClr>
-          </a:lnRef>
-          <a:fillRef idx="1">
-            <a:schemeClr val="accent1"/>
-          </a:fillRef>
-          <a:effectRef idx="0">
-            <a:schemeClr val="accent1"/>
-          </a:effectRef>
-          <a:fontRef idx="minor">
-            <a:schemeClr val="lt1"/>
-          </a:fontRef>
-        </p:style>
-        <p:txBody>
-          <a:bodyPr rtlCol="0" anchor="ctr"/>
-          <a:lstStyle/>
-          <a:p>
-            <a:pPr algn="ctr"/>
-            <a:endParaRPr lang="en-US"/>
-          </a:p>
-        </p:txBody>
-      </p:sp>
-      <p:sp>
-        <p:nvSpPr>
-          <p:cNvPr id="13" name="Rectangle 12">
-            <a:extLst>
-              <a:ext uri="{FF2B5EF4-FFF2-40B4-BE49-F238E27FC236}">
-                <a16:creationId xmlns:a16="http://schemas.microsoft.com/office/drawing/2014/main" id="{AAD0DBB9-1A4B-4391-81D4-CB19F9AB918A}"/>
-              </a:ext>
-              <a:ext uri="{C183D7F6-B498-43B3-948B-1728B52AA6E4}">
-                <adec:decorative xmlns:adec="http://schemas.microsoft.com/office/drawing/2017/decorative" val="1"/>
-              </a:ext>
-            </a:extLst>
-          </p:cNvPr>
-          <p:cNvSpPr>
-            <a:spLocks noGrp="1" noRot="1" noChangeAspect="1" noMove="1" noResize="1" noEditPoints="1" noAdjustHandles="1" noChangeArrowheads="1" noChangeShapeType="1" noTextEdit="1"/>
-          </p:cNvSpPr>
-          <p:nvPr>
-            <p:extLst>
-              <p:ext uri="{386F3935-93C4-4BCD-93E2-E3B085C9AB24}">
-                <p16:designElem xmlns:p16="http://schemas.microsoft.com/office/powerpoint/2015/main" val="1"/>
-              </p:ext>
-            </p:extLst>
-          </p:nvPr>
-        </p:nvSpPr>
-        <p:spPr>
-          <a:xfrm rot="10800000" flipH="1">
-            <a:off x="8128857" y="0"/>
-            <a:ext cx="4063143" cy="1576412"/>
-          </a:xfrm>
-          <a:prstGeom prst="rect">
-            <a:avLst/>
-          </a:prstGeom>
-          <a:gradFill>
-            <a:gsLst>
-              <a:gs pos="19000">
-                <a:schemeClr val="accent1">
-                  <a:lumMod val="50000"/>
-                  <a:alpha val="68000"/>
-                </a:schemeClr>
-              </a:gs>
-              <a:gs pos="100000">
-                <a:schemeClr val="accent1">
-                  <a:alpha val="79000"/>
-                </a:schemeClr>
-              </a:gs>
-            </a:gsLst>
-            <a:lin ang="19200000" scaled="0"/>
-          </a:gradFill>
-          <a:ln>
-            <a:noFill/>
-          </a:ln>
-        </p:spPr>
-        <p:style>
-          <a:lnRef idx="2">
-            <a:schemeClr val="accent1">
-              <a:shade val="50000"/>
-            </a:schemeClr>
-          </a:lnRef>
-          <a:fillRef idx="1">
-            <a:schemeClr val="accent1"/>
-          </a:fillRef>
-          <a:effectRef idx="0">
-            <a:schemeClr val="accent1"/>
-          </a:effectRef>
-          <a:fontRef idx="minor">
-            <a:schemeClr val="lt1"/>
-          </a:fontRef>
-        </p:style>
-        <p:txBody>
-          <a:bodyPr rtlCol="0" anchor="ctr"/>
-          <a:lstStyle/>
-          <a:p>
-            <a:pPr algn="ctr"/>
-            <a:endParaRPr lang="en-US"/>
-          </a:p>
-        </p:txBody>
-      </p:sp>
-      <p:sp>
-        <p:nvSpPr>
-          <p:cNvPr id="15" name="Rectangle 14">
-            <a:extLst>
-              <a:ext uri="{FF2B5EF4-FFF2-40B4-BE49-F238E27FC236}">
-                <a16:creationId xmlns:a16="http://schemas.microsoft.com/office/drawing/2014/main" id="{063BBA22-50EA-4C4D-BE05-F1CE4E63AA56}"/>
-              </a:ext>
-              <a:ext uri="{C183D7F6-B498-43B3-948B-1728B52AA6E4}">
-                <adec:decorative xmlns:adec="http://schemas.microsoft.com/office/drawing/2017/decorative" val="1"/>
-              </a:ext>
-            </a:extLst>
-          </p:cNvPr>
-          <p:cNvSpPr>
-            <a:spLocks noGrp="1" noRot="1" noChangeAspect="1" noMove="1" noResize="1" noEditPoints="1" noAdjustHandles="1" noChangeArrowheads="1" noChangeShapeType="1" noTextEdit="1"/>
-          </p:cNvSpPr>
-          <p:nvPr>
-            <p:extLst>
-              <p:ext uri="{386F3935-93C4-4BCD-93E2-E3B085C9AB24}">
-                <p16:designElem xmlns:p16="http://schemas.microsoft.com/office/powerpoint/2015/main" val="1"/>
-              </p:ext>
-            </p:extLst>
-          </p:nvPr>
-        </p:nvSpPr>
-        <p:spPr>
-          <a:xfrm rot="5400000">
-            <a:off x="5307777" y="-5307778"/>
-            <a:ext cx="1576446" cy="12192002"/>
-          </a:xfrm>
-          <a:prstGeom prst="rect">
-            <a:avLst/>
-          </a:prstGeom>
-          <a:gradFill>
-            <a:gsLst>
-              <a:gs pos="23000">
-                <a:schemeClr val="accent1">
-                  <a:alpha val="0"/>
-                </a:schemeClr>
-              </a:gs>
-              <a:gs pos="99000">
-                <a:srgbClr val="000000">
-                  <a:alpha val="74000"/>
-                </a:srgbClr>
-              </a:gs>
-            </a:gsLst>
-            <a:lin ang="20400000" scaled="0"/>
-          </a:gradFill>
-          <a:ln>
-            <a:noFill/>
-          </a:ln>
-        </p:spPr>
-        <p:style>
-          <a:lnRef idx="2">
-            <a:schemeClr val="accent1">
-              <a:shade val="50000"/>
-            </a:schemeClr>
-          </a:lnRef>
-          <a:fillRef idx="1">
-            <a:schemeClr val="accent1"/>
-          </a:fillRef>
-          <a:effectRef idx="0">
-            <a:schemeClr val="accent1"/>
-          </a:effectRef>
-          <a:fontRef idx="minor">
-            <a:schemeClr val="lt1"/>
-          </a:fontRef>
-        </p:style>
-        <p:txBody>
-          <a:bodyPr rtlCol="0" anchor="ctr"/>
-          <a:lstStyle/>
-          <a:p>
-            <a:pPr algn="ctr"/>
-            <a:endParaRPr lang="en-US" dirty="0"/>
-          </a:p>
-        </p:txBody>
-      </p:sp>
-      <p:sp>
-        <p:nvSpPr>
-          <p:cNvPr id="2" name="Title 1">
-            <a:extLst>
-              <a:ext uri="{FF2B5EF4-FFF2-40B4-BE49-F238E27FC236}">
-                <a16:creationId xmlns:a16="http://schemas.microsoft.com/office/drawing/2014/main" id="{9925ABEB-B8C6-4CC7-8A23-A10364A90D08}"/>
-              </a:ext>
-            </a:extLst>
-          </p:cNvPr>
-          <p:cNvSpPr>
-            <a:spLocks noGrp="1"/>
-          </p:cNvSpPr>
-          <p:nvPr>
-            <p:ph type="title"/>
-          </p:nvPr>
-        </p:nvSpPr>
-        <p:spPr>
-          <a:xfrm>
-            <a:off x="1371597" y="348865"/>
-            <a:ext cx="10044023" cy="877729"/>
-          </a:xfrm>
-        </p:spPr>
-        <p:txBody>
-          <a:bodyPr anchor="ctr">
-            <a:normAutofit/>
-          </a:bodyPr>
-          <a:lstStyle/>
-          <a:p>
-            <a:pPr marL="0" marR="0">
-              <a:spcBef>
-                <a:spcPts val="0"/>
-              </a:spcBef>
-              <a:spcAft>
-                <a:spcPts val="800"/>
-              </a:spcAft>
-            </a:pPr>
-            <a:r>
-              <a:rPr lang="ar-KW" sz="4000" dirty="0">
-                <a:solidFill>
-                  <a:srgbClr val="FFFFFF"/>
-                </a:solidFill>
-                <a:effectLst/>
-                <a:latin typeface="Calibri" panose="020F0502020204030204" pitchFamily="34" charset="0"/>
-                <a:ea typeface="Calibri" panose="020F0502020204030204" pitchFamily="34" charset="0"/>
-                <a:cs typeface="Arial" panose="020B0604020202020204" pitchFamily="34" charset="0"/>
-              </a:rPr>
-              <a:t>المشاكل الحالية</a:t>
-            </a:r>
-            <a:endParaRPr lang="en-US" sz="4000" dirty="0">
-              <a:solidFill>
-                <a:srgbClr val="FFFFFF"/>
-              </a:solidFill>
-              <a:effectLst/>
-              <a:latin typeface="Calibri" panose="020F0502020204030204" pitchFamily="34" charset="0"/>
-              <a:ea typeface="Calibri" panose="020F0502020204030204" pitchFamily="34" charset="0"/>
-              <a:cs typeface="Arial" panose="020B0604020202020204" pitchFamily="34" charset="0"/>
-            </a:endParaRPr>
-          </a:p>
-        </p:txBody>
-      </p:sp>
-      <p:graphicFrame>
-        <p:nvGraphicFramePr>
-          <p:cNvPr id="5" name="Content Placeholder 2">
-            <a:extLst>
-              <a:ext uri="{FF2B5EF4-FFF2-40B4-BE49-F238E27FC236}">
-                <a16:creationId xmlns:a16="http://schemas.microsoft.com/office/drawing/2014/main" id="{5E8B2A4C-4543-25F7-2F5D-67AD4499392C}"/>
-              </a:ext>
-            </a:extLst>
-          </p:cNvPr>
-          <p:cNvGraphicFramePr>
-            <a:graphicFrameLocks noGrp="1"/>
-          </p:cNvGraphicFramePr>
-          <p:nvPr>
-            <p:ph idx="1"/>
-            <p:extLst>
-              <p:ext uri="{D42A27DB-BD31-4B8C-83A1-F6EECF244321}">
-                <p14:modId xmlns:p14="http://schemas.microsoft.com/office/powerpoint/2010/main" val="4047471720"/>
-              </p:ext>
-            </p:extLst>
-          </p:nvPr>
-        </p:nvGraphicFramePr>
-        <p:xfrm>
-          <a:off x="644056" y="2112579"/>
-          <a:ext cx="10927829" cy="4192805"/>
-        </p:xfrm>
-        <a:graphic>
-          <a:graphicData uri="http://schemas.openxmlformats.org/drawingml/2006/diagram">
-            <dgm:relIds xmlns:dgm="http://schemas.openxmlformats.org/drawingml/2006/diagram" xmlns:r="http://schemas.openxmlformats.org/officeDocument/2006/relationships" r:dm="rId2" r:lo="rId3" r:qs="rId4" r:cs="rId5"/>
-          </a:graphicData>
-        </a:graphic>
-      </p:graphicFrame>
-    </p:spTree>
-    <p:extLst>
-      <p:ext uri="{BB962C8B-B14F-4D97-AF65-F5344CB8AC3E}">
-        <p14:creationId xmlns:p14="http://schemas.microsoft.com/office/powerpoint/2010/main" val="1069822785"/>
-      </p:ext>
-    </p:extLst>
-  </p:cSld>
-  <p:clrMapOvr>
-    <a:masterClrMapping/>
-  </p:clrMapOvr>
-</p:sld>
-</file>
-
-<file path=ppt/slides/slide8.xml><?xml version="1.0" encoding="utf-8"?>
+<file path=ppt/slides/slide10.xml><?xml version="1.0" encoding="utf-8"?>
 <p:sld xmlns:a="http://schemas.openxmlformats.org/drawingml/2006/main" xmlns:r="http://schemas.openxmlformats.org/officeDocument/2006/relationships" xmlns:p="http://schemas.openxmlformats.org/presentationml/2006/main">
   <p:cSld>
     <p:bg>
@@ -11191,6 +9721,2569 @@
     <p:extLst>
       <p:ext uri="{BB962C8B-B14F-4D97-AF65-F5344CB8AC3E}">
         <p14:creationId xmlns:p14="http://schemas.microsoft.com/office/powerpoint/2010/main" val="2800781779"/>
+      </p:ext>
+    </p:extLst>
+  </p:cSld>
+  <p:clrMapOvr>
+    <a:masterClrMapping/>
+  </p:clrMapOvr>
+</p:sld>
+</file>
+
+<file path=ppt/slides/slide2.xml><?xml version="1.0" encoding="utf-8"?>
+<p:sld xmlns:a="http://schemas.openxmlformats.org/drawingml/2006/main" xmlns:r="http://schemas.openxmlformats.org/officeDocument/2006/relationships" xmlns:p="http://schemas.openxmlformats.org/presentationml/2006/main">
+  <p:cSld>
+    <p:bg>
+      <p:bgPr>
+        <a:solidFill>
+          <a:schemeClr val="bg1"/>
+        </a:solidFill>
+        <a:effectLst/>
+      </p:bgPr>
+    </p:bg>
+    <p:spTree>
+      <p:nvGrpSpPr>
+        <p:cNvPr id="1" name=""/>
+        <p:cNvGrpSpPr/>
+        <p:nvPr/>
+      </p:nvGrpSpPr>
+      <p:grpSpPr>
+        <a:xfrm>
+          <a:off x="0" y="0"/>
+          <a:ext cx="0" cy="0"/>
+          <a:chOff x="0" y="0"/>
+          <a:chExt cx="0" cy="0"/>
+        </a:xfrm>
+      </p:grpSpPr>
+      <p:sp useBgFill="1">
+        <p:nvSpPr>
+          <p:cNvPr id="8" name="Rectangle 7">
+            <a:extLst>
+              <a:ext uri="{FF2B5EF4-FFF2-40B4-BE49-F238E27FC236}">
+                <a16:creationId xmlns:a16="http://schemas.microsoft.com/office/drawing/2014/main" id="{100EDD19-6802-4EC3-95CE-CFFAB042CFD6}"/>
+              </a:ext>
+              <a:ext uri="{C183D7F6-B498-43B3-948B-1728B52AA6E4}">
+                <adec:decorative xmlns:adec="http://schemas.microsoft.com/office/drawing/2017/decorative" val="1"/>
+              </a:ext>
+            </a:extLst>
+          </p:cNvPr>
+          <p:cNvSpPr>
+            <a:spLocks noGrp="1" noRot="1" noChangeAspect="1" noMove="1" noResize="1" noEditPoints="1" noAdjustHandles="1" noChangeArrowheads="1" noChangeShapeType="1" noTextEdit="1"/>
+          </p:cNvSpPr>
+          <p:nvPr>
+            <p:extLst>
+              <p:ext uri="{386F3935-93C4-4BCD-93E2-E3B085C9AB24}">
+                <p16:designElem xmlns:p16="http://schemas.microsoft.com/office/powerpoint/2015/main" val="1"/>
+              </p:ext>
+            </p:extLst>
+          </p:nvPr>
+        </p:nvSpPr>
+        <p:spPr>
+          <a:xfrm>
+            <a:off x="0" y="0"/>
+            <a:ext cx="12188952" cy="6858000"/>
+          </a:xfrm>
+          <a:prstGeom prst="rect">
+            <a:avLst/>
+          </a:prstGeom>
+          <a:ln>
+            <a:noFill/>
+          </a:ln>
+        </p:spPr>
+        <p:style>
+          <a:lnRef idx="2">
+            <a:schemeClr val="accent1">
+              <a:shade val="50000"/>
+            </a:schemeClr>
+          </a:lnRef>
+          <a:fillRef idx="1">
+            <a:schemeClr val="accent1"/>
+          </a:fillRef>
+          <a:effectRef idx="0">
+            <a:schemeClr val="accent1"/>
+          </a:effectRef>
+          <a:fontRef idx="minor">
+            <a:schemeClr val="lt1"/>
+          </a:fontRef>
+        </p:style>
+        <p:txBody>
+          <a:bodyPr rtlCol="0" anchor="ctr"/>
+          <a:lstStyle/>
+          <a:p>
+            <a:pPr algn="ctr"/>
+            <a:endParaRPr lang="en-US"/>
+          </a:p>
+        </p:txBody>
+      </p:sp>
+      <p:sp>
+        <p:nvSpPr>
+          <p:cNvPr id="2" name="Title 1">
+            <a:extLst>
+              <a:ext uri="{FF2B5EF4-FFF2-40B4-BE49-F238E27FC236}">
+                <a16:creationId xmlns:a16="http://schemas.microsoft.com/office/drawing/2014/main" id="{D6C27C0B-841B-6B4C-A088-FD59521986B7}"/>
+              </a:ext>
+            </a:extLst>
+          </p:cNvPr>
+          <p:cNvSpPr>
+            <a:spLocks noGrp="1"/>
+          </p:cNvSpPr>
+          <p:nvPr>
+            <p:ph type="title"/>
+          </p:nvPr>
+        </p:nvSpPr>
+        <p:spPr>
+          <a:xfrm>
+            <a:off x="838200" y="365125"/>
+            <a:ext cx="10515600" cy="1325563"/>
+          </a:xfrm>
+        </p:spPr>
+        <p:txBody>
+          <a:bodyPr>
+            <a:normAutofit/>
+          </a:bodyPr>
+          <a:lstStyle/>
+          <a:p>
+            <a:r>
+              <a:rPr lang="ar-AE" sz="5400"/>
+              <a:t>المقدمة</a:t>
+            </a:r>
+            <a:endParaRPr lang="en-US" sz="5400"/>
+          </a:p>
+        </p:txBody>
+      </p:sp>
+      <p:sp>
+        <p:nvSpPr>
+          <p:cNvPr id="10" name="sketch line">
+            <a:extLst>
+              <a:ext uri="{FF2B5EF4-FFF2-40B4-BE49-F238E27FC236}">
+                <a16:creationId xmlns:a16="http://schemas.microsoft.com/office/drawing/2014/main" id="{DB17E863-922E-4C26-BD64-E8FD41D28661}"/>
+              </a:ext>
+              <a:ext uri="{C183D7F6-B498-43B3-948B-1728B52AA6E4}">
+                <adec:decorative xmlns:adec="http://schemas.microsoft.com/office/drawing/2017/decorative" val="1"/>
+              </a:ext>
+            </a:extLst>
+          </p:cNvPr>
+          <p:cNvSpPr>
+            <a:spLocks noGrp="1" noRot="1" noChangeAspect="1" noMove="1" noResize="1" noEditPoints="1" noAdjustHandles="1" noChangeArrowheads="1" noChangeShapeType="1" noTextEdit="1"/>
+          </p:cNvSpPr>
+          <p:nvPr>
+            <p:extLst>
+              <p:ext uri="{386F3935-93C4-4BCD-93E2-E3B085C9AB24}">
+                <p16:designElem xmlns:p16="http://schemas.microsoft.com/office/powerpoint/2015/main" val="1"/>
+              </p:ext>
+            </p:extLst>
+          </p:nvPr>
+        </p:nvSpPr>
+        <p:spPr>
+          <a:xfrm>
+            <a:off x="669036" y="1677373"/>
+            <a:ext cx="10853928" cy="18288"/>
+          </a:xfrm>
+          <a:custGeom>
+            <a:avLst/>
+            <a:gdLst>
+              <a:gd name="connsiteX0" fmla="*/ 0 w 10853928"/>
+              <a:gd name="connsiteY0" fmla="*/ 0 h 18288"/>
+              <a:gd name="connsiteX1" fmla="*/ 461292 w 10853928"/>
+              <a:gd name="connsiteY1" fmla="*/ 0 h 18288"/>
+              <a:gd name="connsiteX2" fmla="*/ 1139662 w 10853928"/>
+              <a:gd name="connsiteY2" fmla="*/ 0 h 18288"/>
+              <a:gd name="connsiteX3" fmla="*/ 1926572 w 10853928"/>
+              <a:gd name="connsiteY3" fmla="*/ 0 h 18288"/>
+              <a:gd name="connsiteX4" fmla="*/ 2279325 w 10853928"/>
+              <a:gd name="connsiteY4" fmla="*/ 0 h 18288"/>
+              <a:gd name="connsiteX5" fmla="*/ 2632078 w 10853928"/>
+              <a:gd name="connsiteY5" fmla="*/ 0 h 18288"/>
+              <a:gd name="connsiteX6" fmla="*/ 3527527 w 10853928"/>
+              <a:gd name="connsiteY6" fmla="*/ 0 h 18288"/>
+              <a:gd name="connsiteX7" fmla="*/ 4205897 w 10853928"/>
+              <a:gd name="connsiteY7" fmla="*/ 0 h 18288"/>
+              <a:gd name="connsiteX8" fmla="*/ 4558650 w 10853928"/>
+              <a:gd name="connsiteY8" fmla="*/ 0 h 18288"/>
+              <a:gd name="connsiteX9" fmla="*/ 5237020 w 10853928"/>
+              <a:gd name="connsiteY9" fmla="*/ 0 h 18288"/>
+              <a:gd name="connsiteX10" fmla="*/ 6132469 w 10853928"/>
+              <a:gd name="connsiteY10" fmla="*/ 0 h 18288"/>
+              <a:gd name="connsiteX11" fmla="*/ 6702301 w 10853928"/>
+              <a:gd name="connsiteY11" fmla="*/ 0 h 18288"/>
+              <a:gd name="connsiteX12" fmla="*/ 7272132 w 10853928"/>
+              <a:gd name="connsiteY12" fmla="*/ 0 h 18288"/>
+              <a:gd name="connsiteX13" fmla="*/ 7950502 w 10853928"/>
+              <a:gd name="connsiteY13" fmla="*/ 0 h 18288"/>
+              <a:gd name="connsiteX14" fmla="*/ 8737412 w 10853928"/>
+              <a:gd name="connsiteY14" fmla="*/ 0 h 18288"/>
+              <a:gd name="connsiteX15" fmla="*/ 9524322 w 10853928"/>
+              <a:gd name="connsiteY15" fmla="*/ 0 h 18288"/>
+              <a:gd name="connsiteX16" fmla="*/ 10853928 w 10853928"/>
+              <a:gd name="connsiteY16" fmla="*/ 0 h 18288"/>
+              <a:gd name="connsiteX17" fmla="*/ 10853928 w 10853928"/>
+              <a:gd name="connsiteY17" fmla="*/ 18288 h 18288"/>
+              <a:gd name="connsiteX18" fmla="*/ 10392636 w 10853928"/>
+              <a:gd name="connsiteY18" fmla="*/ 18288 h 18288"/>
+              <a:gd name="connsiteX19" fmla="*/ 9497187 w 10853928"/>
+              <a:gd name="connsiteY19" fmla="*/ 18288 h 18288"/>
+              <a:gd name="connsiteX20" fmla="*/ 8818817 w 10853928"/>
+              <a:gd name="connsiteY20" fmla="*/ 18288 h 18288"/>
+              <a:gd name="connsiteX21" fmla="*/ 8466064 w 10853928"/>
+              <a:gd name="connsiteY21" fmla="*/ 18288 h 18288"/>
+              <a:gd name="connsiteX22" fmla="*/ 7787693 w 10853928"/>
+              <a:gd name="connsiteY22" fmla="*/ 18288 h 18288"/>
+              <a:gd name="connsiteX23" fmla="*/ 7217862 w 10853928"/>
+              <a:gd name="connsiteY23" fmla="*/ 18288 h 18288"/>
+              <a:gd name="connsiteX24" fmla="*/ 6648031 w 10853928"/>
+              <a:gd name="connsiteY24" fmla="*/ 18288 h 18288"/>
+              <a:gd name="connsiteX25" fmla="*/ 6078200 w 10853928"/>
+              <a:gd name="connsiteY25" fmla="*/ 18288 h 18288"/>
+              <a:gd name="connsiteX26" fmla="*/ 5508368 w 10853928"/>
+              <a:gd name="connsiteY26" fmla="*/ 18288 h 18288"/>
+              <a:gd name="connsiteX27" fmla="*/ 4721459 w 10853928"/>
+              <a:gd name="connsiteY27" fmla="*/ 18288 h 18288"/>
+              <a:gd name="connsiteX28" fmla="*/ 4043088 w 10853928"/>
+              <a:gd name="connsiteY28" fmla="*/ 18288 h 18288"/>
+              <a:gd name="connsiteX29" fmla="*/ 3690336 w 10853928"/>
+              <a:gd name="connsiteY29" fmla="*/ 18288 h 18288"/>
+              <a:gd name="connsiteX30" fmla="*/ 3120504 w 10853928"/>
+              <a:gd name="connsiteY30" fmla="*/ 18288 h 18288"/>
+              <a:gd name="connsiteX31" fmla="*/ 2333595 w 10853928"/>
+              <a:gd name="connsiteY31" fmla="*/ 18288 h 18288"/>
+              <a:gd name="connsiteX32" fmla="*/ 1872303 w 10853928"/>
+              <a:gd name="connsiteY32" fmla="*/ 18288 h 18288"/>
+              <a:gd name="connsiteX33" fmla="*/ 976854 w 10853928"/>
+              <a:gd name="connsiteY33" fmla="*/ 18288 h 18288"/>
+              <a:gd name="connsiteX34" fmla="*/ 0 w 10853928"/>
+              <a:gd name="connsiteY34" fmla="*/ 18288 h 18288"/>
+              <a:gd name="connsiteX35" fmla="*/ 0 w 10853928"/>
+              <a:gd name="connsiteY35" fmla="*/ 0 h 18288"/>
+            </a:gdLst>
+            <a:ahLst/>
+            <a:cxnLst>
+              <a:cxn ang="0">
+                <a:pos x="connsiteX0" y="connsiteY0"/>
+              </a:cxn>
+              <a:cxn ang="0">
+                <a:pos x="connsiteX1" y="connsiteY1"/>
+              </a:cxn>
+              <a:cxn ang="0">
+                <a:pos x="connsiteX2" y="connsiteY2"/>
+              </a:cxn>
+              <a:cxn ang="0">
+                <a:pos x="connsiteX3" y="connsiteY3"/>
+              </a:cxn>
+              <a:cxn ang="0">
+                <a:pos x="connsiteX4" y="connsiteY4"/>
+              </a:cxn>
+              <a:cxn ang="0">
+                <a:pos x="connsiteX5" y="connsiteY5"/>
+              </a:cxn>
+              <a:cxn ang="0">
+                <a:pos x="connsiteX6" y="connsiteY6"/>
+              </a:cxn>
+              <a:cxn ang="0">
+                <a:pos x="connsiteX7" y="connsiteY7"/>
+              </a:cxn>
+              <a:cxn ang="0">
+                <a:pos x="connsiteX8" y="connsiteY8"/>
+              </a:cxn>
+              <a:cxn ang="0">
+                <a:pos x="connsiteX9" y="connsiteY9"/>
+              </a:cxn>
+              <a:cxn ang="0">
+                <a:pos x="connsiteX10" y="connsiteY10"/>
+              </a:cxn>
+              <a:cxn ang="0">
+                <a:pos x="connsiteX11" y="connsiteY11"/>
+              </a:cxn>
+              <a:cxn ang="0">
+                <a:pos x="connsiteX12" y="connsiteY12"/>
+              </a:cxn>
+              <a:cxn ang="0">
+                <a:pos x="connsiteX13" y="connsiteY13"/>
+              </a:cxn>
+              <a:cxn ang="0">
+                <a:pos x="connsiteX14" y="connsiteY14"/>
+              </a:cxn>
+              <a:cxn ang="0">
+                <a:pos x="connsiteX15" y="connsiteY15"/>
+              </a:cxn>
+              <a:cxn ang="0">
+                <a:pos x="connsiteX16" y="connsiteY16"/>
+              </a:cxn>
+              <a:cxn ang="0">
+                <a:pos x="connsiteX17" y="connsiteY17"/>
+              </a:cxn>
+              <a:cxn ang="0">
+                <a:pos x="connsiteX18" y="connsiteY18"/>
+              </a:cxn>
+              <a:cxn ang="0">
+                <a:pos x="connsiteX19" y="connsiteY19"/>
+              </a:cxn>
+              <a:cxn ang="0">
+                <a:pos x="connsiteX20" y="connsiteY20"/>
+              </a:cxn>
+              <a:cxn ang="0">
+                <a:pos x="connsiteX21" y="connsiteY21"/>
+              </a:cxn>
+              <a:cxn ang="0">
+                <a:pos x="connsiteX22" y="connsiteY22"/>
+              </a:cxn>
+              <a:cxn ang="0">
+                <a:pos x="connsiteX23" y="connsiteY23"/>
+              </a:cxn>
+              <a:cxn ang="0">
+                <a:pos x="connsiteX24" y="connsiteY24"/>
+              </a:cxn>
+              <a:cxn ang="0">
+                <a:pos x="connsiteX25" y="connsiteY25"/>
+              </a:cxn>
+              <a:cxn ang="0">
+                <a:pos x="connsiteX26" y="connsiteY26"/>
+              </a:cxn>
+              <a:cxn ang="0">
+                <a:pos x="connsiteX27" y="connsiteY27"/>
+              </a:cxn>
+              <a:cxn ang="0">
+                <a:pos x="connsiteX28" y="connsiteY28"/>
+              </a:cxn>
+              <a:cxn ang="0">
+                <a:pos x="connsiteX29" y="connsiteY29"/>
+              </a:cxn>
+              <a:cxn ang="0">
+                <a:pos x="connsiteX30" y="connsiteY30"/>
+              </a:cxn>
+              <a:cxn ang="0">
+                <a:pos x="connsiteX31" y="connsiteY31"/>
+              </a:cxn>
+              <a:cxn ang="0">
+                <a:pos x="connsiteX32" y="connsiteY32"/>
+              </a:cxn>
+              <a:cxn ang="0">
+                <a:pos x="connsiteX33" y="connsiteY33"/>
+              </a:cxn>
+              <a:cxn ang="0">
+                <a:pos x="connsiteX34" y="connsiteY34"/>
+              </a:cxn>
+              <a:cxn ang="0">
+                <a:pos x="connsiteX35" y="connsiteY35"/>
+              </a:cxn>
+            </a:cxnLst>
+            <a:rect l="l" t="t" r="r" b="b"/>
+            <a:pathLst>
+              <a:path w="10853928" h="18288" fill="none" extrusionOk="0">
+                <a:moveTo>
+                  <a:pt x="0" y="0"/>
+                </a:moveTo>
+                <a:cubicBezTo>
+                  <a:pt x="146993" y="-19076"/>
+                  <a:pt x="347684" y="-4790"/>
+                  <a:pt x="461292" y="0"/>
+                </a:cubicBezTo>
+                <a:cubicBezTo>
+                  <a:pt x="574900" y="4790"/>
+                  <a:pt x="808367" y="19821"/>
+                  <a:pt x="1139662" y="0"/>
+                </a:cubicBezTo>
+                <a:cubicBezTo>
+                  <a:pt x="1470957" y="-19821"/>
+                  <a:pt x="1627405" y="5721"/>
+                  <a:pt x="1926572" y="0"/>
+                </a:cubicBezTo>
+                <a:cubicBezTo>
+                  <a:pt x="2225739" y="-5721"/>
+                  <a:pt x="2137730" y="-3235"/>
+                  <a:pt x="2279325" y="0"/>
+                </a:cubicBezTo>
+                <a:cubicBezTo>
+                  <a:pt x="2420920" y="3235"/>
+                  <a:pt x="2456518" y="9685"/>
+                  <a:pt x="2632078" y="0"/>
+                </a:cubicBezTo>
+                <a:cubicBezTo>
+                  <a:pt x="2807638" y="-9685"/>
+                  <a:pt x="3211516" y="-43007"/>
+                  <a:pt x="3527527" y="0"/>
+                </a:cubicBezTo>
+                <a:cubicBezTo>
+                  <a:pt x="3843538" y="43007"/>
+                  <a:pt x="4058833" y="22042"/>
+                  <a:pt x="4205897" y="0"/>
+                </a:cubicBezTo>
+                <a:cubicBezTo>
+                  <a:pt x="4352961" y="-22042"/>
+                  <a:pt x="4474805" y="-11846"/>
+                  <a:pt x="4558650" y="0"/>
+                </a:cubicBezTo>
+                <a:cubicBezTo>
+                  <a:pt x="4642495" y="11846"/>
+                  <a:pt x="5041928" y="-6069"/>
+                  <a:pt x="5237020" y="0"/>
+                </a:cubicBezTo>
+                <a:cubicBezTo>
+                  <a:pt x="5432112" y="6069"/>
+                  <a:pt x="5943266" y="-17479"/>
+                  <a:pt x="6132469" y="0"/>
+                </a:cubicBezTo>
+                <a:cubicBezTo>
+                  <a:pt x="6321672" y="17479"/>
+                  <a:pt x="6483872" y="26234"/>
+                  <a:pt x="6702301" y="0"/>
+                </a:cubicBezTo>
+                <a:cubicBezTo>
+                  <a:pt x="6920730" y="-26234"/>
+                  <a:pt x="6991194" y="-15156"/>
+                  <a:pt x="7272132" y="0"/>
+                </a:cubicBezTo>
+                <a:cubicBezTo>
+                  <a:pt x="7553070" y="15156"/>
+                  <a:pt x="7684444" y="-32961"/>
+                  <a:pt x="7950502" y="0"/>
+                </a:cubicBezTo>
+                <a:cubicBezTo>
+                  <a:pt x="8216560" y="32961"/>
+                  <a:pt x="8493290" y="-10491"/>
+                  <a:pt x="8737412" y="0"/>
+                </a:cubicBezTo>
+                <a:cubicBezTo>
+                  <a:pt x="8981534" y="10491"/>
+                  <a:pt x="9191586" y="-13899"/>
+                  <a:pt x="9524322" y="0"/>
+                </a:cubicBezTo>
+                <a:cubicBezTo>
+                  <a:pt x="9857058" y="13899"/>
+                  <a:pt x="10297509" y="7485"/>
+                  <a:pt x="10853928" y="0"/>
+                </a:cubicBezTo>
+                <a:cubicBezTo>
+                  <a:pt x="10854574" y="4451"/>
+                  <a:pt x="10854418" y="9226"/>
+                  <a:pt x="10853928" y="18288"/>
+                </a:cubicBezTo>
+                <a:cubicBezTo>
+                  <a:pt x="10691638" y="28522"/>
+                  <a:pt x="10574319" y="29578"/>
+                  <a:pt x="10392636" y="18288"/>
+                </a:cubicBezTo>
+                <a:cubicBezTo>
+                  <a:pt x="10210953" y="6998"/>
+                  <a:pt x="9836277" y="-16742"/>
+                  <a:pt x="9497187" y="18288"/>
+                </a:cubicBezTo>
+                <a:cubicBezTo>
+                  <a:pt x="9158097" y="53318"/>
+                  <a:pt x="9119479" y="30714"/>
+                  <a:pt x="8818817" y="18288"/>
+                </a:cubicBezTo>
+                <a:cubicBezTo>
+                  <a:pt x="8518155" y="5863"/>
+                  <a:pt x="8640037" y="6483"/>
+                  <a:pt x="8466064" y="18288"/>
+                </a:cubicBezTo>
+                <a:cubicBezTo>
+                  <a:pt x="8292091" y="30093"/>
+                  <a:pt x="7997656" y="18914"/>
+                  <a:pt x="7787693" y="18288"/>
+                </a:cubicBezTo>
+                <a:cubicBezTo>
+                  <a:pt x="7577730" y="17662"/>
+                  <a:pt x="7412468" y="21416"/>
+                  <a:pt x="7217862" y="18288"/>
+                </a:cubicBezTo>
+                <a:cubicBezTo>
+                  <a:pt x="7023256" y="15160"/>
+                  <a:pt x="6898018" y="14824"/>
+                  <a:pt x="6648031" y="18288"/>
+                </a:cubicBezTo>
+                <a:cubicBezTo>
+                  <a:pt x="6398044" y="21752"/>
+                  <a:pt x="6254402" y="38625"/>
+                  <a:pt x="6078200" y="18288"/>
+                </a:cubicBezTo>
+                <a:cubicBezTo>
+                  <a:pt x="5901998" y="-2049"/>
+                  <a:pt x="5622886" y="3213"/>
+                  <a:pt x="5508368" y="18288"/>
+                </a:cubicBezTo>
+                <a:cubicBezTo>
+                  <a:pt x="5393850" y="33363"/>
+                  <a:pt x="5036260" y="26830"/>
+                  <a:pt x="4721459" y="18288"/>
+                </a:cubicBezTo>
+                <a:cubicBezTo>
+                  <a:pt x="4406658" y="9746"/>
+                  <a:pt x="4239221" y="41551"/>
+                  <a:pt x="4043088" y="18288"/>
+                </a:cubicBezTo>
+                <a:cubicBezTo>
+                  <a:pt x="3846955" y="-4975"/>
+                  <a:pt x="3818802" y="34658"/>
+                  <a:pt x="3690336" y="18288"/>
+                </a:cubicBezTo>
+                <a:cubicBezTo>
+                  <a:pt x="3561870" y="1918"/>
+                  <a:pt x="3265491" y="42194"/>
+                  <a:pt x="3120504" y="18288"/>
+                </a:cubicBezTo>
+                <a:cubicBezTo>
+                  <a:pt x="2975517" y="-5618"/>
+                  <a:pt x="2720254" y="36673"/>
+                  <a:pt x="2333595" y="18288"/>
+                </a:cubicBezTo>
+                <a:cubicBezTo>
+                  <a:pt x="1946936" y="-97"/>
+                  <a:pt x="2097241" y="5776"/>
+                  <a:pt x="1872303" y="18288"/>
+                </a:cubicBezTo>
+                <a:cubicBezTo>
+                  <a:pt x="1647365" y="30800"/>
+                  <a:pt x="1282708" y="45380"/>
+                  <a:pt x="976854" y="18288"/>
+                </a:cubicBezTo>
+                <a:cubicBezTo>
+                  <a:pt x="671000" y="-8804"/>
+                  <a:pt x="408401" y="-12775"/>
+                  <a:pt x="0" y="18288"/>
+                </a:cubicBezTo>
+                <a:cubicBezTo>
+                  <a:pt x="-213" y="9468"/>
+                  <a:pt x="187" y="4459"/>
+                  <a:pt x="0" y="0"/>
+                </a:cubicBezTo>
+                <a:close/>
+              </a:path>
+              <a:path w="10853928" h="18288" stroke="0" extrusionOk="0">
+                <a:moveTo>
+                  <a:pt x="0" y="0"/>
+                </a:moveTo>
+                <a:cubicBezTo>
+                  <a:pt x="267322" y="15284"/>
+                  <a:pt x="415388" y="-21048"/>
+                  <a:pt x="569831" y="0"/>
+                </a:cubicBezTo>
+                <a:cubicBezTo>
+                  <a:pt x="724274" y="21048"/>
+                  <a:pt x="769333" y="-2353"/>
+                  <a:pt x="922584" y="0"/>
+                </a:cubicBezTo>
+                <a:cubicBezTo>
+                  <a:pt x="1075835" y="2353"/>
+                  <a:pt x="1399490" y="-145"/>
+                  <a:pt x="1818033" y="0"/>
+                </a:cubicBezTo>
+                <a:cubicBezTo>
+                  <a:pt x="2236576" y="145"/>
+                  <a:pt x="2145330" y="5482"/>
+                  <a:pt x="2387864" y="0"/>
+                </a:cubicBezTo>
+                <a:cubicBezTo>
+                  <a:pt x="2630398" y="-5482"/>
+                  <a:pt x="2793207" y="18487"/>
+                  <a:pt x="2957695" y="0"/>
+                </a:cubicBezTo>
+                <a:cubicBezTo>
+                  <a:pt x="3122183" y="-18487"/>
+                  <a:pt x="3579141" y="19003"/>
+                  <a:pt x="3853144" y="0"/>
+                </a:cubicBezTo>
+                <a:cubicBezTo>
+                  <a:pt x="4127147" y="-19003"/>
+                  <a:pt x="4209857" y="12211"/>
+                  <a:pt x="4314436" y="0"/>
+                </a:cubicBezTo>
+                <a:cubicBezTo>
+                  <a:pt x="4419015" y="-12211"/>
+                  <a:pt x="4762459" y="-17220"/>
+                  <a:pt x="5209885" y="0"/>
+                </a:cubicBezTo>
+                <a:cubicBezTo>
+                  <a:pt x="5657311" y="17220"/>
+                  <a:pt x="5692663" y="-3290"/>
+                  <a:pt x="6105335" y="0"/>
+                </a:cubicBezTo>
+                <a:cubicBezTo>
+                  <a:pt x="6518007" y="3290"/>
+                  <a:pt x="6455516" y="-5124"/>
+                  <a:pt x="6783705" y="0"/>
+                </a:cubicBezTo>
+                <a:cubicBezTo>
+                  <a:pt x="7111894" y="5124"/>
+                  <a:pt x="7441941" y="-17829"/>
+                  <a:pt x="7679154" y="0"/>
+                </a:cubicBezTo>
+                <a:cubicBezTo>
+                  <a:pt x="7916367" y="17829"/>
+                  <a:pt x="8102967" y="-24363"/>
+                  <a:pt x="8248985" y="0"/>
+                </a:cubicBezTo>
+                <a:cubicBezTo>
+                  <a:pt x="8395003" y="24363"/>
+                  <a:pt x="8552393" y="25505"/>
+                  <a:pt x="8818817" y="0"/>
+                </a:cubicBezTo>
+                <a:cubicBezTo>
+                  <a:pt x="9085241" y="-25505"/>
+                  <a:pt x="9411308" y="38000"/>
+                  <a:pt x="9605726" y="0"/>
+                </a:cubicBezTo>
+                <a:cubicBezTo>
+                  <a:pt x="9800144" y="-38000"/>
+                  <a:pt x="10006468" y="-25741"/>
+                  <a:pt x="10175558" y="0"/>
+                </a:cubicBezTo>
+                <a:cubicBezTo>
+                  <a:pt x="10344648" y="25741"/>
+                  <a:pt x="10696282" y="695"/>
+                  <a:pt x="10853928" y="0"/>
+                </a:cubicBezTo>
+                <a:cubicBezTo>
+                  <a:pt x="10853521" y="8690"/>
+                  <a:pt x="10853774" y="14141"/>
+                  <a:pt x="10853928" y="18288"/>
+                </a:cubicBezTo>
+                <a:cubicBezTo>
+                  <a:pt x="10608124" y="24255"/>
+                  <a:pt x="10343415" y="22307"/>
+                  <a:pt x="10067018" y="18288"/>
+                </a:cubicBezTo>
+                <a:cubicBezTo>
+                  <a:pt x="9790621" y="14270"/>
+                  <a:pt x="9843266" y="3564"/>
+                  <a:pt x="9714266" y="18288"/>
+                </a:cubicBezTo>
+                <a:cubicBezTo>
+                  <a:pt x="9585266" y="33012"/>
+                  <a:pt x="9379484" y="1875"/>
+                  <a:pt x="9252974" y="18288"/>
+                </a:cubicBezTo>
+                <a:cubicBezTo>
+                  <a:pt x="9126464" y="34701"/>
+                  <a:pt x="8580678" y="-4904"/>
+                  <a:pt x="8357525" y="18288"/>
+                </a:cubicBezTo>
+                <a:cubicBezTo>
+                  <a:pt x="8134372" y="41480"/>
+                  <a:pt x="7903199" y="26458"/>
+                  <a:pt x="7679154" y="18288"/>
+                </a:cubicBezTo>
+                <a:cubicBezTo>
+                  <a:pt x="7455109" y="10118"/>
+                  <a:pt x="7435944" y="27109"/>
+                  <a:pt x="7217862" y="18288"/>
+                </a:cubicBezTo>
+                <a:cubicBezTo>
+                  <a:pt x="6999780" y="9467"/>
+                  <a:pt x="6680409" y="18985"/>
+                  <a:pt x="6539492" y="18288"/>
+                </a:cubicBezTo>
+                <a:cubicBezTo>
+                  <a:pt x="6398575" y="17592"/>
+                  <a:pt x="6312077" y="33018"/>
+                  <a:pt x="6186739" y="18288"/>
+                </a:cubicBezTo>
+                <a:cubicBezTo>
+                  <a:pt x="6061401" y="3558"/>
+                  <a:pt x="5947033" y="12075"/>
+                  <a:pt x="5833986" y="18288"/>
+                </a:cubicBezTo>
+                <a:cubicBezTo>
+                  <a:pt x="5720939" y="24501"/>
+                  <a:pt x="5482226" y="8586"/>
+                  <a:pt x="5155616" y="18288"/>
+                </a:cubicBezTo>
+                <a:cubicBezTo>
+                  <a:pt x="4829006" y="27991"/>
+                  <a:pt x="4841274" y="29316"/>
+                  <a:pt x="4694324" y="18288"/>
+                </a:cubicBezTo>
+                <a:cubicBezTo>
+                  <a:pt x="4547374" y="7260"/>
+                  <a:pt x="4077675" y="7013"/>
+                  <a:pt x="3907414" y="18288"/>
+                </a:cubicBezTo>
+                <a:cubicBezTo>
+                  <a:pt x="3737153" y="29564"/>
+                  <a:pt x="3538393" y="21630"/>
+                  <a:pt x="3446122" y="18288"/>
+                </a:cubicBezTo>
+                <a:cubicBezTo>
+                  <a:pt x="3353851" y="14946"/>
+                  <a:pt x="2990320" y="-8091"/>
+                  <a:pt x="2659212" y="18288"/>
+                </a:cubicBezTo>
+                <a:cubicBezTo>
+                  <a:pt x="2328104" y="44667"/>
+                  <a:pt x="2427653" y="9607"/>
+                  <a:pt x="2306460" y="18288"/>
+                </a:cubicBezTo>
+                <a:cubicBezTo>
+                  <a:pt x="2185267" y="26969"/>
+                  <a:pt x="1719763" y="3717"/>
+                  <a:pt x="1519550" y="18288"/>
+                </a:cubicBezTo>
+                <a:cubicBezTo>
+                  <a:pt x="1319337" y="32860"/>
+                  <a:pt x="1167371" y="17040"/>
+                  <a:pt x="1058258" y="18288"/>
+                </a:cubicBezTo>
+                <a:cubicBezTo>
+                  <a:pt x="949145" y="19536"/>
+                  <a:pt x="780234" y="31447"/>
+                  <a:pt x="705505" y="18288"/>
+                </a:cubicBezTo>
+                <a:cubicBezTo>
+                  <a:pt x="630776" y="5129"/>
+                  <a:pt x="215796" y="30056"/>
+                  <a:pt x="0" y="18288"/>
+                </a:cubicBezTo>
+                <a:cubicBezTo>
+                  <a:pt x="-53" y="11301"/>
+                  <a:pt x="-649" y="7756"/>
+                  <a:pt x="0" y="0"/>
+                </a:cubicBezTo>
+                <a:close/>
+              </a:path>
+            </a:pathLst>
+          </a:custGeom>
+          <a:solidFill>
+            <a:schemeClr val="accent2"/>
+          </a:solidFill>
+          <a:ln w="41275" cap="rnd">
+            <a:solidFill>
+              <a:schemeClr val="accent2"/>
+            </a:solidFill>
+            <a:round/>
+            <a:extLst>
+              <a:ext uri="{C807C97D-BFC1-408E-A445-0C87EB9F89A2}">
+                <ask:lineSketchStyleProps xmlns:ask="http://schemas.microsoft.com/office/drawing/2018/sketchyshapes" sd="1219033472">
+                  <a:prstGeom prst="rect">
+                    <a:avLst/>
+                  </a:prstGeom>
+                  <ask:type>
+                    <ask:lineSketchFreehand/>
+                  </ask:type>
+                </ask:lineSketchStyleProps>
+              </a:ext>
+            </a:extLst>
+          </a:ln>
+        </p:spPr>
+        <p:style>
+          <a:lnRef idx="2">
+            <a:schemeClr val="accent1">
+              <a:shade val="50000"/>
+            </a:schemeClr>
+          </a:lnRef>
+          <a:fillRef idx="1">
+            <a:schemeClr val="accent1"/>
+          </a:fillRef>
+          <a:effectRef idx="0">
+            <a:schemeClr val="accent1"/>
+          </a:effectRef>
+          <a:fontRef idx="minor">
+            <a:schemeClr val="lt1"/>
+          </a:fontRef>
+        </p:style>
+        <p:txBody>
+          <a:bodyPr rtlCol="0" anchor="ctr"/>
+          <a:lstStyle/>
+          <a:p>
+            <a:pPr algn="ctr"/>
+            <a:endParaRPr lang="en-US"/>
+          </a:p>
+        </p:txBody>
+      </p:sp>
+      <p:sp>
+        <p:nvSpPr>
+          <p:cNvPr id="3" name="Content Placeholder 2">
+            <a:extLst>
+              <a:ext uri="{FF2B5EF4-FFF2-40B4-BE49-F238E27FC236}">
+                <a16:creationId xmlns:a16="http://schemas.microsoft.com/office/drawing/2014/main" id="{DAE71DB3-7DFA-0144-B4BA-1E1A485C7D4C}"/>
+              </a:ext>
+            </a:extLst>
+          </p:cNvPr>
+          <p:cNvSpPr>
+            <a:spLocks noGrp="1"/>
+          </p:cNvSpPr>
+          <p:nvPr>
+            <p:ph idx="1"/>
+          </p:nvPr>
+        </p:nvSpPr>
+        <p:spPr>
+          <a:xfrm>
+            <a:off x="838200" y="1929384"/>
+            <a:ext cx="10515600" cy="4251960"/>
+          </a:xfrm>
+        </p:spPr>
+        <p:txBody>
+          <a:bodyPr>
+            <a:normAutofit/>
+          </a:bodyPr>
+          <a:lstStyle/>
+          <a:p>
+            <a:pPr marL="0" indent="0">
+              <a:buNone/>
+            </a:pPr>
+            <a:r>
+              <a:rPr lang="ar-AE" sz="2200"/>
+              <a:t>مهمة استطلاع البنية التحتية (الشبكة) من اول واهم المهام التي تساعد على فهم ومعرفة البيئة (منطقة العمليات) التي سوف يعمل بها فريق المهام، ولتسهيل عمل فريق الاستطلاع للقيام بأعماله ولضمان النتائج المرجوة، قام فريق التطوير والدعم الفني ببناء أداة استطلاع بنية تحتية لفحص الشبكة وجمع المعلومات ونقاط الضعف فيها ليتم بناء ادوات الاستغلال من قبلنا واستخدام هذه الادوات من قبل فريق المهام.</a:t>
+            </a:r>
+            <a:endParaRPr lang="en-US" sz="2200"/>
+          </a:p>
+        </p:txBody>
+      </p:sp>
+    </p:spTree>
+    <p:extLst>
+      <p:ext uri="{BB962C8B-B14F-4D97-AF65-F5344CB8AC3E}">
+        <p14:creationId xmlns:p14="http://schemas.microsoft.com/office/powerpoint/2010/main" val="1027436458"/>
+      </p:ext>
+    </p:extLst>
+  </p:cSld>
+  <p:clrMapOvr>
+    <a:masterClrMapping/>
+  </p:clrMapOvr>
+</p:sld>
+</file>
+
+<file path=ppt/slides/slide3.xml><?xml version="1.0" encoding="utf-8"?>
+<p:sld xmlns:a="http://schemas.openxmlformats.org/drawingml/2006/main" xmlns:r="http://schemas.openxmlformats.org/officeDocument/2006/relationships" xmlns:p="http://schemas.openxmlformats.org/presentationml/2006/main">
+  <p:cSld>
+    <p:spTree>
+      <p:nvGrpSpPr>
+        <p:cNvPr id="1" name=""/>
+        <p:cNvGrpSpPr/>
+        <p:nvPr/>
+      </p:nvGrpSpPr>
+      <p:grpSpPr>
+        <a:xfrm>
+          <a:off x="0" y="0"/>
+          <a:ext cx="0" cy="0"/>
+          <a:chOff x="0" y="0"/>
+          <a:chExt cx="0" cy="0"/>
+        </a:xfrm>
+      </p:grpSpPr>
+      <p:sp>
+        <p:nvSpPr>
+          <p:cNvPr id="2" name="Title 1">
+            <a:extLst>
+              <a:ext uri="{FF2B5EF4-FFF2-40B4-BE49-F238E27FC236}">
+                <a16:creationId xmlns:a16="http://schemas.microsoft.com/office/drawing/2014/main" id="{3D1FDDDB-920A-1144-9B31-FB932661746F}"/>
+              </a:ext>
+            </a:extLst>
+          </p:cNvPr>
+          <p:cNvSpPr>
+            <a:spLocks noGrp="1"/>
+          </p:cNvSpPr>
+          <p:nvPr>
+            <p:ph type="title"/>
+          </p:nvPr>
+        </p:nvSpPr>
+        <p:spPr/>
+        <p:txBody>
+          <a:bodyPr/>
+          <a:lstStyle/>
+          <a:p>
+            <a:pPr algn="r"/>
+            <a:r>
+              <a:rPr lang="ar-SA"/>
+              <a:t>المهمة</a:t>
+            </a:r>
+            <a:endParaRPr lang="ar-SA" dirty="0"/>
+          </a:p>
+        </p:txBody>
+      </p:sp>
+      <p:graphicFrame>
+        <p:nvGraphicFramePr>
+          <p:cNvPr id="12" name="Content Placeholder 2">
+            <a:extLst>
+              <a:ext uri="{FF2B5EF4-FFF2-40B4-BE49-F238E27FC236}">
+                <a16:creationId xmlns:a16="http://schemas.microsoft.com/office/drawing/2014/main" id="{A4E8FD15-37C8-1D02-A2CF-528EE859F2E8}"/>
+              </a:ext>
+            </a:extLst>
+          </p:cNvPr>
+          <p:cNvGraphicFramePr>
+            <a:graphicFrameLocks noGrp="1"/>
+          </p:cNvGraphicFramePr>
+          <p:nvPr>
+            <p:ph idx="1"/>
+            <p:extLst>
+              <p:ext uri="{D42A27DB-BD31-4B8C-83A1-F6EECF244321}">
+                <p14:modId xmlns:p14="http://schemas.microsoft.com/office/powerpoint/2010/main" val="1447797471"/>
+              </p:ext>
+            </p:extLst>
+          </p:nvPr>
+        </p:nvGraphicFramePr>
+        <p:xfrm>
+          <a:off x="838200" y="1825625"/>
+          <a:ext cx="10515600" cy="4351338"/>
+        </p:xfrm>
+        <a:graphic>
+          <a:graphicData uri="http://schemas.openxmlformats.org/drawingml/2006/diagram">
+            <dgm:relIds xmlns:dgm="http://schemas.openxmlformats.org/drawingml/2006/diagram" xmlns:r="http://schemas.openxmlformats.org/officeDocument/2006/relationships" r:dm="rId2" r:lo="rId3" r:qs="rId4" r:cs="rId5"/>
+          </a:graphicData>
+        </a:graphic>
+      </p:graphicFrame>
+    </p:spTree>
+    <p:extLst>
+      <p:ext uri="{BB962C8B-B14F-4D97-AF65-F5344CB8AC3E}">
+        <p14:creationId xmlns:p14="http://schemas.microsoft.com/office/powerpoint/2010/main" val="4240163905"/>
+      </p:ext>
+    </p:extLst>
+  </p:cSld>
+  <p:clrMapOvr>
+    <a:masterClrMapping/>
+  </p:clrMapOvr>
+</p:sld>
+</file>
+
+<file path=ppt/slides/slide4.xml><?xml version="1.0" encoding="utf-8"?>
+<p:sld xmlns:a="http://schemas.openxmlformats.org/drawingml/2006/main" xmlns:r="http://schemas.openxmlformats.org/officeDocument/2006/relationships" xmlns:p="http://schemas.openxmlformats.org/presentationml/2006/main">
+  <p:cSld>
+    <p:bg>
+      <p:bgPr>
+        <a:solidFill>
+          <a:schemeClr val="bg1"/>
+        </a:solidFill>
+        <a:effectLst/>
+      </p:bgPr>
+    </p:bg>
+    <p:spTree>
+      <p:nvGrpSpPr>
+        <p:cNvPr id="1" name=""/>
+        <p:cNvGrpSpPr/>
+        <p:nvPr/>
+      </p:nvGrpSpPr>
+      <p:grpSpPr>
+        <a:xfrm>
+          <a:off x="0" y="0"/>
+          <a:ext cx="0" cy="0"/>
+          <a:chOff x="0" y="0"/>
+          <a:chExt cx="0" cy="0"/>
+        </a:xfrm>
+      </p:grpSpPr>
+      <p:sp useBgFill="1">
+        <p:nvSpPr>
+          <p:cNvPr id="8" name="Rectangle 7">
+            <a:extLst>
+              <a:ext uri="{FF2B5EF4-FFF2-40B4-BE49-F238E27FC236}">
+                <a16:creationId xmlns:a16="http://schemas.microsoft.com/office/drawing/2014/main" id="{1B15ED52-F352-441B-82BF-E0EA34836D08}"/>
+              </a:ext>
+              <a:ext uri="{C183D7F6-B498-43B3-948B-1728B52AA6E4}">
+                <adec:decorative xmlns:adec="http://schemas.microsoft.com/office/drawing/2017/decorative" val="1"/>
+              </a:ext>
+            </a:extLst>
+          </p:cNvPr>
+          <p:cNvSpPr>
+            <a:spLocks noGrp="1" noRot="1" noChangeAspect="1" noMove="1" noResize="1" noEditPoints="1" noAdjustHandles="1" noChangeArrowheads="1" noChangeShapeType="1" noTextEdit="1"/>
+          </p:cNvSpPr>
+          <p:nvPr>
+            <p:extLst>
+              <p:ext uri="{386F3935-93C4-4BCD-93E2-E3B085C9AB24}">
+                <p16:designElem xmlns:p16="http://schemas.microsoft.com/office/powerpoint/2015/main" val="1"/>
+              </p:ext>
+            </p:extLst>
+          </p:nvPr>
+        </p:nvSpPr>
+        <p:spPr>
+          <a:xfrm>
+            <a:off x="0" y="0"/>
+            <a:ext cx="12192000" cy="6858000"/>
+          </a:xfrm>
+          <a:prstGeom prst="rect">
+            <a:avLst/>
+          </a:prstGeom>
+          <a:ln w="12700" cap="flat" cmpd="sng" algn="ctr">
+            <a:noFill/>
+            <a:prstDash val="solid"/>
+            <a:miter lim="800000"/>
+          </a:ln>
+          <a:effectLst/>
+          <a:extLst>
+            <a:ext uri="{91240B29-F687-4F45-9708-019B960494DF}">
+              <a14:hiddenLine xmlns:a14="http://schemas.microsoft.com/office/drawing/2010/main" w="12700" cap="flat" cmpd="sng" algn="ctr">
+                <a:solidFill>
+                  <a:schemeClr val="accent1">
+                    <a:shade val="50000"/>
+                  </a:schemeClr>
+                </a:solidFill>
+                <a:prstDash val="solid"/>
+                <a:miter lim="800000"/>
+              </a14:hiddenLine>
+            </a:ext>
+          </a:extLst>
+        </p:spPr>
+        <p:style>
+          <a:lnRef idx="2">
+            <a:schemeClr val="accent1">
+              <a:shade val="50000"/>
+            </a:schemeClr>
+          </a:lnRef>
+          <a:fillRef idx="1">
+            <a:schemeClr val="accent1"/>
+          </a:fillRef>
+          <a:effectRef idx="0">
+            <a:schemeClr val="accent1"/>
+          </a:effectRef>
+          <a:fontRef idx="minor">
+            <a:schemeClr val="lt1"/>
+          </a:fontRef>
+        </p:style>
+        <p:txBody>
+          <a:bodyPr rtlCol="0" anchor="ctr"/>
+          <a:lstStyle/>
+          <a:p>
+            <a:pPr algn="ctr"/>
+            <a:endParaRPr lang="en-US"/>
+          </a:p>
+        </p:txBody>
+      </p:sp>
+      <p:sp>
+        <p:nvSpPr>
+          <p:cNvPr id="10" name="Rectangle 9">
+            <a:extLst>
+              <a:ext uri="{FF2B5EF4-FFF2-40B4-BE49-F238E27FC236}">
+                <a16:creationId xmlns:a16="http://schemas.microsoft.com/office/drawing/2014/main" id="{3B2E3793-BFE6-45A2-9B7B-E18844431C99}"/>
+              </a:ext>
+              <a:ext uri="{C183D7F6-B498-43B3-948B-1728B52AA6E4}">
+                <adec:decorative xmlns:adec="http://schemas.microsoft.com/office/drawing/2017/decorative" val="1"/>
+              </a:ext>
+            </a:extLst>
+          </p:cNvPr>
+          <p:cNvSpPr>
+            <a:spLocks noGrp="1" noRot="1" noChangeAspect="1" noMove="1" noResize="1" noEditPoints="1" noAdjustHandles="1" noChangeArrowheads="1" noChangeShapeType="1" noTextEdit="1"/>
+          </p:cNvSpPr>
+          <p:nvPr>
+            <p:extLst>
+              <p:ext uri="{386F3935-93C4-4BCD-93E2-E3B085C9AB24}">
+                <p16:designElem xmlns:p16="http://schemas.microsoft.com/office/powerpoint/2015/main" val="1"/>
+              </p:ext>
+            </p:extLst>
+          </p:nvPr>
+        </p:nvSpPr>
+        <p:spPr>
+          <a:xfrm flipH="1">
+            <a:off x="-1" y="-1"/>
+            <a:ext cx="12191998" cy="1590742"/>
+          </a:xfrm>
+          <a:prstGeom prst="rect">
+            <a:avLst/>
+          </a:prstGeom>
+          <a:gradFill>
+            <a:gsLst>
+              <a:gs pos="0">
+                <a:srgbClr val="000000"/>
+              </a:gs>
+              <a:gs pos="100000">
+                <a:schemeClr val="accent1">
+                  <a:lumMod val="75000"/>
+                </a:schemeClr>
+              </a:gs>
+            </a:gsLst>
+            <a:lin ang="8400000" scaled="0"/>
+          </a:gradFill>
+          <a:ln>
+            <a:noFill/>
+          </a:ln>
+        </p:spPr>
+        <p:style>
+          <a:lnRef idx="2">
+            <a:schemeClr val="accent1">
+              <a:shade val="50000"/>
+            </a:schemeClr>
+          </a:lnRef>
+          <a:fillRef idx="1">
+            <a:schemeClr val="accent1"/>
+          </a:fillRef>
+          <a:effectRef idx="0">
+            <a:schemeClr val="accent1"/>
+          </a:effectRef>
+          <a:fontRef idx="minor">
+            <a:schemeClr val="lt1"/>
+          </a:fontRef>
+        </p:style>
+        <p:txBody>
+          <a:bodyPr rtlCol="0" anchor="ctr"/>
+          <a:lstStyle/>
+          <a:p>
+            <a:pPr algn="ctr"/>
+            <a:endParaRPr lang="en-US"/>
+          </a:p>
+        </p:txBody>
+      </p:sp>
+      <p:sp>
+        <p:nvSpPr>
+          <p:cNvPr id="12" name="Rectangle 11">
+            <a:extLst>
+              <a:ext uri="{FF2B5EF4-FFF2-40B4-BE49-F238E27FC236}">
+                <a16:creationId xmlns:a16="http://schemas.microsoft.com/office/drawing/2014/main" id="{BC4C4868-CB8F-4AF9-9CDB-8108F2C19B67}"/>
+              </a:ext>
+              <a:ext uri="{C183D7F6-B498-43B3-948B-1728B52AA6E4}">
+                <adec:decorative xmlns:adec="http://schemas.microsoft.com/office/drawing/2017/decorative" val="1"/>
+              </a:ext>
+            </a:extLst>
+          </p:cNvPr>
+          <p:cNvSpPr>
+            <a:spLocks noGrp="1" noRot="1" noChangeAspect="1" noMove="1" noResize="1" noEditPoints="1" noAdjustHandles="1" noChangeArrowheads="1" noChangeShapeType="1" noTextEdit="1"/>
+          </p:cNvSpPr>
+          <p:nvPr>
+            <p:extLst>
+              <p:ext uri="{386F3935-93C4-4BCD-93E2-E3B085C9AB24}">
+                <p16:designElem xmlns:p16="http://schemas.microsoft.com/office/powerpoint/2015/main" val="1"/>
+              </p:ext>
+            </p:extLst>
+          </p:nvPr>
+        </p:nvSpPr>
+        <p:spPr>
+          <a:xfrm rot="10800000" flipH="1">
+            <a:off x="-3" y="0"/>
+            <a:ext cx="8115306" cy="1590742"/>
+          </a:xfrm>
+          <a:prstGeom prst="rect">
+            <a:avLst/>
+          </a:prstGeom>
+          <a:gradFill>
+            <a:gsLst>
+              <a:gs pos="20000">
+                <a:schemeClr val="accent1">
+                  <a:alpha val="0"/>
+                </a:schemeClr>
+              </a:gs>
+              <a:gs pos="100000">
+                <a:schemeClr val="accent1">
+                  <a:lumMod val="50000"/>
+                  <a:alpha val="55000"/>
+                </a:schemeClr>
+              </a:gs>
+            </a:gsLst>
+            <a:lin ang="13800000" scaled="0"/>
+          </a:gradFill>
+          <a:ln>
+            <a:noFill/>
+          </a:ln>
+        </p:spPr>
+        <p:style>
+          <a:lnRef idx="2">
+            <a:schemeClr val="accent1">
+              <a:shade val="50000"/>
+            </a:schemeClr>
+          </a:lnRef>
+          <a:fillRef idx="1">
+            <a:schemeClr val="accent1"/>
+          </a:fillRef>
+          <a:effectRef idx="0">
+            <a:schemeClr val="accent1"/>
+          </a:effectRef>
+          <a:fontRef idx="minor">
+            <a:schemeClr val="lt1"/>
+          </a:fontRef>
+        </p:style>
+        <p:txBody>
+          <a:bodyPr rtlCol="0" anchor="ctr"/>
+          <a:lstStyle/>
+          <a:p>
+            <a:pPr algn="ctr"/>
+            <a:endParaRPr lang="en-US"/>
+          </a:p>
+        </p:txBody>
+      </p:sp>
+      <p:sp>
+        <p:nvSpPr>
+          <p:cNvPr id="14" name="Rectangle 13">
+            <a:extLst>
+              <a:ext uri="{FF2B5EF4-FFF2-40B4-BE49-F238E27FC236}">
+                <a16:creationId xmlns:a16="http://schemas.microsoft.com/office/drawing/2014/main" id="{375E0459-6403-40CD-989D-56A4407CA12E}"/>
+              </a:ext>
+              <a:ext uri="{C183D7F6-B498-43B3-948B-1728B52AA6E4}">
+                <adec:decorative xmlns:adec="http://schemas.microsoft.com/office/drawing/2017/decorative" val="1"/>
+              </a:ext>
+            </a:extLst>
+          </p:cNvPr>
+          <p:cNvSpPr>
+            <a:spLocks noGrp="1" noRot="1" noChangeAspect="1" noMove="1" noResize="1" noEditPoints="1" noAdjustHandles="1" noChangeArrowheads="1" noChangeShapeType="1" noTextEdit="1"/>
+          </p:cNvSpPr>
+          <p:nvPr>
+            <p:extLst>
+              <p:ext uri="{386F3935-93C4-4BCD-93E2-E3B085C9AB24}">
+                <p16:designElem xmlns:p16="http://schemas.microsoft.com/office/powerpoint/2015/main" val="1"/>
+              </p:ext>
+            </p:extLst>
+          </p:nvPr>
+        </p:nvSpPr>
+        <p:spPr>
+          <a:xfrm flipH="1">
+            <a:off x="8115299" y="-1"/>
+            <a:ext cx="4076698" cy="1590742"/>
+          </a:xfrm>
+          <a:prstGeom prst="rect">
+            <a:avLst/>
+          </a:prstGeom>
+          <a:gradFill>
+            <a:gsLst>
+              <a:gs pos="0">
+                <a:schemeClr val="accent1">
+                  <a:alpha val="66000"/>
+                </a:schemeClr>
+              </a:gs>
+              <a:gs pos="100000">
+                <a:srgbClr val="000000">
+                  <a:alpha val="30000"/>
+                </a:srgbClr>
+              </a:gs>
+            </a:gsLst>
+            <a:lin ang="13200000" scaled="0"/>
+          </a:gradFill>
+          <a:ln>
+            <a:noFill/>
+          </a:ln>
+        </p:spPr>
+        <p:style>
+          <a:lnRef idx="2">
+            <a:schemeClr val="accent1">
+              <a:shade val="50000"/>
+            </a:schemeClr>
+          </a:lnRef>
+          <a:fillRef idx="1">
+            <a:schemeClr val="accent1"/>
+          </a:fillRef>
+          <a:effectRef idx="0">
+            <a:schemeClr val="accent1"/>
+          </a:effectRef>
+          <a:fontRef idx="minor">
+            <a:schemeClr val="lt1"/>
+          </a:fontRef>
+        </p:style>
+        <p:txBody>
+          <a:bodyPr rtlCol="0" anchor="ctr"/>
+          <a:lstStyle/>
+          <a:p>
+            <a:pPr algn="ctr"/>
+            <a:endParaRPr lang="en-US"/>
+          </a:p>
+        </p:txBody>
+      </p:sp>
+      <p:sp>
+        <p:nvSpPr>
+          <p:cNvPr id="16" name="Rectangle 15">
+            <a:extLst>
+              <a:ext uri="{FF2B5EF4-FFF2-40B4-BE49-F238E27FC236}">
+                <a16:creationId xmlns:a16="http://schemas.microsoft.com/office/drawing/2014/main" id="{53E5B1A8-3AC9-4BD1-9BBC-78CA94F2D1BA}"/>
+              </a:ext>
+              <a:ext uri="{C183D7F6-B498-43B3-948B-1728B52AA6E4}">
+                <adec:decorative xmlns:adec="http://schemas.microsoft.com/office/drawing/2017/decorative" val="1"/>
+              </a:ext>
+            </a:extLst>
+          </p:cNvPr>
+          <p:cNvSpPr>
+            <a:spLocks noGrp="1" noRot="1" noChangeAspect="1" noMove="1" noResize="1" noEditPoints="1" noAdjustHandles="1" noChangeArrowheads="1" noChangeShapeType="1" noTextEdit="1"/>
+          </p:cNvSpPr>
+          <p:nvPr>
+            <p:extLst>
+              <p:ext uri="{386F3935-93C4-4BCD-93E2-E3B085C9AB24}">
+                <p16:designElem xmlns:p16="http://schemas.microsoft.com/office/powerpoint/2015/main" val="1"/>
+              </p:ext>
+            </p:extLst>
+          </p:nvPr>
+        </p:nvSpPr>
+        <p:spPr>
+          <a:xfrm>
+            <a:off x="459350" y="-1"/>
+            <a:ext cx="11732646" cy="1597433"/>
+          </a:xfrm>
+          <a:prstGeom prst="rect">
+            <a:avLst/>
+          </a:prstGeom>
+          <a:gradFill>
+            <a:gsLst>
+              <a:gs pos="50000">
+                <a:srgbClr val="000000">
+                  <a:alpha val="0"/>
+                </a:srgbClr>
+              </a:gs>
+              <a:gs pos="99000">
+                <a:schemeClr val="accent1">
+                  <a:lumMod val="50000"/>
+                  <a:alpha val="52000"/>
+                </a:schemeClr>
+              </a:gs>
+            </a:gsLst>
+            <a:lin ang="16800000" scaled="0"/>
+          </a:gradFill>
+          <a:ln>
+            <a:noFill/>
+          </a:ln>
+        </p:spPr>
+        <p:style>
+          <a:lnRef idx="2">
+            <a:schemeClr val="accent1">
+              <a:shade val="50000"/>
+            </a:schemeClr>
+          </a:lnRef>
+          <a:fillRef idx="1">
+            <a:schemeClr val="accent1"/>
+          </a:fillRef>
+          <a:effectRef idx="0">
+            <a:schemeClr val="accent1"/>
+          </a:effectRef>
+          <a:fontRef idx="minor">
+            <a:schemeClr val="lt1"/>
+          </a:fontRef>
+        </p:style>
+        <p:txBody>
+          <a:bodyPr rtlCol="0" anchor="ctr"/>
+          <a:lstStyle/>
+          <a:p>
+            <a:pPr algn="ctr"/>
+            <a:endParaRPr lang="en-US"/>
+          </a:p>
+        </p:txBody>
+      </p:sp>
+      <p:sp>
+        <p:nvSpPr>
+          <p:cNvPr id="2" name="Title 1">
+            <a:extLst>
+              <a:ext uri="{FF2B5EF4-FFF2-40B4-BE49-F238E27FC236}">
+                <a16:creationId xmlns:a16="http://schemas.microsoft.com/office/drawing/2014/main" id="{F021F42D-C8FD-AD49-8558-0FBB5D132A79}"/>
+              </a:ext>
+            </a:extLst>
+          </p:cNvPr>
+          <p:cNvSpPr>
+            <a:spLocks noGrp="1"/>
+          </p:cNvSpPr>
+          <p:nvPr>
+            <p:ph type="title"/>
+          </p:nvPr>
+        </p:nvSpPr>
+        <p:spPr>
+          <a:xfrm>
+            <a:off x="1371599" y="294538"/>
+            <a:ext cx="9895951" cy="1033669"/>
+          </a:xfrm>
+        </p:spPr>
+        <p:txBody>
+          <a:bodyPr>
+            <a:normAutofit/>
+          </a:bodyPr>
+          <a:lstStyle/>
+          <a:p>
+            <a:r>
+              <a:rPr lang="ar-AE" sz="4000">
+                <a:solidFill>
+                  <a:srgbClr val="FFFFFF"/>
+                </a:solidFill>
+              </a:rPr>
+              <a:t>الوصف والخلفية</a:t>
+            </a:r>
+            <a:endParaRPr lang="en-US" sz="4000">
+              <a:solidFill>
+                <a:srgbClr val="FFFFFF"/>
+              </a:solidFill>
+            </a:endParaRPr>
+          </a:p>
+        </p:txBody>
+      </p:sp>
+      <p:sp>
+        <p:nvSpPr>
+          <p:cNvPr id="3" name="Content Placeholder 2">
+            <a:extLst>
+              <a:ext uri="{FF2B5EF4-FFF2-40B4-BE49-F238E27FC236}">
+                <a16:creationId xmlns:a16="http://schemas.microsoft.com/office/drawing/2014/main" id="{C523154E-DB46-7F4B-858D-10D18C594AEB}"/>
+              </a:ext>
+            </a:extLst>
+          </p:cNvPr>
+          <p:cNvSpPr>
+            <a:spLocks noGrp="1"/>
+          </p:cNvSpPr>
+          <p:nvPr>
+            <p:ph idx="1"/>
+          </p:nvPr>
+        </p:nvSpPr>
+        <p:spPr>
+          <a:xfrm>
+            <a:off x="1371599" y="2318197"/>
+            <a:ext cx="9724031" cy="3683358"/>
+          </a:xfrm>
+        </p:spPr>
+        <p:txBody>
+          <a:bodyPr anchor="ctr">
+            <a:normAutofit/>
+          </a:bodyPr>
+          <a:lstStyle/>
+          <a:p>
+            <a:pPr marL="0" indent="0">
+              <a:buNone/>
+            </a:pPr>
+            <a:r>
+              <a:rPr lang="ar-AE" sz="1700" dirty="0"/>
+              <a:t>البرنامج مكتوب بلغة البرمجة</a:t>
+            </a:r>
+            <a:r>
+              <a:rPr lang="ar-SA" sz="1700" dirty="0"/>
+              <a:t>: </a:t>
+            </a:r>
+            <a:endParaRPr lang="en-US" sz="1700" dirty="0"/>
+          </a:p>
+          <a:p>
+            <a:pPr marL="0" indent="0">
+              <a:buNone/>
+            </a:pPr>
+            <a:r>
+              <a:rPr lang="en-US" sz="1700" dirty="0"/>
+              <a:t>Python</a:t>
+            </a:r>
+          </a:p>
+          <a:p>
+            <a:pPr marL="0" indent="0">
+              <a:buNone/>
+            </a:pPr>
+            <a:endParaRPr lang="en-US" sz="1700" dirty="0"/>
+          </a:p>
+          <a:p>
+            <a:pPr marL="0" indent="0">
+              <a:buNone/>
+            </a:pPr>
+            <a:r>
+              <a:rPr lang="en-US" sz="1700" u="sng" dirty="0"/>
+              <a:t>Frontend</a:t>
+            </a:r>
+          </a:p>
+          <a:p>
+            <a:pPr marL="0" indent="0">
+              <a:buNone/>
+            </a:pPr>
+            <a:r>
+              <a:rPr lang="ar-AE" sz="1700" dirty="0"/>
+              <a:t>واجهة مستخدم مكتوبة باستخدام وحدة </a:t>
+            </a:r>
+            <a:r>
+              <a:rPr lang="en-US" sz="1700" dirty="0" err="1"/>
+              <a:t>PyQt</a:t>
+            </a:r>
+            <a:endParaRPr lang="en-US" sz="1700" dirty="0"/>
+          </a:p>
+          <a:p>
+            <a:pPr marL="0" indent="0">
+              <a:buNone/>
+            </a:pPr>
+            <a:endParaRPr lang="en-US" sz="1700" dirty="0"/>
+          </a:p>
+          <a:p>
+            <a:pPr marL="0" indent="0">
+              <a:buNone/>
+            </a:pPr>
+            <a:r>
+              <a:rPr lang="en-US" sz="1700" u="sng" dirty="0"/>
+              <a:t>Backend</a:t>
+            </a:r>
+            <a:endParaRPr lang="en-US" sz="1700" dirty="0"/>
+          </a:p>
+          <a:p>
+            <a:pPr marL="0" indent="0">
+              <a:buNone/>
+            </a:pPr>
+            <a:r>
+              <a:rPr lang="en-US" sz="1700" dirty="0"/>
+              <a:t> </a:t>
+            </a:r>
+            <a:r>
+              <a:rPr lang="ar-AE" sz="1700" dirty="0"/>
+              <a:t>فحص عناوين انترنت مع اوامر </a:t>
+            </a:r>
+            <a:r>
+              <a:rPr lang="en-US" sz="1700" dirty="0" err="1"/>
+              <a:t>nmap</a:t>
+            </a:r>
+            <a:endParaRPr lang="en-US" sz="1700" dirty="0"/>
+          </a:p>
+          <a:p>
+            <a:pPr marL="0" indent="0">
+              <a:buNone/>
+            </a:pPr>
+            <a:r>
+              <a:rPr lang="en-US" sz="1700" dirty="0"/>
+              <a:t>Async functions supported</a:t>
+            </a:r>
+          </a:p>
+          <a:p>
+            <a:pPr marL="0" indent="0">
+              <a:buNone/>
+            </a:pPr>
+            <a:r>
+              <a:rPr lang="ar-AE" sz="1700" dirty="0"/>
+              <a:t>تعريف وبحث عن الثغرات باستخدام خدمة </a:t>
+            </a:r>
+            <a:r>
+              <a:rPr lang="en-US" sz="1700" dirty="0"/>
+              <a:t>NVD API</a:t>
+            </a:r>
+          </a:p>
+        </p:txBody>
+      </p:sp>
+    </p:spTree>
+    <p:extLst>
+      <p:ext uri="{BB962C8B-B14F-4D97-AF65-F5344CB8AC3E}">
+        <p14:creationId xmlns:p14="http://schemas.microsoft.com/office/powerpoint/2010/main" val="205484818"/>
+      </p:ext>
+    </p:extLst>
+  </p:cSld>
+  <p:clrMapOvr>
+    <a:masterClrMapping/>
+  </p:clrMapOvr>
+</p:sld>
+</file>
+
+<file path=ppt/slides/slide5.xml><?xml version="1.0" encoding="utf-8"?>
+<p:sld xmlns:a="http://schemas.openxmlformats.org/drawingml/2006/main" xmlns:r="http://schemas.openxmlformats.org/officeDocument/2006/relationships" xmlns:p="http://schemas.openxmlformats.org/presentationml/2006/main">
+  <p:cSld>
+    <p:spTree>
+      <p:nvGrpSpPr>
+        <p:cNvPr id="1" name=""/>
+        <p:cNvGrpSpPr/>
+        <p:nvPr/>
+      </p:nvGrpSpPr>
+      <p:grpSpPr>
+        <a:xfrm>
+          <a:off x="0" y="0"/>
+          <a:ext cx="0" cy="0"/>
+          <a:chOff x="0" y="0"/>
+          <a:chExt cx="0" cy="0"/>
+        </a:xfrm>
+      </p:grpSpPr>
+      <p:sp>
+        <p:nvSpPr>
+          <p:cNvPr id="2" name="Title 1">
+            <a:extLst>
+              <a:ext uri="{FF2B5EF4-FFF2-40B4-BE49-F238E27FC236}">
+                <a16:creationId xmlns:a16="http://schemas.microsoft.com/office/drawing/2014/main" id="{CFE1F2CC-60FC-6740-9398-472D589542C4}"/>
+              </a:ext>
+            </a:extLst>
+          </p:cNvPr>
+          <p:cNvSpPr>
+            <a:spLocks noGrp="1"/>
+          </p:cNvSpPr>
+          <p:nvPr>
+            <p:ph type="title"/>
+          </p:nvPr>
+        </p:nvSpPr>
+        <p:spPr/>
+        <p:txBody>
+          <a:bodyPr/>
+          <a:lstStyle/>
+          <a:p>
+            <a:r>
+              <a:rPr lang="en-US" dirty="0"/>
+              <a:t>Flowchart</a:t>
+            </a:r>
+          </a:p>
+        </p:txBody>
+      </p:sp>
+      <p:pic>
+        <p:nvPicPr>
+          <p:cNvPr id="5" name="Content Placeholder 4">
+            <a:extLst>
+              <a:ext uri="{FF2B5EF4-FFF2-40B4-BE49-F238E27FC236}">
+                <a16:creationId xmlns:a16="http://schemas.microsoft.com/office/drawing/2014/main" id="{B7B75901-EAFF-4AAF-B9CF-2418F6603172}"/>
+              </a:ext>
+            </a:extLst>
+          </p:cNvPr>
+          <p:cNvPicPr>
+            <a:picLocks noGrp="1" noChangeAspect="1"/>
+          </p:cNvPicPr>
+          <p:nvPr>
+            <p:ph idx="1"/>
+          </p:nvPr>
+        </p:nvPicPr>
+        <p:blipFill>
+          <a:blip r:embed="rId2"/>
+          <a:stretch>
+            <a:fillRect/>
+          </a:stretch>
+        </p:blipFill>
+        <p:spPr>
+          <a:xfrm>
+            <a:off x="434106" y="1337693"/>
+            <a:ext cx="11323788" cy="5327202"/>
+          </a:xfrm>
+        </p:spPr>
+      </p:pic>
+    </p:spTree>
+    <p:extLst>
+      <p:ext uri="{BB962C8B-B14F-4D97-AF65-F5344CB8AC3E}">
+        <p14:creationId xmlns:p14="http://schemas.microsoft.com/office/powerpoint/2010/main" val="3746758601"/>
+      </p:ext>
+    </p:extLst>
+  </p:cSld>
+  <p:clrMapOvr>
+    <a:masterClrMapping/>
+  </p:clrMapOvr>
+</p:sld>
+</file>
+
+<file path=ppt/slides/slide6.xml><?xml version="1.0" encoding="utf-8"?>
+<p:sld xmlns:a="http://schemas.openxmlformats.org/drawingml/2006/main" xmlns:r="http://schemas.openxmlformats.org/officeDocument/2006/relationships" xmlns:p="http://schemas.openxmlformats.org/presentationml/2006/main">
+  <p:cSld>
+    <p:spTree>
+      <p:nvGrpSpPr>
+        <p:cNvPr id="1" name=""/>
+        <p:cNvGrpSpPr/>
+        <p:nvPr/>
+      </p:nvGrpSpPr>
+      <p:grpSpPr>
+        <a:xfrm>
+          <a:off x="0" y="0"/>
+          <a:ext cx="0" cy="0"/>
+          <a:chOff x="0" y="0"/>
+          <a:chExt cx="0" cy="0"/>
+        </a:xfrm>
+      </p:grpSpPr>
+      <p:sp>
+        <p:nvSpPr>
+          <p:cNvPr id="2" name="Title 1">
+            <a:extLst>
+              <a:ext uri="{FF2B5EF4-FFF2-40B4-BE49-F238E27FC236}">
+                <a16:creationId xmlns:a16="http://schemas.microsoft.com/office/drawing/2014/main" id="{62482E0A-9A6E-344B-9DFE-0364D2C21CD0}"/>
+              </a:ext>
+            </a:extLst>
+          </p:cNvPr>
+          <p:cNvSpPr>
+            <a:spLocks noGrp="1"/>
+          </p:cNvSpPr>
+          <p:nvPr>
+            <p:ph type="title"/>
+          </p:nvPr>
+        </p:nvSpPr>
+        <p:spPr/>
+        <p:txBody>
+          <a:bodyPr/>
+          <a:lstStyle/>
+          <a:p>
+            <a:pPr algn="r"/>
+            <a:r>
+              <a:rPr lang="ar-AE" dirty="0"/>
+              <a:t>طريقة تنزيل البرنامج</a:t>
+            </a:r>
+            <a:endParaRPr lang="en-US" dirty="0"/>
+          </a:p>
+        </p:txBody>
+      </p:sp>
+      <p:sp>
+        <p:nvSpPr>
+          <p:cNvPr id="3" name="Content Placeholder 2">
+            <a:extLst>
+              <a:ext uri="{FF2B5EF4-FFF2-40B4-BE49-F238E27FC236}">
+                <a16:creationId xmlns:a16="http://schemas.microsoft.com/office/drawing/2014/main" id="{F4C11C4E-AA3D-0249-A4ED-8BCD38092DA4}"/>
+              </a:ext>
+            </a:extLst>
+          </p:cNvPr>
+          <p:cNvSpPr>
+            <a:spLocks noGrp="1"/>
+          </p:cNvSpPr>
+          <p:nvPr>
+            <p:ph idx="1"/>
+          </p:nvPr>
+        </p:nvSpPr>
+        <p:spPr>
+          <a:xfrm>
+            <a:off x="838200" y="1581806"/>
+            <a:ext cx="10515600" cy="5276194"/>
+          </a:xfrm>
+        </p:spPr>
+        <p:txBody>
+          <a:bodyPr>
+            <a:normAutofit lnSpcReduction="10000"/>
+          </a:bodyPr>
+          <a:lstStyle/>
+          <a:p>
+            <a:pPr marL="0" indent="0" algn="r">
+              <a:buNone/>
+            </a:pPr>
+            <a:r>
+              <a:rPr lang="ar-AE" dirty="0"/>
+              <a:t>يتم تغليف البرنامج واحتياجاتها الى ملف امري واحد لتسهيل التوزيع والتنزيل على جميع الاجهزة عن طريق </a:t>
+            </a:r>
+            <a:r>
+              <a:rPr lang="ar-SA" dirty="0"/>
+              <a:t>:</a:t>
+            </a:r>
+            <a:endParaRPr lang="en-US" dirty="0"/>
+          </a:p>
+          <a:p>
+            <a:pPr marL="0" indent="0" algn="r">
+              <a:buNone/>
+            </a:pPr>
+            <a:r>
+              <a:rPr lang="en-US" dirty="0">
+                <a:latin typeface="Courier New" panose="02070309020205020404" pitchFamily="49" charset="0"/>
+                <a:cs typeface="Courier New" panose="02070309020205020404" pitchFamily="49" charset="0"/>
+              </a:rPr>
+              <a:t>python (</a:t>
+            </a:r>
+            <a:r>
+              <a:rPr lang="en-US" dirty="0" err="1">
+                <a:latin typeface="Courier New" panose="02070309020205020404" pitchFamily="49" charset="0"/>
+                <a:cs typeface="Courier New" panose="02070309020205020404" pitchFamily="49" charset="0"/>
+              </a:rPr>
+              <a:t>pyinstaller</a:t>
+            </a:r>
+            <a:r>
+              <a:rPr lang="en-US" dirty="0">
+                <a:latin typeface="Courier New" panose="02070309020205020404" pitchFamily="49" charset="0"/>
+                <a:cs typeface="Courier New" panose="02070309020205020404" pitchFamily="49" charset="0"/>
+              </a:rPr>
+              <a:t>)</a:t>
+            </a:r>
+          </a:p>
+          <a:p>
+            <a:pPr marL="0" indent="0" algn="r">
+              <a:buNone/>
+            </a:pPr>
+            <a:endParaRPr lang="en-US" dirty="0">
+              <a:latin typeface="Courier New" panose="02070309020205020404" pitchFamily="49" charset="0"/>
+              <a:cs typeface="Courier New" panose="02070309020205020404" pitchFamily="49" charset="0"/>
+            </a:endParaRPr>
+          </a:p>
+          <a:p>
+            <a:pPr marL="0" indent="0" algn="r">
+              <a:buNone/>
+            </a:pPr>
+            <a:r>
+              <a:rPr lang="ar-AE" dirty="0">
+                <a:latin typeface="Arial" panose="020B0604020202020204" pitchFamily="34" charset="0"/>
+                <a:cs typeface="Arial" panose="020B0604020202020204" pitchFamily="34" charset="0"/>
+              </a:rPr>
+              <a:t>لتشغيل البرنامج مجرد ان تكبسه في برنامج الملفات او تكتب الامر في سطر الأوامر</a:t>
+            </a:r>
+            <a:endParaRPr lang="en-US" dirty="0">
+              <a:latin typeface="Arial" panose="020B0604020202020204" pitchFamily="34" charset="0"/>
+              <a:cs typeface="Arial" panose="020B0604020202020204" pitchFamily="34" charset="0"/>
+            </a:endParaRPr>
+          </a:p>
+          <a:p>
+            <a:pPr marL="0" indent="0" algn="r">
+              <a:buNone/>
+            </a:pPr>
+            <a:endParaRPr lang="en-US" dirty="0">
+              <a:latin typeface="Arial" panose="020B0604020202020204" pitchFamily="34" charset="0"/>
+              <a:cs typeface="Arial" panose="020B0604020202020204" pitchFamily="34" charset="0"/>
+            </a:endParaRPr>
+          </a:p>
+          <a:p>
+            <a:pPr marL="0" indent="0" algn="r">
+              <a:buNone/>
+            </a:pPr>
+            <a:r>
+              <a:rPr lang="ar-AE" dirty="0">
+                <a:latin typeface="Arial" panose="020B0604020202020204" pitchFamily="34" charset="0"/>
+                <a:cs typeface="Arial" panose="020B0604020202020204" pitchFamily="34" charset="0"/>
+              </a:rPr>
+              <a:t>سيقوم البرنامج تلقائيًا بفحص إذا كان الأمر نازل على جهاز المستخدم</a:t>
+            </a:r>
+            <a:r>
+              <a:rPr lang="ar-SA" dirty="0">
+                <a:latin typeface="Arial" panose="020B0604020202020204" pitchFamily="34" charset="0"/>
+                <a:cs typeface="Arial" panose="020B0604020202020204" pitchFamily="34" charset="0"/>
+              </a:rPr>
+              <a:t>:</a:t>
+            </a:r>
+            <a:endParaRPr lang="en-US" dirty="0">
+              <a:latin typeface="Arial" panose="020B0604020202020204" pitchFamily="34" charset="0"/>
+              <a:cs typeface="Arial" panose="020B0604020202020204" pitchFamily="34" charset="0"/>
+            </a:endParaRPr>
+          </a:p>
+          <a:p>
+            <a:pPr marL="0" indent="0" algn="r">
+              <a:buNone/>
+            </a:pPr>
+            <a:r>
+              <a:rPr lang="en-US" dirty="0">
+                <a:latin typeface="Courier New" panose="02070309020205020404" pitchFamily="49" charset="0"/>
+                <a:cs typeface="Courier New" panose="02070309020205020404" pitchFamily="49" charset="0"/>
+              </a:rPr>
+              <a:t>which </a:t>
+            </a:r>
+            <a:r>
+              <a:rPr lang="en-US" dirty="0" err="1">
+                <a:latin typeface="Courier New" panose="02070309020205020404" pitchFamily="49" charset="0"/>
+                <a:cs typeface="Courier New" panose="02070309020205020404" pitchFamily="49" charset="0"/>
+              </a:rPr>
+              <a:t>nmap</a:t>
+            </a:r>
+            <a:endParaRPr lang="en-US" dirty="0">
+              <a:latin typeface="Courier New" panose="02070309020205020404" pitchFamily="49" charset="0"/>
+              <a:cs typeface="Courier New" panose="02070309020205020404" pitchFamily="49" charset="0"/>
+            </a:endParaRPr>
+          </a:p>
+          <a:p>
+            <a:pPr marL="0" indent="0" algn="r">
+              <a:buNone/>
+            </a:pPr>
+            <a:endParaRPr lang="en-US" dirty="0">
+              <a:latin typeface="Courier New" panose="02070309020205020404" pitchFamily="49" charset="0"/>
+              <a:cs typeface="Courier New" panose="02070309020205020404" pitchFamily="49" charset="0"/>
+            </a:endParaRPr>
+          </a:p>
+          <a:p>
+            <a:pPr marL="0" indent="0" algn="r">
+              <a:buNone/>
+            </a:pPr>
+            <a:r>
+              <a:rPr lang="ar-AE" dirty="0">
+                <a:latin typeface="Arial" panose="020B0604020202020204" pitchFamily="34" charset="0"/>
+                <a:cs typeface="Arial" panose="020B0604020202020204" pitchFamily="34" charset="0"/>
+              </a:rPr>
+              <a:t>إذا لم يتم تثبيته، فسيطلب البرنامج كلمة مرور المستخدم لتنزيله على الجهاز</a:t>
+            </a:r>
+            <a:endParaRPr lang="en-US" dirty="0">
+              <a:latin typeface="Arial" panose="020B0604020202020204" pitchFamily="34" charset="0"/>
+              <a:cs typeface="Arial" panose="020B0604020202020204" pitchFamily="34" charset="0"/>
+            </a:endParaRPr>
+          </a:p>
+          <a:p>
+            <a:pPr marL="0" indent="0" algn="r">
+              <a:buNone/>
+            </a:pPr>
+            <a:r>
+              <a:rPr lang="ar-AE" dirty="0">
+                <a:latin typeface="Arial" panose="020B0604020202020204" pitchFamily="34" charset="0"/>
+                <a:cs typeface="Arial" panose="020B0604020202020204" pitchFamily="34" charset="0"/>
+              </a:rPr>
+              <a:t>هكذا، لا يضطر المستخدم القيام بأي إجراء يدوي</a:t>
+            </a:r>
+            <a:endParaRPr lang="en-US" dirty="0">
+              <a:latin typeface="Arial" panose="020B0604020202020204" pitchFamily="34" charset="0"/>
+              <a:cs typeface="Arial" panose="020B0604020202020204" pitchFamily="34" charset="0"/>
+            </a:endParaRPr>
+          </a:p>
+        </p:txBody>
+      </p:sp>
+      <p:pic>
+        <p:nvPicPr>
+          <p:cNvPr id="7" name="Picture 6" descr="A black and white screen&#10;&#10;Description automatically generated">
+            <a:extLst>
+              <a:ext uri="{FF2B5EF4-FFF2-40B4-BE49-F238E27FC236}">
+                <a16:creationId xmlns:a16="http://schemas.microsoft.com/office/drawing/2014/main" id="{44D3FD70-578E-9D42-978B-7B731200C17C}"/>
+              </a:ext>
+            </a:extLst>
+          </p:cNvPr>
+          <p:cNvPicPr>
+            <a:picLocks noChangeAspect="1"/>
+          </p:cNvPicPr>
+          <p:nvPr/>
+        </p:nvPicPr>
+        <p:blipFill>
+          <a:blip r:embed="rId2"/>
+          <a:stretch>
+            <a:fillRect/>
+          </a:stretch>
+        </p:blipFill>
+        <p:spPr>
+          <a:xfrm>
+            <a:off x="838200" y="365125"/>
+            <a:ext cx="3849130" cy="1108916"/>
+          </a:xfrm>
+          <a:prstGeom prst="rect">
+            <a:avLst/>
+          </a:prstGeom>
+        </p:spPr>
+      </p:pic>
+    </p:spTree>
+    <p:extLst>
+      <p:ext uri="{BB962C8B-B14F-4D97-AF65-F5344CB8AC3E}">
+        <p14:creationId xmlns:p14="http://schemas.microsoft.com/office/powerpoint/2010/main" val="3751610908"/>
+      </p:ext>
+    </p:extLst>
+  </p:cSld>
+  <p:clrMapOvr>
+    <a:masterClrMapping/>
+  </p:clrMapOvr>
+</p:sld>
+</file>
+
+<file path=ppt/slides/slide7.xml><?xml version="1.0" encoding="utf-8"?>
+<p:sld xmlns:a="http://schemas.openxmlformats.org/drawingml/2006/main" xmlns:r="http://schemas.openxmlformats.org/officeDocument/2006/relationships" xmlns:p="http://schemas.openxmlformats.org/presentationml/2006/main">
+  <p:cSld>
+    <p:spTree>
+      <p:nvGrpSpPr>
+        <p:cNvPr id="1" name=""/>
+        <p:cNvGrpSpPr/>
+        <p:nvPr/>
+      </p:nvGrpSpPr>
+      <p:grpSpPr>
+        <a:xfrm>
+          <a:off x="0" y="0"/>
+          <a:ext cx="0" cy="0"/>
+          <a:chOff x="0" y="0"/>
+          <a:chExt cx="0" cy="0"/>
+        </a:xfrm>
+      </p:grpSpPr>
+      <p:sp>
+        <p:nvSpPr>
+          <p:cNvPr id="2" name="Title 1">
+            <a:extLst>
+              <a:ext uri="{FF2B5EF4-FFF2-40B4-BE49-F238E27FC236}">
+                <a16:creationId xmlns:a16="http://schemas.microsoft.com/office/drawing/2014/main" id="{90236D24-AFE1-2A45-8ADD-F86DF08076CB}"/>
+              </a:ext>
+            </a:extLst>
+          </p:cNvPr>
+          <p:cNvSpPr>
+            <a:spLocks noGrp="1"/>
+          </p:cNvSpPr>
+          <p:nvPr>
+            <p:ph type="title"/>
+          </p:nvPr>
+        </p:nvSpPr>
+        <p:spPr/>
+        <p:txBody>
+          <a:bodyPr/>
+          <a:lstStyle/>
+          <a:p>
+            <a:pPr algn="r"/>
+            <a:r>
+              <a:rPr lang="ar-AE" dirty="0"/>
+              <a:t>مثال شاشة تشغيل البرنامج</a:t>
+            </a:r>
+            <a:endParaRPr lang="en-US" dirty="0"/>
+          </a:p>
+        </p:txBody>
+      </p:sp>
+      <p:pic>
+        <p:nvPicPr>
+          <p:cNvPr id="11" name="Content Placeholder 10" descr="A screenshot of a computer&#10;&#10;Description automatically generated">
+            <a:extLst>
+              <a:ext uri="{FF2B5EF4-FFF2-40B4-BE49-F238E27FC236}">
+                <a16:creationId xmlns:a16="http://schemas.microsoft.com/office/drawing/2014/main" id="{127AC702-98A3-8E41-BE1D-6CA6560395A2}"/>
+              </a:ext>
+            </a:extLst>
+          </p:cNvPr>
+          <p:cNvPicPr>
+            <a:picLocks noGrp="1" noChangeAspect="1"/>
+          </p:cNvPicPr>
+          <p:nvPr>
+            <p:ph idx="1"/>
+          </p:nvPr>
+        </p:nvPicPr>
+        <p:blipFill>
+          <a:blip r:embed="rId2"/>
+          <a:stretch>
+            <a:fillRect/>
+          </a:stretch>
+        </p:blipFill>
+        <p:spPr>
+          <a:xfrm>
+            <a:off x="367192" y="2066539"/>
+            <a:ext cx="3549714" cy="3734347"/>
+          </a:xfrm>
+        </p:spPr>
+      </p:pic>
+      <p:pic>
+        <p:nvPicPr>
+          <p:cNvPr id="13" name="Picture 12" descr="A screenshot of a computer&#10;&#10;Description automatically generated">
+            <a:extLst>
+              <a:ext uri="{FF2B5EF4-FFF2-40B4-BE49-F238E27FC236}">
+                <a16:creationId xmlns:a16="http://schemas.microsoft.com/office/drawing/2014/main" id="{271BD6D3-8448-794F-91E2-06FD8D9063C1}"/>
+              </a:ext>
+            </a:extLst>
+          </p:cNvPr>
+          <p:cNvPicPr>
+            <a:picLocks noChangeAspect="1"/>
+          </p:cNvPicPr>
+          <p:nvPr/>
+        </p:nvPicPr>
+        <p:blipFill>
+          <a:blip r:embed="rId3"/>
+          <a:stretch>
+            <a:fillRect/>
+          </a:stretch>
+        </p:blipFill>
+        <p:spPr>
+          <a:xfrm>
+            <a:off x="4200087" y="2098894"/>
+            <a:ext cx="3549715" cy="3669638"/>
+          </a:xfrm>
+          <a:prstGeom prst="rect">
+            <a:avLst/>
+          </a:prstGeom>
+        </p:spPr>
+      </p:pic>
+      <p:pic>
+        <p:nvPicPr>
+          <p:cNvPr id="15" name="Picture 14" descr="A screenshot of a computer&#10;&#10;Description automatically generated">
+            <a:extLst>
+              <a:ext uri="{FF2B5EF4-FFF2-40B4-BE49-F238E27FC236}">
+                <a16:creationId xmlns:a16="http://schemas.microsoft.com/office/drawing/2014/main" id="{63F0990C-239F-8D4B-9C98-53FC0C92CC2F}"/>
+              </a:ext>
+            </a:extLst>
+          </p:cNvPr>
+          <p:cNvPicPr>
+            <a:picLocks noChangeAspect="1"/>
+          </p:cNvPicPr>
+          <p:nvPr/>
+        </p:nvPicPr>
+        <p:blipFill>
+          <a:blip r:embed="rId4"/>
+          <a:stretch>
+            <a:fillRect/>
+          </a:stretch>
+        </p:blipFill>
+        <p:spPr>
+          <a:xfrm>
+            <a:off x="8032983" y="2098895"/>
+            <a:ext cx="3549714" cy="3645008"/>
+          </a:xfrm>
+          <a:prstGeom prst="rect">
+            <a:avLst/>
+          </a:prstGeom>
+        </p:spPr>
+      </p:pic>
+    </p:spTree>
+    <p:extLst>
+      <p:ext uri="{BB962C8B-B14F-4D97-AF65-F5344CB8AC3E}">
+        <p14:creationId xmlns:p14="http://schemas.microsoft.com/office/powerpoint/2010/main" val="1613703189"/>
+      </p:ext>
+    </p:extLst>
+  </p:cSld>
+  <p:clrMapOvr>
+    <a:masterClrMapping/>
+  </p:clrMapOvr>
+</p:sld>
+</file>
+
+<file path=ppt/slides/slide8.xml><?xml version="1.0" encoding="utf-8"?>
+<p:sld xmlns:a="http://schemas.openxmlformats.org/drawingml/2006/main" xmlns:r="http://schemas.openxmlformats.org/officeDocument/2006/relationships" xmlns:p="http://schemas.openxmlformats.org/presentationml/2006/main">
+  <p:cSld>
+    <p:spTree>
+      <p:nvGrpSpPr>
+        <p:cNvPr id="1" name=""/>
+        <p:cNvGrpSpPr/>
+        <p:nvPr/>
+      </p:nvGrpSpPr>
+      <p:grpSpPr>
+        <a:xfrm>
+          <a:off x="0" y="0"/>
+          <a:ext cx="0" cy="0"/>
+          <a:chOff x="0" y="0"/>
+          <a:chExt cx="0" cy="0"/>
+        </a:xfrm>
+      </p:grpSpPr>
+      <p:sp>
+        <p:nvSpPr>
+          <p:cNvPr id="2" name="Title 1">
+            <a:extLst>
+              <a:ext uri="{FF2B5EF4-FFF2-40B4-BE49-F238E27FC236}">
+                <a16:creationId xmlns:a16="http://schemas.microsoft.com/office/drawing/2014/main" id="{90236D24-AFE1-2A45-8ADD-F86DF08076CB}"/>
+              </a:ext>
+            </a:extLst>
+          </p:cNvPr>
+          <p:cNvSpPr>
+            <a:spLocks noGrp="1"/>
+          </p:cNvSpPr>
+          <p:nvPr>
+            <p:ph type="title"/>
+          </p:nvPr>
+        </p:nvSpPr>
+        <p:spPr/>
+        <p:txBody>
+          <a:bodyPr/>
+          <a:lstStyle/>
+          <a:p>
+            <a:pPr algn="r"/>
+            <a:r>
+              <a:rPr lang="ar-AE" dirty="0"/>
+              <a:t>مثال شاشة تشغيل البرنامج</a:t>
+            </a:r>
+            <a:endParaRPr lang="en-US" dirty="0"/>
+          </a:p>
+        </p:txBody>
+      </p:sp>
+      <p:pic>
+        <p:nvPicPr>
+          <p:cNvPr id="6" name="Content Placeholder 5" descr="A screenshot of a computer&#10;&#10;Description automatically generated">
+            <a:extLst>
+              <a:ext uri="{FF2B5EF4-FFF2-40B4-BE49-F238E27FC236}">
+                <a16:creationId xmlns:a16="http://schemas.microsoft.com/office/drawing/2014/main" id="{3597C1D5-B4FA-EC4D-A539-B005537FD448}"/>
+              </a:ext>
+            </a:extLst>
+          </p:cNvPr>
+          <p:cNvPicPr>
+            <a:picLocks noGrp="1" noChangeAspect="1"/>
+          </p:cNvPicPr>
+          <p:nvPr>
+            <p:ph idx="1"/>
+          </p:nvPr>
+        </p:nvPicPr>
+        <p:blipFill>
+          <a:blip r:embed="rId2"/>
+          <a:stretch>
+            <a:fillRect/>
+          </a:stretch>
+        </p:blipFill>
+        <p:spPr>
+          <a:xfrm>
+            <a:off x="1559862" y="1836136"/>
+            <a:ext cx="4174454" cy="4351338"/>
+          </a:xfrm>
+        </p:spPr>
+      </p:pic>
+      <p:pic>
+        <p:nvPicPr>
+          <p:cNvPr id="8" name="Picture 7" descr="A screenshot of a computer&#10;&#10;Description automatically generated">
+            <a:extLst>
+              <a:ext uri="{FF2B5EF4-FFF2-40B4-BE49-F238E27FC236}">
+                <a16:creationId xmlns:a16="http://schemas.microsoft.com/office/drawing/2014/main" id="{88A962FD-9746-A443-BBE5-7CC8416394D8}"/>
+              </a:ext>
+            </a:extLst>
+          </p:cNvPr>
+          <p:cNvPicPr>
+            <a:picLocks noChangeAspect="1"/>
+          </p:cNvPicPr>
+          <p:nvPr/>
+        </p:nvPicPr>
+        <p:blipFill>
+          <a:blip r:embed="rId3"/>
+          <a:stretch>
+            <a:fillRect/>
+          </a:stretch>
+        </p:blipFill>
+        <p:spPr>
+          <a:xfrm>
+            <a:off x="6096001" y="1817743"/>
+            <a:ext cx="4174454" cy="4355347"/>
+          </a:xfrm>
+          <a:prstGeom prst="rect">
+            <a:avLst/>
+          </a:prstGeom>
+        </p:spPr>
+      </p:pic>
+    </p:spTree>
+    <p:extLst>
+      <p:ext uri="{BB962C8B-B14F-4D97-AF65-F5344CB8AC3E}">
+        <p14:creationId xmlns:p14="http://schemas.microsoft.com/office/powerpoint/2010/main" val="2828524470"/>
+      </p:ext>
+    </p:extLst>
+  </p:cSld>
+  <p:clrMapOvr>
+    <a:masterClrMapping/>
+  </p:clrMapOvr>
+</p:sld>
+</file>
+
+<file path=ppt/slides/slide9.xml><?xml version="1.0" encoding="utf-8"?>
+<p:sld xmlns:a="http://schemas.openxmlformats.org/drawingml/2006/main" xmlns:r="http://schemas.openxmlformats.org/officeDocument/2006/relationships" xmlns:p="http://schemas.openxmlformats.org/presentationml/2006/main">
+  <p:cSld>
+    <p:bg>
+      <p:bgPr>
+        <a:solidFill>
+          <a:schemeClr val="bg1"/>
+        </a:solidFill>
+        <a:effectLst/>
+      </p:bgPr>
+    </p:bg>
+    <p:spTree>
+      <p:nvGrpSpPr>
+        <p:cNvPr id="1" name=""/>
+        <p:cNvGrpSpPr/>
+        <p:nvPr/>
+      </p:nvGrpSpPr>
+      <p:grpSpPr>
+        <a:xfrm>
+          <a:off x="0" y="0"/>
+          <a:ext cx="0" cy="0"/>
+          <a:chOff x="0" y="0"/>
+          <a:chExt cx="0" cy="0"/>
+        </a:xfrm>
+      </p:grpSpPr>
+      <p:sp useBgFill="1">
+        <p:nvSpPr>
+          <p:cNvPr id="9" name="Rectangle 8">
+            <a:extLst>
+              <a:ext uri="{FF2B5EF4-FFF2-40B4-BE49-F238E27FC236}">
+                <a16:creationId xmlns:a16="http://schemas.microsoft.com/office/drawing/2014/main" id="{BACC6370-2D7E-4714-9D71-7542949D7D5D}"/>
+              </a:ext>
+              <a:ext uri="{C183D7F6-B498-43B3-948B-1728B52AA6E4}">
+                <adec:decorative xmlns:adec="http://schemas.microsoft.com/office/drawing/2017/decorative" val="1"/>
+              </a:ext>
+            </a:extLst>
+          </p:cNvPr>
+          <p:cNvSpPr>
+            <a:spLocks noGrp="1" noRot="1" noChangeAspect="1" noMove="1" noResize="1" noEditPoints="1" noAdjustHandles="1" noChangeArrowheads="1" noChangeShapeType="1" noTextEdit="1"/>
+          </p:cNvSpPr>
+          <p:nvPr>
+            <p:extLst>
+              <p:ext uri="{386F3935-93C4-4BCD-93E2-E3B085C9AB24}">
+                <p16:designElem xmlns:p16="http://schemas.microsoft.com/office/powerpoint/2015/main" val="1"/>
+              </p:ext>
+            </p:extLst>
+          </p:nvPr>
+        </p:nvSpPr>
+        <p:spPr>
+          <a:xfrm>
+            <a:off x="0" y="0"/>
+            <a:ext cx="12192000" cy="6858000"/>
+          </a:xfrm>
+          <a:prstGeom prst="rect">
+            <a:avLst/>
+          </a:prstGeom>
+          <a:ln w="12700" cap="flat" cmpd="sng" algn="ctr">
+            <a:noFill/>
+            <a:prstDash val="solid"/>
+            <a:miter lim="800000"/>
+          </a:ln>
+          <a:effectLst/>
+          <a:extLst>
+            <a:ext uri="{91240B29-F687-4F45-9708-019B960494DF}">
+              <a14:hiddenLine xmlns:a14="http://schemas.microsoft.com/office/drawing/2010/main" w="12700" cap="flat" cmpd="sng" algn="ctr">
+                <a:solidFill>
+                  <a:schemeClr val="accent1">
+                    <a:shade val="50000"/>
+                  </a:schemeClr>
+                </a:solidFill>
+                <a:prstDash val="solid"/>
+                <a:miter lim="800000"/>
+              </a14:hiddenLine>
+            </a:ext>
+          </a:extLst>
+        </p:spPr>
+        <p:style>
+          <a:lnRef idx="2">
+            <a:schemeClr val="accent1">
+              <a:shade val="50000"/>
+            </a:schemeClr>
+          </a:lnRef>
+          <a:fillRef idx="1">
+            <a:schemeClr val="accent1"/>
+          </a:fillRef>
+          <a:effectRef idx="0">
+            <a:schemeClr val="accent1"/>
+          </a:effectRef>
+          <a:fontRef idx="minor">
+            <a:schemeClr val="lt1"/>
+          </a:fontRef>
+        </p:style>
+        <p:txBody>
+          <a:bodyPr rtlCol="0" anchor="ctr"/>
+          <a:lstStyle/>
+          <a:p>
+            <a:pPr algn="ctr"/>
+            <a:endParaRPr lang="en-US"/>
+          </a:p>
+        </p:txBody>
+      </p:sp>
+      <p:sp>
+        <p:nvSpPr>
+          <p:cNvPr id="11" name="Rectangle 10">
+            <a:extLst>
+              <a:ext uri="{FF2B5EF4-FFF2-40B4-BE49-F238E27FC236}">
+                <a16:creationId xmlns:a16="http://schemas.microsoft.com/office/drawing/2014/main" id="{F68B3F68-107C-434F-AA38-110D5EA91B85}"/>
+              </a:ext>
+              <a:ext uri="{C183D7F6-B498-43B3-948B-1728B52AA6E4}">
+                <adec:decorative xmlns:adec="http://schemas.microsoft.com/office/drawing/2017/decorative" val="1"/>
+              </a:ext>
+            </a:extLst>
+          </p:cNvPr>
+          <p:cNvSpPr>
+            <a:spLocks noGrp="1" noRot="1" noChangeAspect="1" noMove="1" noResize="1" noEditPoints="1" noAdjustHandles="1" noChangeArrowheads="1" noChangeShapeType="1" noTextEdit="1"/>
+          </p:cNvSpPr>
+          <p:nvPr>
+            <p:extLst>
+              <p:ext uri="{386F3935-93C4-4BCD-93E2-E3B085C9AB24}">
+                <p16:designElem xmlns:p16="http://schemas.microsoft.com/office/powerpoint/2015/main" val="1"/>
+              </p:ext>
+            </p:extLst>
+          </p:nvPr>
+        </p:nvSpPr>
+        <p:spPr>
+          <a:xfrm flipH="1">
+            <a:off x="2" y="0"/>
+            <a:ext cx="12191998" cy="1575955"/>
+          </a:xfrm>
+          <a:prstGeom prst="rect">
+            <a:avLst/>
+          </a:prstGeom>
+          <a:gradFill>
+            <a:gsLst>
+              <a:gs pos="0">
+                <a:srgbClr val="000000">
+                  <a:alpha val="96000"/>
+                </a:srgbClr>
+              </a:gs>
+              <a:gs pos="100000">
+                <a:schemeClr val="accent1">
+                  <a:lumMod val="75000"/>
+                </a:schemeClr>
+              </a:gs>
+            </a:gsLst>
+            <a:lin ang="8400000" scaled="0"/>
+          </a:gradFill>
+          <a:ln>
+            <a:noFill/>
+          </a:ln>
+        </p:spPr>
+        <p:style>
+          <a:lnRef idx="2">
+            <a:schemeClr val="accent1">
+              <a:shade val="50000"/>
+            </a:schemeClr>
+          </a:lnRef>
+          <a:fillRef idx="1">
+            <a:schemeClr val="accent1"/>
+          </a:fillRef>
+          <a:effectRef idx="0">
+            <a:schemeClr val="accent1"/>
+          </a:effectRef>
+          <a:fontRef idx="minor">
+            <a:schemeClr val="lt1"/>
+          </a:fontRef>
+        </p:style>
+        <p:txBody>
+          <a:bodyPr rtlCol="0" anchor="ctr"/>
+          <a:lstStyle/>
+          <a:p>
+            <a:pPr algn="ctr"/>
+            <a:endParaRPr lang="en-US"/>
+          </a:p>
+        </p:txBody>
+      </p:sp>
+      <p:sp>
+        <p:nvSpPr>
+          <p:cNvPr id="13" name="Rectangle 12">
+            <a:extLst>
+              <a:ext uri="{FF2B5EF4-FFF2-40B4-BE49-F238E27FC236}">
+                <a16:creationId xmlns:a16="http://schemas.microsoft.com/office/drawing/2014/main" id="{AAD0DBB9-1A4B-4391-81D4-CB19F9AB918A}"/>
+              </a:ext>
+              <a:ext uri="{C183D7F6-B498-43B3-948B-1728B52AA6E4}">
+                <adec:decorative xmlns:adec="http://schemas.microsoft.com/office/drawing/2017/decorative" val="1"/>
+              </a:ext>
+            </a:extLst>
+          </p:cNvPr>
+          <p:cNvSpPr>
+            <a:spLocks noGrp="1" noRot="1" noChangeAspect="1" noMove="1" noResize="1" noEditPoints="1" noAdjustHandles="1" noChangeArrowheads="1" noChangeShapeType="1" noTextEdit="1"/>
+          </p:cNvSpPr>
+          <p:nvPr>
+            <p:extLst>
+              <p:ext uri="{386F3935-93C4-4BCD-93E2-E3B085C9AB24}">
+                <p16:designElem xmlns:p16="http://schemas.microsoft.com/office/powerpoint/2015/main" val="1"/>
+              </p:ext>
+            </p:extLst>
+          </p:nvPr>
+        </p:nvSpPr>
+        <p:spPr>
+          <a:xfrm rot="10800000" flipH="1">
+            <a:off x="8128857" y="0"/>
+            <a:ext cx="4063143" cy="1576412"/>
+          </a:xfrm>
+          <a:prstGeom prst="rect">
+            <a:avLst/>
+          </a:prstGeom>
+          <a:gradFill>
+            <a:gsLst>
+              <a:gs pos="19000">
+                <a:schemeClr val="accent1">
+                  <a:lumMod val="50000"/>
+                  <a:alpha val="68000"/>
+                </a:schemeClr>
+              </a:gs>
+              <a:gs pos="100000">
+                <a:schemeClr val="accent1">
+                  <a:alpha val="79000"/>
+                </a:schemeClr>
+              </a:gs>
+            </a:gsLst>
+            <a:lin ang="19200000" scaled="0"/>
+          </a:gradFill>
+          <a:ln>
+            <a:noFill/>
+          </a:ln>
+        </p:spPr>
+        <p:style>
+          <a:lnRef idx="2">
+            <a:schemeClr val="accent1">
+              <a:shade val="50000"/>
+            </a:schemeClr>
+          </a:lnRef>
+          <a:fillRef idx="1">
+            <a:schemeClr val="accent1"/>
+          </a:fillRef>
+          <a:effectRef idx="0">
+            <a:schemeClr val="accent1"/>
+          </a:effectRef>
+          <a:fontRef idx="minor">
+            <a:schemeClr val="lt1"/>
+          </a:fontRef>
+        </p:style>
+        <p:txBody>
+          <a:bodyPr rtlCol="0" anchor="ctr"/>
+          <a:lstStyle/>
+          <a:p>
+            <a:pPr algn="ctr"/>
+            <a:endParaRPr lang="en-US"/>
+          </a:p>
+        </p:txBody>
+      </p:sp>
+      <p:sp>
+        <p:nvSpPr>
+          <p:cNvPr id="15" name="Rectangle 14">
+            <a:extLst>
+              <a:ext uri="{FF2B5EF4-FFF2-40B4-BE49-F238E27FC236}">
+                <a16:creationId xmlns:a16="http://schemas.microsoft.com/office/drawing/2014/main" id="{063BBA22-50EA-4C4D-BE05-F1CE4E63AA56}"/>
+              </a:ext>
+              <a:ext uri="{C183D7F6-B498-43B3-948B-1728B52AA6E4}">
+                <adec:decorative xmlns:adec="http://schemas.microsoft.com/office/drawing/2017/decorative" val="1"/>
+              </a:ext>
+            </a:extLst>
+          </p:cNvPr>
+          <p:cNvSpPr>
+            <a:spLocks noGrp="1" noRot="1" noChangeAspect="1" noMove="1" noResize="1" noEditPoints="1" noAdjustHandles="1" noChangeArrowheads="1" noChangeShapeType="1" noTextEdit="1"/>
+          </p:cNvSpPr>
+          <p:nvPr>
+            <p:extLst>
+              <p:ext uri="{386F3935-93C4-4BCD-93E2-E3B085C9AB24}">
+                <p16:designElem xmlns:p16="http://schemas.microsoft.com/office/powerpoint/2015/main" val="1"/>
+              </p:ext>
+            </p:extLst>
+          </p:nvPr>
+        </p:nvSpPr>
+        <p:spPr>
+          <a:xfrm rot="5400000">
+            <a:off x="5307777" y="-5307778"/>
+            <a:ext cx="1576446" cy="12192002"/>
+          </a:xfrm>
+          <a:prstGeom prst="rect">
+            <a:avLst/>
+          </a:prstGeom>
+          <a:gradFill>
+            <a:gsLst>
+              <a:gs pos="23000">
+                <a:schemeClr val="accent1">
+                  <a:alpha val="0"/>
+                </a:schemeClr>
+              </a:gs>
+              <a:gs pos="99000">
+                <a:srgbClr val="000000">
+                  <a:alpha val="74000"/>
+                </a:srgbClr>
+              </a:gs>
+            </a:gsLst>
+            <a:lin ang="20400000" scaled="0"/>
+          </a:gradFill>
+          <a:ln>
+            <a:noFill/>
+          </a:ln>
+        </p:spPr>
+        <p:style>
+          <a:lnRef idx="2">
+            <a:schemeClr val="accent1">
+              <a:shade val="50000"/>
+            </a:schemeClr>
+          </a:lnRef>
+          <a:fillRef idx="1">
+            <a:schemeClr val="accent1"/>
+          </a:fillRef>
+          <a:effectRef idx="0">
+            <a:schemeClr val="accent1"/>
+          </a:effectRef>
+          <a:fontRef idx="minor">
+            <a:schemeClr val="lt1"/>
+          </a:fontRef>
+        </p:style>
+        <p:txBody>
+          <a:bodyPr rtlCol="0" anchor="ctr"/>
+          <a:lstStyle/>
+          <a:p>
+            <a:pPr algn="ctr"/>
+            <a:endParaRPr lang="en-US" dirty="0"/>
+          </a:p>
+        </p:txBody>
+      </p:sp>
+      <p:sp>
+        <p:nvSpPr>
+          <p:cNvPr id="2" name="Title 1">
+            <a:extLst>
+              <a:ext uri="{FF2B5EF4-FFF2-40B4-BE49-F238E27FC236}">
+                <a16:creationId xmlns:a16="http://schemas.microsoft.com/office/drawing/2014/main" id="{9925ABEB-B8C6-4CC7-8A23-A10364A90D08}"/>
+              </a:ext>
+            </a:extLst>
+          </p:cNvPr>
+          <p:cNvSpPr>
+            <a:spLocks noGrp="1"/>
+          </p:cNvSpPr>
+          <p:nvPr>
+            <p:ph type="title"/>
+          </p:nvPr>
+        </p:nvSpPr>
+        <p:spPr>
+          <a:xfrm>
+            <a:off x="1371597" y="348865"/>
+            <a:ext cx="10044023" cy="877729"/>
+          </a:xfrm>
+        </p:spPr>
+        <p:txBody>
+          <a:bodyPr anchor="ctr">
+            <a:normAutofit/>
+          </a:bodyPr>
+          <a:lstStyle/>
+          <a:p>
+            <a:pPr marL="0" marR="0">
+              <a:spcBef>
+                <a:spcPts val="0"/>
+              </a:spcBef>
+              <a:spcAft>
+                <a:spcPts val="800"/>
+              </a:spcAft>
+            </a:pPr>
+            <a:r>
+              <a:rPr lang="ar-KW" sz="4000" dirty="0">
+                <a:solidFill>
+                  <a:srgbClr val="FFFFFF"/>
+                </a:solidFill>
+                <a:effectLst/>
+                <a:latin typeface="Calibri" panose="020F0502020204030204" pitchFamily="34" charset="0"/>
+                <a:ea typeface="Calibri" panose="020F0502020204030204" pitchFamily="34" charset="0"/>
+                <a:cs typeface="Arial" panose="020B0604020202020204" pitchFamily="34" charset="0"/>
+              </a:rPr>
+              <a:t>المشاكل الحالية</a:t>
+            </a:r>
+            <a:endParaRPr lang="en-US" sz="4000" dirty="0">
+              <a:solidFill>
+                <a:srgbClr val="FFFFFF"/>
+              </a:solidFill>
+              <a:effectLst/>
+              <a:latin typeface="Calibri" panose="020F0502020204030204" pitchFamily="34" charset="0"/>
+              <a:ea typeface="Calibri" panose="020F0502020204030204" pitchFamily="34" charset="0"/>
+              <a:cs typeface="Arial" panose="020B0604020202020204" pitchFamily="34" charset="0"/>
+            </a:endParaRPr>
+          </a:p>
+        </p:txBody>
+      </p:sp>
+      <p:graphicFrame>
+        <p:nvGraphicFramePr>
+          <p:cNvPr id="5" name="Content Placeholder 2">
+            <a:extLst>
+              <a:ext uri="{FF2B5EF4-FFF2-40B4-BE49-F238E27FC236}">
+                <a16:creationId xmlns:a16="http://schemas.microsoft.com/office/drawing/2014/main" id="{5E8B2A4C-4543-25F7-2F5D-67AD4499392C}"/>
+              </a:ext>
+            </a:extLst>
+          </p:cNvPr>
+          <p:cNvGraphicFramePr>
+            <a:graphicFrameLocks noGrp="1"/>
+          </p:cNvGraphicFramePr>
+          <p:nvPr>
+            <p:ph idx="1"/>
+            <p:extLst>
+              <p:ext uri="{D42A27DB-BD31-4B8C-83A1-F6EECF244321}">
+                <p14:modId xmlns:p14="http://schemas.microsoft.com/office/powerpoint/2010/main" val="4047471720"/>
+              </p:ext>
+            </p:extLst>
+          </p:nvPr>
+        </p:nvGraphicFramePr>
+        <p:xfrm>
+          <a:off x="644056" y="2112579"/>
+          <a:ext cx="10927829" cy="4192805"/>
+        </p:xfrm>
+        <a:graphic>
+          <a:graphicData uri="http://schemas.openxmlformats.org/drawingml/2006/diagram">
+            <dgm:relIds xmlns:dgm="http://schemas.openxmlformats.org/drawingml/2006/diagram" xmlns:r="http://schemas.openxmlformats.org/officeDocument/2006/relationships" r:dm="rId2" r:lo="rId3" r:qs="rId4" r:cs="rId5"/>
+          </a:graphicData>
+        </a:graphic>
+      </p:graphicFrame>
+    </p:spTree>
+    <p:extLst>
+      <p:ext uri="{BB962C8B-B14F-4D97-AF65-F5344CB8AC3E}">
+        <p14:creationId xmlns:p14="http://schemas.microsoft.com/office/powerpoint/2010/main" val="1069822785"/>
       </p:ext>
     </p:extLst>
   </p:cSld>

--- a/Nmapscanner_Presentation.pptx
+++ b/Nmapscanner_Presentation.pptx
@@ -1810,7 +1810,7 @@
         <a:p>
           <a:r>
             <a:rPr lang="ar-AE" dirty="0"/>
-            <a:t>اختراع اداة لفحص جهاز او اجهزة في شبكة معينة </a:t>
+            <a:t>بناء اداة لفحص جهاز او اجهزة في شبكة معينة </a:t>
           </a:r>
           <a:endParaRPr lang="en-US" dirty="0"/>
         </a:p>
@@ -2654,7 +2654,7 @@
           </a:pPr>
           <a:r>
             <a:rPr lang="ar-AE" sz="2300" kern="1200" dirty="0"/>
-            <a:t>اختراع اداة لفحص جهاز او اجهزة في شبكة معينة </a:t>
+            <a:t>بناء اداة لفحص جهاز او اجهزة في شبكة معينة </a:t>
           </a:r>
           <a:endParaRPr lang="en-US" sz="2300" kern="1200" dirty="0"/>
         </a:p>
@@ -9517,7 +9517,7 @@
         </p:blipFill>
         <p:spPr>
           <a:xfrm>
-            <a:off x="20" y="10"/>
+            <a:off x="20" y="365125"/>
             <a:ext cx="12191980" cy="6857990"/>
           </a:xfrm>
           <a:prstGeom prst="rect">
@@ -9630,6 +9630,7 @@
           </a:bodyPr>
           <a:lstStyle/>
           <a:p>
+            <a:pPr algn="r"/>
             <a:r>
               <a:rPr lang="ar-AE" dirty="0"/>
               <a:t>الخطوات التالية</a:t>
@@ -10604,7 +10605,7 @@
             <p:ph idx="1"/>
             <p:extLst>
               <p:ext uri="{D42A27DB-BD31-4B8C-83A1-F6EECF244321}">
-                <p14:modId xmlns:p14="http://schemas.microsoft.com/office/powerpoint/2010/main" val="1447797471"/>
+                <p14:modId xmlns:p14="http://schemas.microsoft.com/office/powerpoint/2010/main" val="1168382606"/>
               </p:ext>
             </p:extLst>
           </p:nvPr>
@@ -11095,13 +11096,13 @@
         </p:nvSpPr>
         <p:spPr>
           <a:xfrm>
-            <a:off x="1371599" y="2318197"/>
-            <a:ext cx="9724031" cy="3683358"/>
+            <a:off x="1371599" y="1597432"/>
+            <a:ext cx="9724031" cy="5171230"/>
           </a:xfrm>
         </p:spPr>
         <p:txBody>
           <a:bodyPr anchor="ctr">
-            <a:normAutofit/>
+            <a:normAutofit fontScale="92500" lnSpcReduction="10000"/>
           </a:bodyPr>
           <a:lstStyle/>
           <a:p>
@@ -11138,8 +11139,12 @@
               <a:buNone/>
             </a:pPr>
             <a:r>
-              <a:rPr lang="en-US" sz="1700" u="sng" dirty="0"/>
-              <a:t>Frontend</a:t>
+              <a:rPr lang="en-US" sz="1700" b="1" u="sng" dirty="0" err="1"/>
+              <a:t>Abdulaziz</a:t>
+            </a:r>
+            <a:r>
+              <a:rPr lang="en-US" sz="1700" b="1" u="sng" dirty="0"/>
+              <a:t> (Frontend)</a:t>
             </a:r>
           </a:p>
           <a:p>
@@ -11160,6 +11165,16 @@
             <a:pPr marL="0" indent="0">
               <a:buNone/>
             </a:pPr>
+            <a:r>
+              <a:rPr lang="ar-AE" sz="1700" dirty="0"/>
+              <a:t>بتوصيل الأزرار بالاوامر</a:t>
+            </a:r>
+            <a:endParaRPr lang="en-US" sz="1700" dirty="0"/>
+          </a:p>
+          <a:p>
+            <a:pPr marL="0" indent="0">
+              <a:buNone/>
+            </a:pPr>
             <a:endParaRPr lang="en-US" sz="1700" dirty="0"/>
           </a:p>
           <a:p>
@@ -11167,10 +11182,10 @@
               <a:buNone/>
             </a:pPr>
             <a:r>
-              <a:rPr lang="en-US" sz="1700" u="sng" dirty="0"/>
-              <a:t>Backend</a:t>
+              <a:rPr lang="en-US" sz="1700" b="1" u="sng" dirty="0"/>
+              <a:t>Yousef (Backend)</a:t>
             </a:r>
-            <a:endParaRPr lang="en-US" sz="1700" dirty="0"/>
+            <a:endParaRPr lang="en-US" sz="1700" b="1" dirty="0"/>
           </a:p>
           <a:p>
             <a:pPr marL="0" indent="0">
@@ -11196,7 +11211,7 @@
             </a:pPr>
             <a:r>
               <a:rPr lang="en-US" sz="1700" dirty="0"/>
-              <a:t>Async functions supported</a:t>
+              <a:t>Async functions</a:t>
             </a:r>
           </a:p>
           <a:p>
@@ -11211,6 +11226,50 @@
               <a:rPr lang="en-US" sz="1700" dirty="0"/>
               <a:t>NVD API</a:t>
             </a:r>
+          </a:p>
+          <a:p>
+            <a:pPr marL="0" indent="0">
+              <a:buNone/>
+            </a:pPr>
+            <a:r>
+              <a:rPr lang="en-US" sz="1700" dirty="0"/>
+              <a:t>Installer</a:t>
+            </a:r>
+          </a:p>
+          <a:p>
+            <a:pPr marL="0" indent="0">
+              <a:buNone/>
+            </a:pPr>
+            <a:endParaRPr lang="en-US" sz="1700" dirty="0"/>
+          </a:p>
+          <a:p>
+            <a:pPr marL="0" indent="0">
+              <a:buNone/>
+            </a:pPr>
+            <a:r>
+              <a:rPr lang="en-US" sz="1700" b="1" u="sng" dirty="0"/>
+              <a:t>Khaled (Code refactoring)</a:t>
+            </a:r>
+          </a:p>
+          <a:p>
+            <a:pPr marL="0" indent="0">
+              <a:buNone/>
+            </a:pPr>
+            <a:r>
+              <a:rPr lang="ar-AE" sz="1700" dirty="0"/>
+              <a:t>تفصيل الاوامر الى كلاسات لتنظيم ومسهلة قراءة الكود</a:t>
+            </a:r>
+            <a:endParaRPr lang="en-US" sz="1700" dirty="0"/>
+          </a:p>
+          <a:p>
+            <a:pPr marL="0" indent="0">
+              <a:buNone/>
+            </a:pPr>
+            <a:r>
+              <a:rPr lang="ar-AE" sz="1700" dirty="0"/>
+              <a:t>بحث وتعريف عن الاوامر والتكوينات المحتاجة</a:t>
+            </a:r>
+            <a:endParaRPr lang="en-US" sz="1700" dirty="0"/>
           </a:p>
         </p:txBody>
       </p:sp>
